--- a/DR_Direction/MG_Management/10_Point_Projet/2019_2020/2019 11 05.pptx
+++ b/DR_Direction/MG_Management/10_Point_Projet/2019_2020/2019 11 05.pptx
@@ -5,42 +5,54 @@
     <p:sldMasterId id="2147483685" r:id="rId1"/>
   </p:sldMasterIdLst>
   <p:notesMasterIdLst>
-    <p:notesMasterId r:id="rId6"/>
+    <p:notesMasterId r:id="rId11"/>
   </p:notesMasterIdLst>
   <p:handoutMasterIdLst>
-    <p:handoutMasterId r:id="rId7"/>
+    <p:handoutMasterId r:id="rId12"/>
   </p:handoutMasterIdLst>
   <p:sldIdLst>
     <p:sldId id="256" r:id="rId2"/>
     <p:sldId id="257" r:id="rId3"/>
     <p:sldId id="258" r:id="rId4"/>
-    <p:sldId id="259" r:id="rId5"/>
+    <p:sldId id="261" r:id="rId5"/>
+    <p:sldId id="262" r:id="rId6"/>
+    <p:sldId id="263" r:id="rId7"/>
+    <p:sldId id="264" r:id="rId8"/>
+    <p:sldId id="265" r:id="rId9"/>
+    <p:sldId id="259" r:id="rId10"/>
   </p:sldIdLst>
   <p:sldSz cx="9144000" cy="5143500" type="screen16x9"/>
   <p:notesSz cx="6858000" cy="9144000"/>
   <p:embeddedFontLst>
     <p:embeddedFont>
       <p:font typeface="Arial Black" panose="020B0A04020102020204" pitchFamily="34" charset="0"/>
-      <p:bold r:id="rId8"/>
+      <p:bold r:id="rId13"/>
     </p:embeddedFont>
     <p:embeddedFont>
       <p:font typeface="Calibri" panose="020F0502020204030204" pitchFamily="34" charset="0"/>
-      <p:regular r:id="rId9"/>
-      <p:bold r:id="rId10"/>
-      <p:italic r:id="rId11"/>
-      <p:boldItalic r:id="rId12"/>
+      <p:regular r:id="rId14"/>
+      <p:bold r:id="rId15"/>
+      <p:italic r:id="rId16"/>
+      <p:boldItalic r:id="rId17"/>
     </p:embeddedFont>
     <p:embeddedFont>
       <p:font typeface="Calibri Light" panose="020F0302020204030204" pitchFamily="34" charset="0"/>
-      <p:regular r:id="rId13"/>
-      <p:italic r:id="rId14"/>
+      <p:regular r:id="rId18"/>
+      <p:italic r:id="rId19"/>
+    </p:embeddedFont>
+    <p:embeddedFont>
+      <p:font typeface="Corbel" panose="020B0503020204020204" pitchFamily="34" charset="0"/>
+      <p:regular r:id="rId20"/>
+      <p:bold r:id="rId21"/>
+      <p:italic r:id="rId22"/>
+      <p:boldItalic r:id="rId23"/>
     </p:embeddedFont>
     <p:embeddedFont>
       <p:font typeface="Open Sans" panose="020B0606030504020204" pitchFamily="34" charset="0"/>
-      <p:regular r:id="rId15"/>
-      <p:bold r:id="rId16"/>
-      <p:italic r:id="rId17"/>
-      <p:boldItalic r:id="rId18"/>
+      <p:regular r:id="rId24"/>
+      <p:bold r:id="rId25"/>
+      <p:italic r:id="rId26"/>
+      <p:boldItalic r:id="rId27"/>
     </p:embeddedFont>
   </p:embeddedFontLst>
   <p:defaultTextStyle>
@@ -243,7 +255,7 @@
           <a:p>
             <a:fld id="{49AEFE1F-22FD-4117-A76E-EC5475E849AC}" type="datetimeFigureOut">
               <a:rPr lang="en-US" smtClean="0"/>
-              <a:t>11/5/2019</a:t>
+              <a:t>11/6/2019</a:t>
             </a:fld>
             <a:endParaRPr lang="en-US"/>
           </a:p>
@@ -1771,6 +1783,616 @@
 </p:notesMaster>
 </file>
 
+<file path=ppt/notesSlides/notesSlide1.xml><?xml version="1.0" encoding="utf-8"?>
+<p:notes xmlns:a="http://schemas.openxmlformats.org/drawingml/2006/main" xmlns:r="http://schemas.openxmlformats.org/officeDocument/2006/relationships" xmlns:p="http://schemas.openxmlformats.org/presentationml/2006/main" showMasterSp="0" showMasterPhAnim="0">
+  <p:cSld>
+    <p:spTree>
+      <p:nvGrpSpPr>
+        <p:cNvPr id="1" name="Shape 96"/>
+        <p:cNvGrpSpPr/>
+        <p:nvPr/>
+      </p:nvGrpSpPr>
+      <p:grpSpPr>
+        <a:xfrm>
+          <a:off x="0" y="0"/>
+          <a:ext cx="0" cy="0"/>
+          <a:chOff x="0" y="0"/>
+          <a:chExt cx="0" cy="0"/>
+        </a:xfrm>
+      </p:grpSpPr>
+      <p:sp>
+        <p:nvSpPr>
+          <p:cNvPr id="97" name="Google Shape;97;p19:notes"/>
+          <p:cNvSpPr txBox="1">
+            <a:spLocks noGrp="1"/>
+          </p:cNvSpPr>
+          <p:nvPr>
+            <p:ph type="body" idx="1"/>
+          </p:nvPr>
+        </p:nvSpPr>
+        <p:spPr>
+          <a:xfrm>
+            <a:off x="685800" y="4400550"/>
+            <a:ext cx="5486400" cy="3600450"/>
+          </a:xfrm>
+          <a:prstGeom prst="rect">
+            <a:avLst/>
+          </a:prstGeom>
+          <a:noFill/>
+          <a:ln>
+            <a:noFill/>
+          </a:ln>
+        </p:spPr>
+        <p:txBody>
+          <a:bodyPr spcFirstLastPara="1" wrap="square" lIns="91425" tIns="45700" rIns="91425" bIns="45700" anchor="t" anchorCtr="0">
+            <a:noAutofit/>
+          </a:bodyPr>
+          <a:lstStyle/>
+          <a:p>
+            <a:pPr marL="0" lvl="0" indent="0" algn="l" rtl="0">
+              <a:lnSpc>
+                <a:spcPct val="100000"/>
+              </a:lnSpc>
+              <a:spcBef>
+                <a:spcPts val="0"/>
+              </a:spcBef>
+              <a:spcAft>
+                <a:spcPts val="0"/>
+              </a:spcAft>
+              <a:buSzPts val="1400"/>
+              <a:buNone/>
+            </a:pPr>
+            <a:endParaRPr/>
+          </a:p>
+        </p:txBody>
+      </p:sp>
+      <p:sp>
+        <p:nvSpPr>
+          <p:cNvPr id="98" name="Google Shape;98;p19:notes"/>
+          <p:cNvSpPr>
+            <a:spLocks noGrp="1" noRot="1" noChangeAspect="1"/>
+          </p:cNvSpPr>
+          <p:nvPr>
+            <p:ph type="sldImg" idx="2"/>
+          </p:nvPr>
+        </p:nvSpPr>
+        <p:spPr>
+          <a:xfrm>
+            <a:off x="685800" y="1143000"/>
+            <a:ext cx="5486400" cy="3086100"/>
+          </a:xfrm>
+          <a:custGeom>
+            <a:avLst/>
+            <a:gdLst/>
+            <a:ahLst/>
+            <a:cxnLst/>
+            <a:rect l="l" t="t" r="r" b="b"/>
+            <a:pathLst>
+              <a:path w="120000" h="120000" extrusionOk="0">
+                <a:moveTo>
+                  <a:pt x="0" y="0"/>
+                </a:moveTo>
+                <a:lnTo>
+                  <a:pt x="120000" y="0"/>
+                </a:lnTo>
+                <a:lnTo>
+                  <a:pt x="120000" y="120000"/>
+                </a:lnTo>
+                <a:lnTo>
+                  <a:pt x="0" y="120000"/>
+                </a:lnTo>
+                <a:close/>
+              </a:path>
+            </a:pathLst>
+          </a:custGeom>
+          <a:noFill/>
+          <a:ln w="12700" cap="flat" cmpd="sng">
+            <a:solidFill>
+              <a:srgbClr val="000000"/>
+            </a:solidFill>
+            <a:prstDash val="solid"/>
+            <a:round/>
+            <a:headEnd type="none" w="sm" len="sm"/>
+            <a:tailEnd type="none" w="sm" len="sm"/>
+          </a:ln>
+        </p:spPr>
+      </p:sp>
+    </p:spTree>
+  </p:cSld>
+  <p:clrMapOvr>
+    <a:masterClrMapping/>
+  </p:clrMapOvr>
+</p:notes>
+</file>
+
+<file path=ppt/notesSlides/notesSlide2.xml><?xml version="1.0" encoding="utf-8"?>
+<p:notes xmlns:a="http://schemas.openxmlformats.org/drawingml/2006/main" xmlns:r="http://schemas.openxmlformats.org/officeDocument/2006/relationships" xmlns:p="http://schemas.openxmlformats.org/presentationml/2006/main" showMasterSp="0" showMasterPhAnim="0">
+  <p:cSld>
+    <p:spTree>
+      <p:nvGrpSpPr>
+        <p:cNvPr id="1" name="Shape 103"/>
+        <p:cNvGrpSpPr/>
+        <p:nvPr/>
+      </p:nvGrpSpPr>
+      <p:grpSpPr>
+        <a:xfrm>
+          <a:off x="0" y="0"/>
+          <a:ext cx="0" cy="0"/>
+          <a:chOff x="0" y="0"/>
+          <a:chExt cx="0" cy="0"/>
+        </a:xfrm>
+      </p:grpSpPr>
+      <p:sp>
+        <p:nvSpPr>
+          <p:cNvPr id="104" name="Google Shape;104;p15:notes"/>
+          <p:cNvSpPr txBox="1">
+            <a:spLocks noGrp="1"/>
+          </p:cNvSpPr>
+          <p:nvPr>
+            <p:ph type="body" idx="1"/>
+          </p:nvPr>
+        </p:nvSpPr>
+        <p:spPr>
+          <a:xfrm>
+            <a:off x="685800" y="4400550"/>
+            <a:ext cx="5486400" cy="3600450"/>
+          </a:xfrm>
+          <a:prstGeom prst="rect">
+            <a:avLst/>
+          </a:prstGeom>
+          <a:noFill/>
+          <a:ln>
+            <a:noFill/>
+          </a:ln>
+        </p:spPr>
+        <p:txBody>
+          <a:bodyPr spcFirstLastPara="1" wrap="square" lIns="91425" tIns="45700" rIns="91425" bIns="45700" anchor="t" anchorCtr="0">
+            <a:noAutofit/>
+          </a:bodyPr>
+          <a:lstStyle/>
+          <a:p>
+            <a:pPr marL="0" lvl="0" indent="0" algn="l" rtl="0">
+              <a:lnSpc>
+                <a:spcPct val="100000"/>
+              </a:lnSpc>
+              <a:spcBef>
+                <a:spcPts val="0"/>
+              </a:spcBef>
+              <a:spcAft>
+                <a:spcPts val="0"/>
+              </a:spcAft>
+              <a:buSzPts val="1400"/>
+              <a:buNone/>
+            </a:pPr>
+            <a:endParaRPr/>
+          </a:p>
+        </p:txBody>
+      </p:sp>
+      <p:sp>
+        <p:nvSpPr>
+          <p:cNvPr id="105" name="Google Shape;105;p15:notes"/>
+          <p:cNvSpPr>
+            <a:spLocks noGrp="1" noRot="1" noChangeAspect="1"/>
+          </p:cNvSpPr>
+          <p:nvPr>
+            <p:ph type="sldImg" idx="2"/>
+          </p:nvPr>
+        </p:nvSpPr>
+        <p:spPr>
+          <a:xfrm>
+            <a:off x="685800" y="1143000"/>
+            <a:ext cx="5486400" cy="3086100"/>
+          </a:xfrm>
+          <a:custGeom>
+            <a:avLst/>
+            <a:gdLst/>
+            <a:ahLst/>
+            <a:cxnLst/>
+            <a:rect l="l" t="t" r="r" b="b"/>
+            <a:pathLst>
+              <a:path w="120000" h="120000" extrusionOk="0">
+                <a:moveTo>
+                  <a:pt x="0" y="0"/>
+                </a:moveTo>
+                <a:lnTo>
+                  <a:pt x="120000" y="0"/>
+                </a:lnTo>
+                <a:lnTo>
+                  <a:pt x="120000" y="120000"/>
+                </a:lnTo>
+                <a:lnTo>
+                  <a:pt x="0" y="120000"/>
+                </a:lnTo>
+                <a:close/>
+              </a:path>
+            </a:pathLst>
+          </a:custGeom>
+          <a:noFill/>
+          <a:ln w="12700" cap="flat" cmpd="sng">
+            <a:solidFill>
+              <a:srgbClr val="000000"/>
+            </a:solidFill>
+            <a:prstDash val="solid"/>
+            <a:round/>
+            <a:headEnd type="none" w="sm" len="sm"/>
+            <a:tailEnd type="none" w="sm" len="sm"/>
+          </a:ln>
+        </p:spPr>
+      </p:sp>
+    </p:spTree>
+  </p:cSld>
+  <p:clrMapOvr>
+    <a:masterClrMapping/>
+  </p:clrMapOvr>
+</p:notes>
+</file>
+
+<file path=ppt/notesSlides/notesSlide3.xml><?xml version="1.0" encoding="utf-8"?>
+<p:notes xmlns:a="http://schemas.openxmlformats.org/drawingml/2006/main" xmlns:r="http://schemas.openxmlformats.org/officeDocument/2006/relationships" xmlns:p="http://schemas.openxmlformats.org/presentationml/2006/main" showMasterSp="0" showMasterPhAnim="0">
+  <p:cSld>
+    <p:spTree>
+      <p:nvGrpSpPr>
+        <p:cNvPr id="1" name="Shape 110"/>
+        <p:cNvGrpSpPr/>
+        <p:nvPr/>
+      </p:nvGrpSpPr>
+      <p:grpSpPr>
+        <a:xfrm>
+          <a:off x="0" y="0"/>
+          <a:ext cx="0" cy="0"/>
+          <a:chOff x="0" y="0"/>
+          <a:chExt cx="0" cy="0"/>
+        </a:xfrm>
+      </p:grpSpPr>
+      <p:sp>
+        <p:nvSpPr>
+          <p:cNvPr id="111" name="Google Shape;111;p16:notes"/>
+          <p:cNvSpPr txBox="1">
+            <a:spLocks noGrp="1"/>
+          </p:cNvSpPr>
+          <p:nvPr>
+            <p:ph type="body" idx="1"/>
+          </p:nvPr>
+        </p:nvSpPr>
+        <p:spPr>
+          <a:xfrm>
+            <a:off x="685800" y="4400550"/>
+            <a:ext cx="5486400" cy="3600450"/>
+          </a:xfrm>
+          <a:prstGeom prst="rect">
+            <a:avLst/>
+          </a:prstGeom>
+          <a:noFill/>
+          <a:ln>
+            <a:noFill/>
+          </a:ln>
+        </p:spPr>
+        <p:txBody>
+          <a:bodyPr spcFirstLastPara="1" wrap="square" lIns="91425" tIns="45700" rIns="91425" bIns="45700" anchor="t" anchorCtr="0">
+            <a:noAutofit/>
+          </a:bodyPr>
+          <a:lstStyle/>
+          <a:p>
+            <a:pPr marL="0" lvl="0" indent="0" algn="l" rtl="0">
+              <a:lnSpc>
+                <a:spcPct val="100000"/>
+              </a:lnSpc>
+              <a:spcBef>
+                <a:spcPts val="0"/>
+              </a:spcBef>
+              <a:spcAft>
+                <a:spcPts val="0"/>
+              </a:spcAft>
+              <a:buSzPts val="1400"/>
+              <a:buNone/>
+            </a:pPr>
+            <a:endParaRPr/>
+          </a:p>
+        </p:txBody>
+      </p:sp>
+      <p:sp>
+        <p:nvSpPr>
+          <p:cNvPr id="112" name="Google Shape;112;p16:notes"/>
+          <p:cNvSpPr>
+            <a:spLocks noGrp="1" noRot="1" noChangeAspect="1"/>
+          </p:cNvSpPr>
+          <p:nvPr>
+            <p:ph type="sldImg" idx="2"/>
+          </p:nvPr>
+        </p:nvSpPr>
+        <p:spPr>
+          <a:xfrm>
+            <a:off x="685800" y="1143000"/>
+            <a:ext cx="5486400" cy="3086100"/>
+          </a:xfrm>
+          <a:custGeom>
+            <a:avLst/>
+            <a:gdLst/>
+            <a:ahLst/>
+            <a:cxnLst/>
+            <a:rect l="l" t="t" r="r" b="b"/>
+            <a:pathLst>
+              <a:path w="120000" h="120000" extrusionOk="0">
+                <a:moveTo>
+                  <a:pt x="0" y="0"/>
+                </a:moveTo>
+                <a:lnTo>
+                  <a:pt x="120000" y="0"/>
+                </a:lnTo>
+                <a:lnTo>
+                  <a:pt x="120000" y="120000"/>
+                </a:lnTo>
+                <a:lnTo>
+                  <a:pt x="0" y="120000"/>
+                </a:lnTo>
+                <a:close/>
+              </a:path>
+            </a:pathLst>
+          </a:custGeom>
+          <a:noFill/>
+          <a:ln w="12700" cap="flat" cmpd="sng">
+            <a:solidFill>
+              <a:srgbClr val="000000"/>
+            </a:solidFill>
+            <a:prstDash val="solid"/>
+            <a:round/>
+            <a:headEnd type="none" w="sm" len="sm"/>
+            <a:tailEnd type="none" w="sm" len="sm"/>
+          </a:ln>
+        </p:spPr>
+      </p:sp>
+    </p:spTree>
+  </p:cSld>
+  <p:clrMapOvr>
+    <a:masterClrMapping/>
+  </p:clrMapOvr>
+</p:notes>
+</file>
+
+<file path=ppt/notesSlides/notesSlide4.xml><?xml version="1.0" encoding="utf-8"?>
+<p:notes xmlns:a="http://schemas.openxmlformats.org/drawingml/2006/main" xmlns:r="http://schemas.openxmlformats.org/officeDocument/2006/relationships" xmlns:p="http://schemas.openxmlformats.org/presentationml/2006/main" showMasterSp="0" showMasterPhAnim="0">
+  <p:cSld>
+    <p:spTree>
+      <p:nvGrpSpPr>
+        <p:cNvPr id="1" name="Shape 117"/>
+        <p:cNvGrpSpPr/>
+        <p:nvPr/>
+      </p:nvGrpSpPr>
+      <p:grpSpPr>
+        <a:xfrm>
+          <a:off x="0" y="0"/>
+          <a:ext cx="0" cy="0"/>
+          <a:chOff x="0" y="0"/>
+          <a:chExt cx="0" cy="0"/>
+        </a:xfrm>
+      </p:grpSpPr>
+      <p:sp>
+        <p:nvSpPr>
+          <p:cNvPr id="118" name="Google Shape;118;p20:notes"/>
+          <p:cNvSpPr txBox="1">
+            <a:spLocks noGrp="1"/>
+          </p:cNvSpPr>
+          <p:nvPr>
+            <p:ph type="body" idx="1"/>
+          </p:nvPr>
+        </p:nvSpPr>
+        <p:spPr>
+          <a:xfrm>
+            <a:off x="685800" y="4400550"/>
+            <a:ext cx="5486400" cy="3600450"/>
+          </a:xfrm>
+          <a:prstGeom prst="rect">
+            <a:avLst/>
+          </a:prstGeom>
+          <a:noFill/>
+          <a:ln>
+            <a:noFill/>
+          </a:ln>
+        </p:spPr>
+        <p:txBody>
+          <a:bodyPr spcFirstLastPara="1" wrap="square" lIns="91425" tIns="45700" rIns="91425" bIns="45700" anchor="t" anchorCtr="0">
+            <a:noAutofit/>
+          </a:bodyPr>
+          <a:lstStyle/>
+          <a:p>
+            <a:pPr marL="0" lvl="0" indent="0" algn="l" rtl="0">
+              <a:lnSpc>
+                <a:spcPct val="100000"/>
+              </a:lnSpc>
+              <a:spcBef>
+                <a:spcPts val="0"/>
+              </a:spcBef>
+              <a:spcAft>
+                <a:spcPts val="0"/>
+              </a:spcAft>
+              <a:buSzPts val="1400"/>
+              <a:buNone/>
+            </a:pPr>
+            <a:endParaRPr/>
+          </a:p>
+        </p:txBody>
+      </p:sp>
+      <p:sp>
+        <p:nvSpPr>
+          <p:cNvPr id="119" name="Google Shape;119;p20:notes"/>
+          <p:cNvSpPr>
+            <a:spLocks noGrp="1" noRot="1" noChangeAspect="1"/>
+          </p:cNvSpPr>
+          <p:nvPr>
+            <p:ph type="sldImg" idx="2"/>
+          </p:nvPr>
+        </p:nvSpPr>
+        <p:spPr>
+          <a:xfrm>
+            <a:off x="685800" y="1143000"/>
+            <a:ext cx="5486400" cy="3086100"/>
+          </a:xfrm>
+          <a:custGeom>
+            <a:avLst/>
+            <a:gdLst/>
+            <a:ahLst/>
+            <a:cxnLst/>
+            <a:rect l="l" t="t" r="r" b="b"/>
+            <a:pathLst>
+              <a:path w="120000" h="120000" extrusionOk="0">
+                <a:moveTo>
+                  <a:pt x="0" y="0"/>
+                </a:moveTo>
+                <a:lnTo>
+                  <a:pt x="120000" y="0"/>
+                </a:lnTo>
+                <a:lnTo>
+                  <a:pt x="120000" y="120000"/>
+                </a:lnTo>
+                <a:lnTo>
+                  <a:pt x="0" y="120000"/>
+                </a:lnTo>
+                <a:close/>
+              </a:path>
+            </a:pathLst>
+          </a:custGeom>
+          <a:noFill/>
+          <a:ln w="12700" cap="flat" cmpd="sng">
+            <a:solidFill>
+              <a:srgbClr val="000000"/>
+            </a:solidFill>
+            <a:prstDash val="solid"/>
+            <a:round/>
+            <a:headEnd type="none" w="sm" len="sm"/>
+            <a:tailEnd type="none" w="sm" len="sm"/>
+          </a:ln>
+        </p:spPr>
+      </p:sp>
+    </p:spTree>
+  </p:cSld>
+  <p:clrMapOvr>
+    <a:masterClrMapping/>
+  </p:clrMapOvr>
+</p:notes>
+</file>
+
+<file path=ppt/notesSlides/notesSlide5.xml><?xml version="1.0" encoding="utf-8"?>
+<p:notes xmlns:a="http://schemas.openxmlformats.org/drawingml/2006/main" xmlns:r="http://schemas.openxmlformats.org/officeDocument/2006/relationships" xmlns:p="http://schemas.openxmlformats.org/presentationml/2006/main" showMasterSp="0" showMasterPhAnim="0">
+  <p:cSld>
+    <p:spTree>
+      <p:nvGrpSpPr>
+        <p:cNvPr id="1" name="Shape 124"/>
+        <p:cNvGrpSpPr/>
+        <p:nvPr/>
+      </p:nvGrpSpPr>
+      <p:grpSpPr>
+        <a:xfrm>
+          <a:off x="0" y="0"/>
+          <a:ext cx="0" cy="0"/>
+          <a:chOff x="0" y="0"/>
+          <a:chExt cx="0" cy="0"/>
+        </a:xfrm>
+      </p:grpSpPr>
+      <p:sp>
+        <p:nvSpPr>
+          <p:cNvPr id="125" name="Google Shape;125;p17:notes"/>
+          <p:cNvSpPr txBox="1">
+            <a:spLocks noGrp="1"/>
+          </p:cNvSpPr>
+          <p:nvPr>
+            <p:ph type="body" idx="1"/>
+          </p:nvPr>
+        </p:nvSpPr>
+        <p:spPr>
+          <a:xfrm>
+            <a:off x="685800" y="4400550"/>
+            <a:ext cx="5486400" cy="3600450"/>
+          </a:xfrm>
+          <a:prstGeom prst="rect">
+            <a:avLst/>
+          </a:prstGeom>
+          <a:noFill/>
+          <a:ln>
+            <a:noFill/>
+          </a:ln>
+        </p:spPr>
+        <p:txBody>
+          <a:bodyPr spcFirstLastPara="1" wrap="square" lIns="91425" tIns="45700" rIns="91425" bIns="45700" anchor="t" anchorCtr="0">
+            <a:noAutofit/>
+          </a:bodyPr>
+          <a:lstStyle/>
+          <a:p>
+            <a:pPr marL="0" lvl="0" indent="0" algn="l" rtl="0">
+              <a:lnSpc>
+                <a:spcPct val="100000"/>
+              </a:lnSpc>
+              <a:spcBef>
+                <a:spcPts val="0"/>
+              </a:spcBef>
+              <a:spcAft>
+                <a:spcPts val="0"/>
+              </a:spcAft>
+              <a:buSzPts val="1400"/>
+              <a:buNone/>
+            </a:pPr>
+            <a:endParaRPr/>
+          </a:p>
+        </p:txBody>
+      </p:sp>
+      <p:sp>
+        <p:nvSpPr>
+          <p:cNvPr id="126" name="Google Shape;126;p17:notes"/>
+          <p:cNvSpPr>
+            <a:spLocks noGrp="1" noRot="1" noChangeAspect="1"/>
+          </p:cNvSpPr>
+          <p:nvPr>
+            <p:ph type="sldImg" idx="2"/>
+          </p:nvPr>
+        </p:nvSpPr>
+        <p:spPr>
+          <a:xfrm>
+            <a:off x="685800" y="1143000"/>
+            <a:ext cx="5486400" cy="3086100"/>
+          </a:xfrm>
+          <a:custGeom>
+            <a:avLst/>
+            <a:gdLst/>
+            <a:ahLst/>
+            <a:cxnLst/>
+            <a:rect l="l" t="t" r="r" b="b"/>
+            <a:pathLst>
+              <a:path w="120000" h="120000" extrusionOk="0">
+                <a:moveTo>
+                  <a:pt x="0" y="0"/>
+                </a:moveTo>
+                <a:lnTo>
+                  <a:pt x="120000" y="0"/>
+                </a:lnTo>
+                <a:lnTo>
+                  <a:pt x="120000" y="120000"/>
+                </a:lnTo>
+                <a:lnTo>
+                  <a:pt x="0" y="120000"/>
+                </a:lnTo>
+                <a:close/>
+              </a:path>
+            </a:pathLst>
+          </a:custGeom>
+          <a:noFill/>
+          <a:ln w="12700" cap="flat" cmpd="sng">
+            <a:solidFill>
+              <a:srgbClr val="000000"/>
+            </a:solidFill>
+            <a:prstDash val="solid"/>
+            <a:round/>
+            <a:headEnd type="none" w="sm" len="sm"/>
+            <a:tailEnd type="none" w="sm" len="sm"/>
+          </a:ln>
+        </p:spPr>
+      </p:sp>
+    </p:spTree>
+  </p:cSld>
+  <p:clrMapOvr>
+    <a:masterClrMapping/>
+  </p:clrMapOvr>
+</p:notes>
+</file>
+
 <file path=ppt/slideLayouts/slideLayout1.xml><?xml version="1.0" encoding="utf-8"?>
 <p:sldLayout xmlns:a="http://schemas.openxmlformats.org/drawingml/2006/main" xmlns:r="http://schemas.openxmlformats.org/officeDocument/2006/relationships" xmlns:p="http://schemas.openxmlformats.org/presentationml/2006/main" preserve="1" userDrawn="1">
   <p:cSld name="Title">
@@ -6630,6 +7252,387 @@
 </p:sldLayout>
 </file>
 
+<file path=ppt/slideLayouts/slideLayout20.xml><?xml version="1.0" encoding="utf-8"?>
+<p:sldLayout xmlns:a="http://schemas.openxmlformats.org/drawingml/2006/main" xmlns:r="http://schemas.openxmlformats.org/officeDocument/2006/relationships" xmlns:p="http://schemas.openxmlformats.org/presentationml/2006/main" matchingName="Diapositive de titre" type="title">
+  <p:cSld name="Diapositive de titre">
+    <p:spTree>
+      <p:nvGrpSpPr>
+        <p:cNvPr id="1" name="Shape 15"/>
+        <p:cNvGrpSpPr/>
+        <p:nvPr/>
+      </p:nvGrpSpPr>
+      <p:grpSpPr>
+        <a:xfrm>
+          <a:off x="0" y="0"/>
+          <a:ext cx="0" cy="0"/>
+          <a:chOff x="0" y="0"/>
+          <a:chExt cx="0" cy="0"/>
+        </a:xfrm>
+      </p:grpSpPr>
+      <p:sp>
+        <p:nvSpPr>
+          <p:cNvPr id="16" name="Google Shape;16;p4"/>
+          <p:cNvSpPr txBox="1">
+            <a:spLocks noGrp="1"/>
+          </p:cNvSpPr>
+          <p:nvPr>
+            <p:ph type="ctrTitle"/>
+          </p:nvPr>
+        </p:nvSpPr>
+        <p:spPr>
+          <a:xfrm>
+            <a:off x="1143000" y="841772"/>
+            <a:ext cx="6858000" cy="1790700"/>
+          </a:xfrm>
+          <a:prstGeom prst="rect">
+            <a:avLst/>
+          </a:prstGeom>
+          <a:noFill/>
+          <a:ln>
+            <a:noFill/>
+          </a:ln>
+        </p:spPr>
+        <p:txBody>
+          <a:bodyPr spcFirstLastPara="1" wrap="square" lIns="91425" tIns="45700" rIns="91425" bIns="45700" anchor="b" anchorCtr="0">
+            <a:normAutofit/>
+          </a:bodyPr>
+          <a:lstStyle>
+            <a:lvl1pPr lvl="0" algn="ctr">
+              <a:lnSpc>
+                <a:spcPct val="90000"/>
+              </a:lnSpc>
+              <a:spcBef>
+                <a:spcPts val="0"/>
+              </a:spcBef>
+              <a:spcAft>
+                <a:spcPts val="0"/>
+              </a:spcAft>
+              <a:buClr>
+                <a:schemeClr val="dk1"/>
+              </a:buClr>
+              <a:buSzPts val="6000"/>
+              <a:buFont typeface="Calibri"/>
+              <a:buNone/>
+              <a:defRPr sz="4500"/>
+            </a:lvl1pPr>
+            <a:lvl2pPr lvl="1" algn="l">
+              <a:lnSpc>
+                <a:spcPct val="100000"/>
+              </a:lnSpc>
+              <a:spcBef>
+                <a:spcPts val="0"/>
+              </a:spcBef>
+              <a:spcAft>
+                <a:spcPts val="0"/>
+              </a:spcAft>
+              <a:buSzPts val="1400"/>
+              <a:buNone/>
+              <a:defRPr/>
+            </a:lvl2pPr>
+            <a:lvl3pPr lvl="2" algn="l">
+              <a:lnSpc>
+                <a:spcPct val="100000"/>
+              </a:lnSpc>
+              <a:spcBef>
+                <a:spcPts val="0"/>
+              </a:spcBef>
+              <a:spcAft>
+                <a:spcPts val="0"/>
+              </a:spcAft>
+              <a:buSzPts val="1400"/>
+              <a:buNone/>
+              <a:defRPr/>
+            </a:lvl3pPr>
+            <a:lvl4pPr lvl="3" algn="l">
+              <a:lnSpc>
+                <a:spcPct val="100000"/>
+              </a:lnSpc>
+              <a:spcBef>
+                <a:spcPts val="0"/>
+              </a:spcBef>
+              <a:spcAft>
+                <a:spcPts val="0"/>
+              </a:spcAft>
+              <a:buSzPts val="1400"/>
+              <a:buNone/>
+              <a:defRPr/>
+            </a:lvl4pPr>
+            <a:lvl5pPr lvl="4" algn="l">
+              <a:lnSpc>
+                <a:spcPct val="100000"/>
+              </a:lnSpc>
+              <a:spcBef>
+                <a:spcPts val="0"/>
+              </a:spcBef>
+              <a:spcAft>
+                <a:spcPts val="0"/>
+              </a:spcAft>
+              <a:buSzPts val="1400"/>
+              <a:buNone/>
+              <a:defRPr/>
+            </a:lvl5pPr>
+            <a:lvl6pPr lvl="5" algn="l">
+              <a:lnSpc>
+                <a:spcPct val="100000"/>
+              </a:lnSpc>
+              <a:spcBef>
+                <a:spcPts val="0"/>
+              </a:spcBef>
+              <a:spcAft>
+                <a:spcPts val="0"/>
+              </a:spcAft>
+              <a:buSzPts val="1400"/>
+              <a:buNone/>
+              <a:defRPr/>
+            </a:lvl6pPr>
+            <a:lvl7pPr lvl="6" algn="l">
+              <a:lnSpc>
+                <a:spcPct val="100000"/>
+              </a:lnSpc>
+              <a:spcBef>
+                <a:spcPts val="0"/>
+              </a:spcBef>
+              <a:spcAft>
+                <a:spcPts val="0"/>
+              </a:spcAft>
+              <a:buSzPts val="1400"/>
+              <a:buNone/>
+              <a:defRPr/>
+            </a:lvl7pPr>
+            <a:lvl8pPr lvl="7" algn="l">
+              <a:lnSpc>
+                <a:spcPct val="100000"/>
+              </a:lnSpc>
+              <a:spcBef>
+                <a:spcPts val="0"/>
+              </a:spcBef>
+              <a:spcAft>
+                <a:spcPts val="0"/>
+              </a:spcAft>
+              <a:buSzPts val="1400"/>
+              <a:buNone/>
+              <a:defRPr/>
+            </a:lvl8pPr>
+            <a:lvl9pPr lvl="8" algn="l">
+              <a:lnSpc>
+                <a:spcPct val="100000"/>
+              </a:lnSpc>
+              <a:spcBef>
+                <a:spcPts val="0"/>
+              </a:spcBef>
+              <a:spcAft>
+                <a:spcPts val="0"/>
+              </a:spcAft>
+              <a:buSzPts val="1400"/>
+              <a:buNone/>
+              <a:defRPr/>
+            </a:lvl9pPr>
+          </a:lstStyle>
+          <a:p>
+            <a:endParaRPr/>
+          </a:p>
+        </p:txBody>
+      </p:sp>
+      <p:sp>
+        <p:nvSpPr>
+          <p:cNvPr id="17" name="Google Shape;17;p4"/>
+          <p:cNvSpPr txBox="1">
+            <a:spLocks noGrp="1"/>
+          </p:cNvSpPr>
+          <p:nvPr>
+            <p:ph type="subTitle" idx="1"/>
+          </p:nvPr>
+        </p:nvSpPr>
+        <p:spPr>
+          <a:xfrm>
+            <a:off x="1143000" y="2701528"/>
+            <a:ext cx="6858000" cy="1241822"/>
+          </a:xfrm>
+          <a:prstGeom prst="rect">
+            <a:avLst/>
+          </a:prstGeom>
+          <a:noFill/>
+          <a:ln>
+            <a:noFill/>
+          </a:ln>
+        </p:spPr>
+        <p:txBody>
+          <a:bodyPr spcFirstLastPara="1" wrap="square" lIns="91425" tIns="45700" rIns="91425" bIns="45700" anchor="t" anchorCtr="0">
+            <a:normAutofit/>
+          </a:bodyPr>
+          <a:lstStyle>
+            <a:lvl1pPr lvl="0" algn="ctr">
+              <a:lnSpc>
+                <a:spcPct val="90000"/>
+              </a:lnSpc>
+              <a:spcBef>
+                <a:spcPts val="750"/>
+              </a:spcBef>
+              <a:spcAft>
+                <a:spcPts val="0"/>
+              </a:spcAft>
+              <a:buClr>
+                <a:schemeClr val="dk1"/>
+              </a:buClr>
+              <a:buSzPts val="2400"/>
+              <a:buNone/>
+              <a:defRPr sz="1800"/>
+            </a:lvl1pPr>
+            <a:lvl2pPr lvl="1" algn="ctr">
+              <a:lnSpc>
+                <a:spcPct val="90000"/>
+              </a:lnSpc>
+              <a:spcBef>
+                <a:spcPts val="375"/>
+              </a:spcBef>
+              <a:spcAft>
+                <a:spcPts val="0"/>
+              </a:spcAft>
+              <a:buClr>
+                <a:schemeClr val="dk1"/>
+              </a:buClr>
+              <a:buSzPts val="2000"/>
+              <a:buNone/>
+              <a:defRPr sz="1500"/>
+            </a:lvl2pPr>
+            <a:lvl3pPr lvl="2" algn="ctr">
+              <a:lnSpc>
+                <a:spcPct val="90000"/>
+              </a:lnSpc>
+              <a:spcBef>
+                <a:spcPts val="375"/>
+              </a:spcBef>
+              <a:spcAft>
+                <a:spcPts val="0"/>
+              </a:spcAft>
+              <a:buClr>
+                <a:schemeClr val="dk1"/>
+              </a:buClr>
+              <a:buSzPts val="1800"/>
+              <a:buNone/>
+              <a:defRPr sz="1350"/>
+            </a:lvl3pPr>
+            <a:lvl4pPr lvl="3" algn="ctr">
+              <a:lnSpc>
+                <a:spcPct val="90000"/>
+              </a:lnSpc>
+              <a:spcBef>
+                <a:spcPts val="375"/>
+              </a:spcBef>
+              <a:spcAft>
+                <a:spcPts val="0"/>
+              </a:spcAft>
+              <a:buClr>
+                <a:schemeClr val="dk1"/>
+              </a:buClr>
+              <a:buSzPts val="1600"/>
+              <a:buNone/>
+              <a:defRPr sz="1200"/>
+            </a:lvl4pPr>
+            <a:lvl5pPr lvl="4" algn="ctr">
+              <a:lnSpc>
+                <a:spcPct val="90000"/>
+              </a:lnSpc>
+              <a:spcBef>
+                <a:spcPts val="375"/>
+              </a:spcBef>
+              <a:spcAft>
+                <a:spcPts val="0"/>
+              </a:spcAft>
+              <a:buClr>
+                <a:schemeClr val="dk1"/>
+              </a:buClr>
+              <a:buSzPts val="1600"/>
+              <a:buNone/>
+              <a:defRPr sz="1200"/>
+            </a:lvl5pPr>
+            <a:lvl6pPr lvl="5" algn="ctr">
+              <a:lnSpc>
+                <a:spcPct val="90000"/>
+              </a:lnSpc>
+              <a:spcBef>
+                <a:spcPts val="375"/>
+              </a:spcBef>
+              <a:spcAft>
+                <a:spcPts val="0"/>
+              </a:spcAft>
+              <a:buClr>
+                <a:schemeClr val="dk1"/>
+              </a:buClr>
+              <a:buSzPts val="1600"/>
+              <a:buNone/>
+              <a:defRPr sz="1200"/>
+            </a:lvl6pPr>
+            <a:lvl7pPr lvl="6" algn="ctr">
+              <a:lnSpc>
+                <a:spcPct val="90000"/>
+              </a:lnSpc>
+              <a:spcBef>
+                <a:spcPts val="375"/>
+              </a:spcBef>
+              <a:spcAft>
+                <a:spcPts val="0"/>
+              </a:spcAft>
+              <a:buClr>
+                <a:schemeClr val="dk1"/>
+              </a:buClr>
+              <a:buSzPts val="1600"/>
+              <a:buNone/>
+              <a:defRPr sz="1200"/>
+            </a:lvl7pPr>
+            <a:lvl8pPr lvl="7" algn="ctr">
+              <a:lnSpc>
+                <a:spcPct val="90000"/>
+              </a:lnSpc>
+              <a:spcBef>
+                <a:spcPts val="375"/>
+              </a:spcBef>
+              <a:spcAft>
+                <a:spcPts val="0"/>
+              </a:spcAft>
+              <a:buClr>
+                <a:schemeClr val="dk1"/>
+              </a:buClr>
+              <a:buSzPts val="1600"/>
+              <a:buNone/>
+              <a:defRPr sz="1200"/>
+            </a:lvl8pPr>
+            <a:lvl9pPr lvl="8" algn="ctr">
+              <a:lnSpc>
+                <a:spcPct val="90000"/>
+              </a:lnSpc>
+              <a:spcBef>
+                <a:spcPts val="375"/>
+              </a:spcBef>
+              <a:spcAft>
+                <a:spcPts val="0"/>
+              </a:spcAft>
+              <a:buClr>
+                <a:schemeClr val="dk1"/>
+              </a:buClr>
+              <a:buSzPts val="1600"/>
+              <a:buNone/>
+              <a:defRPr sz="1200"/>
+            </a:lvl9pPr>
+          </a:lstStyle>
+          <a:p>
+            <a:endParaRPr/>
+          </a:p>
+        </p:txBody>
+      </p:sp>
+    </p:spTree>
+    <p:extLst>
+      <p:ext uri="{BB962C8B-B14F-4D97-AF65-F5344CB8AC3E}">
+        <p14:creationId xmlns:p14="http://schemas.microsoft.com/office/powerpoint/2010/main" val="4035241058"/>
+      </p:ext>
+    </p:extLst>
+  </p:cSld>
+  <p:clrMapOvr>
+    <a:masterClrMapping/>
+  </p:clrMapOvr>
+</p:sldLayout>
+</file>
+
 <file path=ppt/slideLayouts/slideLayout3.xml><?xml version="1.0" encoding="utf-8"?>
 <p:sldLayout xmlns:a="http://schemas.openxmlformats.org/drawingml/2006/main" xmlns:r="http://schemas.openxmlformats.org/officeDocument/2006/relationships" xmlns:p="http://schemas.openxmlformats.org/presentationml/2006/main" type="obj" preserve="1">
   <p:cSld name="Slide_Subtitle_Suspension">
@@ -9282,6 +10285,7 @@
     <p:sldLayoutId id="2147483723" r:id="rId17"/>
     <p:sldLayoutId id="2147483691" r:id="rId18"/>
     <p:sldLayoutId id="2147483692" r:id="rId19"/>
+    <p:sldLayoutId id="2147483729" r:id="rId20"/>
   </p:sldLayoutIdLst>
   <p:hf hdr="0" ftr="0" dt="0"/>
   <p:txStyles>
@@ -9673,7 +10677,7 @@
           <a:p>
             <a:r>
               <a:rPr lang="fr-FR" dirty="0"/>
-              <a:t>5 novembre 2019</a:t>
+              <a:t>6 novembre 2019</a:t>
             </a:r>
           </a:p>
         </p:txBody>
@@ -9844,7 +10848,7 @@
           <a:graphicData uri="http://schemas.openxmlformats.org/presentationml/2006/ole">
             <mc:AlternateContent xmlns:mc="http://schemas.openxmlformats.org/markup-compatibility/2006">
               <mc:Choice xmlns:v="urn:schemas-microsoft-com:vml" Requires="v">
-                <p:oleObj spid="_x0000_s1026" name="Worksheet" r:id="rId3" imgW="7591435" imgH="1838263" progId="Excel.Sheet.12">
+                <p:oleObj spid="_x0000_s1028" name="Worksheet" r:id="rId3" imgW="7591435" imgH="1838263" progId="Excel.Sheet.12">
                   <p:embed/>
                 </p:oleObj>
               </mc:Choice>
@@ -10038,6 +11042,4852 @@
   <p:cSld>
     <p:spTree>
       <p:nvGrpSpPr>
+        <p:cNvPr id="1" name="Shape 99"/>
+        <p:cNvGrpSpPr/>
+        <p:nvPr/>
+      </p:nvGrpSpPr>
+      <p:grpSpPr>
+        <a:xfrm>
+          <a:off x="0" y="0"/>
+          <a:ext cx="0" cy="0"/>
+          <a:chOff x="0" y="0"/>
+          <a:chExt cx="0" cy="0"/>
+        </a:xfrm>
+      </p:grpSpPr>
+      <p:sp>
+        <p:nvSpPr>
+          <p:cNvPr id="4" name="Titre 3">
+            <a:extLst>
+              <a:ext uri="{FF2B5EF4-FFF2-40B4-BE49-F238E27FC236}">
+                <a16:creationId xmlns:a16="http://schemas.microsoft.com/office/drawing/2014/main" id="{50407B40-6F2A-4539-AF51-9235845433C4}"/>
+              </a:ext>
+            </a:extLst>
+          </p:cNvPr>
+          <p:cNvSpPr>
+            <a:spLocks noGrp="1"/>
+          </p:cNvSpPr>
+          <p:nvPr>
+            <p:ph type="title"/>
+          </p:nvPr>
+        </p:nvSpPr>
+        <p:spPr/>
+        <p:txBody>
+          <a:bodyPr>
+            <a:normAutofit/>
+          </a:bodyPr>
+          <a:lstStyle/>
+          <a:p>
+            <a:r>
+              <a:rPr lang="fr-FR" sz="3600" dirty="0">
+                <a:solidFill>
+                  <a:schemeClr val="lt1"/>
+                </a:solidFill>
+                <a:latin typeface="Arial"/>
+                <a:ea typeface="Arial"/>
+                <a:cs typeface="Arial"/>
+                <a:sym typeface="Arial"/>
+              </a:rPr>
+              <a:t>BILAN LIAISON AU SOL</a:t>
+            </a:r>
+            <a:endParaRPr lang="fr-FR" dirty="0"/>
+          </a:p>
+        </p:txBody>
+      </p:sp>
+      <p:sp>
+        <p:nvSpPr>
+          <p:cNvPr id="100" name="Google Shape;100;p19"/>
+          <p:cNvSpPr txBox="1">
+            <a:spLocks noGrp="1"/>
+          </p:cNvSpPr>
+          <p:nvPr>
+            <p:ph type="sldNum" sz="quarter" idx="12"/>
+          </p:nvPr>
+        </p:nvSpPr>
+        <p:spPr>
+          <a:prstGeom prst="rect">
+            <a:avLst/>
+          </a:prstGeom>
+          <a:noFill/>
+          <a:ln>
+            <a:noFill/>
+          </a:ln>
+        </p:spPr>
+        <p:txBody>
+          <a:bodyPr spcFirstLastPara="1" vert="horz" wrap="square" lIns="68569" tIns="34275" rIns="68569" bIns="34275" rtlCol="0" anchor="ctr" anchorCtr="0">
+            <a:noAutofit/>
+          </a:bodyPr>
+          <a:lstStyle/>
+          <a:p>
+            <a:pPr>
+              <a:buSzPts val="1200"/>
+            </a:pPr>
+            <a:fld id="{00000000-1234-1234-1234-123412341234}" type="slidenum">
+              <a:rPr lang="fr-FR"/>
+              <a:pPr>
+                <a:buSzPts val="1200"/>
+              </a:pPr>
+              <a:t>4</a:t>
+            </a:fld>
+            <a:endParaRPr/>
+          </a:p>
+        </p:txBody>
+      </p:sp>
+      <p:graphicFrame>
+        <p:nvGraphicFramePr>
+          <p:cNvPr id="9" name="Google Shape;102;p19">
+            <a:extLst>
+              <a:ext uri="{FF2B5EF4-FFF2-40B4-BE49-F238E27FC236}">
+                <a16:creationId xmlns:a16="http://schemas.microsoft.com/office/drawing/2014/main" id="{15462BDA-FC99-4FDD-99B2-097E40D599FE}"/>
+              </a:ext>
+            </a:extLst>
+          </p:cNvPr>
+          <p:cNvGraphicFramePr>
+            <a:graphicFrameLocks noGrp="1"/>
+          </p:cNvGraphicFramePr>
+          <p:nvPr>
+            <p:ph idx="1"/>
+            <p:extLst>
+              <p:ext uri="{D42A27DB-BD31-4B8C-83A1-F6EECF244321}">
+                <p14:modId xmlns:p14="http://schemas.microsoft.com/office/powerpoint/2010/main" val="2763570793"/>
+              </p:ext>
+            </p:extLst>
+          </p:nvPr>
+        </p:nvGraphicFramePr>
+        <p:xfrm>
+          <a:off x="584784" y="1073150"/>
+          <a:ext cx="7974432" cy="3154482"/>
+        </p:xfrm>
+        <a:graphic>
+          <a:graphicData uri="http://schemas.openxmlformats.org/drawingml/2006/table">
+            <a:tbl>
+              <a:tblPr>
+                <a:noFill/>
+              </a:tblPr>
+              <a:tblGrid>
+                <a:gridCol w="1871119">
+                  <a:extLst>
+                    <a:ext uri="{9D8B030D-6E8A-4147-A177-3AD203B41FA5}">
+                      <a16:colId xmlns:a16="http://schemas.microsoft.com/office/drawing/2014/main" val="20000"/>
+                    </a:ext>
+                  </a:extLst>
+                </a:gridCol>
+                <a:gridCol w="708000">
+                  <a:extLst>
+                    <a:ext uri="{9D8B030D-6E8A-4147-A177-3AD203B41FA5}">
+                      <a16:colId xmlns:a16="http://schemas.microsoft.com/office/drawing/2014/main" val="20001"/>
+                    </a:ext>
+                  </a:extLst>
+                </a:gridCol>
+                <a:gridCol w="5395313">
+                  <a:extLst>
+                    <a:ext uri="{9D8B030D-6E8A-4147-A177-3AD203B41FA5}">
+                      <a16:colId xmlns:a16="http://schemas.microsoft.com/office/drawing/2014/main" val="20002"/>
+                    </a:ext>
+                  </a:extLst>
+                </a:gridCol>
+              </a:tblGrid>
+              <a:tr h="342878">
+                <a:tc>
+                  <a:txBody>
+                    <a:bodyPr/>
+                    <a:lstStyle/>
+                    <a:p>
+                      <a:pPr marL="0" lvl="0" indent="0" algn="l" rtl="0">
+                        <a:spcBef>
+                          <a:spcPts val="0"/>
+                        </a:spcBef>
+                        <a:spcAft>
+                          <a:spcPts val="0"/>
+                        </a:spcAft>
+                        <a:buNone/>
+                      </a:pPr>
+                      <a:r>
+                        <a:rPr lang="fr-FR" sz="1400" b="1" dirty="0">
+                          <a:latin typeface="Corbel"/>
+                          <a:ea typeface="Corbel"/>
+                          <a:cs typeface="Corbel"/>
+                          <a:sym typeface="Corbel"/>
+                        </a:rPr>
+                        <a:t>Sous-système</a:t>
+                      </a:r>
+                      <a:endParaRPr sz="1400" b="1" dirty="0">
+                        <a:latin typeface="Corbel"/>
+                        <a:ea typeface="Corbel"/>
+                        <a:cs typeface="Corbel"/>
+                        <a:sym typeface="Corbel"/>
+                      </a:endParaRPr>
+                    </a:p>
+                  </a:txBody>
+                  <a:tcPr marL="68569" marR="68569" marT="68569" marB="68569"/>
+                </a:tc>
+                <a:tc>
+                  <a:txBody>
+                    <a:bodyPr/>
+                    <a:lstStyle/>
+                    <a:p>
+                      <a:pPr marL="0" lvl="0" indent="0" algn="ctr" rtl="0">
+                        <a:spcBef>
+                          <a:spcPts val="0"/>
+                        </a:spcBef>
+                        <a:spcAft>
+                          <a:spcPts val="0"/>
+                        </a:spcAft>
+                        <a:buNone/>
+                      </a:pPr>
+                      <a:r>
+                        <a:rPr lang="fr-FR" sz="1400" b="1">
+                          <a:latin typeface="Corbel"/>
+                          <a:ea typeface="Corbel"/>
+                          <a:cs typeface="Corbel"/>
+                          <a:sym typeface="Corbel"/>
+                        </a:rPr>
+                        <a:t>Etat</a:t>
+                      </a:r>
+                      <a:endParaRPr sz="1400" b="1">
+                        <a:latin typeface="Corbel"/>
+                        <a:ea typeface="Corbel"/>
+                        <a:cs typeface="Corbel"/>
+                        <a:sym typeface="Corbel"/>
+                      </a:endParaRPr>
+                    </a:p>
+                  </a:txBody>
+                  <a:tcPr marL="68569" marR="68569" marT="68569" marB="68569"/>
+                </a:tc>
+                <a:tc>
+                  <a:txBody>
+                    <a:bodyPr/>
+                    <a:lstStyle/>
+                    <a:p>
+                      <a:pPr marL="0" lvl="0" indent="0" algn="l" rtl="0">
+                        <a:spcBef>
+                          <a:spcPts val="0"/>
+                        </a:spcBef>
+                        <a:spcAft>
+                          <a:spcPts val="0"/>
+                        </a:spcAft>
+                        <a:buNone/>
+                      </a:pPr>
+                      <a:r>
+                        <a:rPr lang="fr-FR" sz="1400" b="1" dirty="0">
+                          <a:latin typeface="Corbel"/>
+                          <a:ea typeface="Corbel"/>
+                          <a:cs typeface="Corbel"/>
+                          <a:sym typeface="Corbel"/>
+                        </a:rPr>
+                        <a:t>Description</a:t>
+                      </a:r>
+                      <a:endParaRPr sz="1400" b="1" dirty="0">
+                        <a:latin typeface="Corbel"/>
+                        <a:ea typeface="Corbel"/>
+                        <a:cs typeface="Corbel"/>
+                        <a:sym typeface="Corbel"/>
+                      </a:endParaRPr>
+                    </a:p>
+                  </a:txBody>
+                  <a:tcPr marL="68569" marR="68569" marT="68569" marB="68569"/>
+                </a:tc>
+                <a:extLst>
+                  <a:ext uri="{0D108BD9-81ED-4DB2-BD59-A6C34878D82A}">
+                    <a16:rowId xmlns:a16="http://schemas.microsoft.com/office/drawing/2014/main" val="10000"/>
+                  </a:ext>
+                </a:extLst>
+              </a:tr>
+              <a:tr h="342878">
+                <a:tc>
+                  <a:txBody>
+                    <a:bodyPr/>
+                    <a:lstStyle/>
+                    <a:p>
+                      <a:pPr marL="0" lvl="0" indent="0" algn="l" rtl="0">
+                        <a:spcBef>
+                          <a:spcPts val="0"/>
+                        </a:spcBef>
+                        <a:spcAft>
+                          <a:spcPts val="0"/>
+                        </a:spcAft>
+                        <a:buNone/>
+                      </a:pPr>
+                      <a:r>
+                        <a:rPr lang="fr-FR" sz="1400" b="1" dirty="0">
+                          <a:latin typeface="Corbel"/>
+                          <a:ea typeface="Corbel"/>
+                          <a:cs typeface="Corbel"/>
+                          <a:sym typeface="Corbel"/>
+                        </a:rPr>
+                        <a:t>Cinématique</a:t>
+                      </a:r>
+                      <a:endParaRPr sz="1400" b="1" dirty="0">
+                        <a:latin typeface="Corbel"/>
+                        <a:ea typeface="Corbel"/>
+                        <a:cs typeface="Corbel"/>
+                        <a:sym typeface="Corbel"/>
+                      </a:endParaRPr>
+                    </a:p>
+                  </a:txBody>
+                  <a:tcPr marL="68569" marR="68569" marT="68569" marB="68569"/>
+                </a:tc>
+                <a:tc>
+                  <a:txBody>
+                    <a:bodyPr/>
+                    <a:lstStyle/>
+                    <a:p>
+                      <a:pPr marL="0" lvl="0" indent="0" algn="ctr" rtl="0">
+                        <a:spcBef>
+                          <a:spcPts val="0"/>
+                        </a:spcBef>
+                        <a:spcAft>
+                          <a:spcPts val="0"/>
+                        </a:spcAft>
+                        <a:buNone/>
+                      </a:pPr>
+                      <a:r>
+                        <a:rPr lang="fr-FR" sz="1400" b="1">
+                          <a:solidFill>
+                            <a:schemeClr val="dk1"/>
+                          </a:solidFill>
+                          <a:highlight>
+                            <a:srgbClr val="FF0000"/>
+                          </a:highlight>
+                          <a:latin typeface="Corbel"/>
+                          <a:ea typeface="Corbel"/>
+                          <a:cs typeface="Corbel"/>
+                          <a:sym typeface="Corbel"/>
+                        </a:rPr>
+                        <a:t>⬊➞⬈</a:t>
+                      </a:r>
+                      <a:endParaRPr sz="1400" b="1">
+                        <a:highlight>
+                          <a:srgbClr val="FF0000"/>
+                        </a:highlight>
+                        <a:latin typeface="Corbel"/>
+                        <a:ea typeface="Corbel"/>
+                        <a:cs typeface="Corbel"/>
+                        <a:sym typeface="Corbel"/>
+                      </a:endParaRPr>
+                    </a:p>
+                  </a:txBody>
+                  <a:tcPr marL="68569" marR="68569" marT="68569" marB="68569"/>
+                </a:tc>
+                <a:tc>
+                  <a:txBody>
+                    <a:bodyPr/>
+                    <a:lstStyle/>
+                    <a:p>
+                      <a:pPr marL="0" lvl="0" indent="0" algn="l" rtl="0">
+                        <a:spcBef>
+                          <a:spcPts val="0"/>
+                        </a:spcBef>
+                        <a:spcAft>
+                          <a:spcPts val="0"/>
+                        </a:spcAft>
+                        <a:buNone/>
+                      </a:pPr>
+                      <a:r>
+                        <a:rPr lang="fr-FR" sz="1400" b="1">
+                          <a:latin typeface="Corbel"/>
+                          <a:ea typeface="Corbel"/>
+                          <a:cs typeface="Corbel"/>
+                          <a:sym typeface="Corbel"/>
+                        </a:rPr>
+                        <a:t>Pourquoi je suis dans cet état</a:t>
+                      </a:r>
+                      <a:endParaRPr sz="1400" b="1">
+                        <a:latin typeface="Corbel"/>
+                        <a:ea typeface="Corbel"/>
+                        <a:cs typeface="Corbel"/>
+                        <a:sym typeface="Corbel"/>
+                      </a:endParaRPr>
+                    </a:p>
+                  </a:txBody>
+                  <a:tcPr marL="68569" marR="68569" marT="68569" marB="68569"/>
+                </a:tc>
+                <a:extLst>
+                  <a:ext uri="{0D108BD9-81ED-4DB2-BD59-A6C34878D82A}">
+                    <a16:rowId xmlns:a16="http://schemas.microsoft.com/office/drawing/2014/main" val="10001"/>
+                  </a:ext>
+                </a:extLst>
+              </a:tr>
+              <a:tr h="342878">
+                <a:tc>
+                  <a:txBody>
+                    <a:bodyPr/>
+                    <a:lstStyle/>
+                    <a:p>
+                      <a:pPr marL="0" lvl="0" indent="0" algn="l" rtl="0">
+                        <a:spcBef>
+                          <a:spcPts val="0"/>
+                        </a:spcBef>
+                        <a:spcAft>
+                          <a:spcPts val="0"/>
+                        </a:spcAft>
+                        <a:buNone/>
+                      </a:pPr>
+                      <a:r>
+                        <a:rPr lang="fr-FR" sz="1400" b="1">
+                          <a:latin typeface="Corbel"/>
+                          <a:ea typeface="Corbel"/>
+                          <a:cs typeface="Corbel"/>
+                          <a:sym typeface="Corbel"/>
+                        </a:rPr>
+                        <a:t>Suspension</a:t>
+                      </a:r>
+                      <a:endParaRPr sz="1400" b="1">
+                        <a:latin typeface="Corbel"/>
+                        <a:ea typeface="Corbel"/>
+                        <a:cs typeface="Corbel"/>
+                        <a:sym typeface="Corbel"/>
+                      </a:endParaRPr>
+                    </a:p>
+                  </a:txBody>
+                  <a:tcPr marL="68569" marR="68569" marT="68569" marB="68569"/>
+                </a:tc>
+                <a:tc>
+                  <a:txBody>
+                    <a:bodyPr/>
+                    <a:lstStyle/>
+                    <a:p>
+                      <a:pPr marL="0" lvl="0" indent="0" algn="ctr" rtl="0">
+                        <a:spcBef>
+                          <a:spcPts val="0"/>
+                        </a:spcBef>
+                        <a:spcAft>
+                          <a:spcPts val="0"/>
+                        </a:spcAft>
+                        <a:buNone/>
+                      </a:pPr>
+                      <a:r>
+                        <a:rPr lang="fr-FR" sz="1400" b="1">
+                          <a:solidFill>
+                            <a:schemeClr val="dk1"/>
+                          </a:solidFill>
+                          <a:highlight>
+                            <a:srgbClr val="FFC000"/>
+                          </a:highlight>
+                          <a:latin typeface="Corbel"/>
+                          <a:ea typeface="Corbel"/>
+                          <a:cs typeface="Corbel"/>
+                          <a:sym typeface="Corbel"/>
+                        </a:rPr>
+                        <a:t>⬊➞⬈</a:t>
+                      </a:r>
+                      <a:endParaRPr sz="1400" b="1">
+                        <a:highlight>
+                          <a:srgbClr val="FFC000"/>
+                        </a:highlight>
+                        <a:latin typeface="Corbel"/>
+                        <a:ea typeface="Corbel"/>
+                        <a:cs typeface="Corbel"/>
+                        <a:sym typeface="Corbel"/>
+                      </a:endParaRPr>
+                    </a:p>
+                  </a:txBody>
+                  <a:tcPr marL="68569" marR="68569" marT="68569" marB="68569"/>
+                </a:tc>
+                <a:tc>
+                  <a:txBody>
+                    <a:bodyPr/>
+                    <a:lstStyle/>
+                    <a:p>
+                      <a:pPr marL="0" lvl="0" indent="0" algn="l" rtl="0">
+                        <a:spcBef>
+                          <a:spcPts val="0"/>
+                        </a:spcBef>
+                        <a:spcAft>
+                          <a:spcPts val="0"/>
+                        </a:spcAft>
+                        <a:buNone/>
+                      </a:pPr>
+                      <a:endParaRPr sz="1400" b="1">
+                        <a:latin typeface="Corbel"/>
+                        <a:ea typeface="Corbel"/>
+                        <a:cs typeface="Corbel"/>
+                        <a:sym typeface="Corbel"/>
+                      </a:endParaRPr>
+                    </a:p>
+                  </a:txBody>
+                  <a:tcPr marL="68569" marR="68569" marT="68569" marB="68569"/>
+                </a:tc>
+                <a:extLst>
+                  <a:ext uri="{0D108BD9-81ED-4DB2-BD59-A6C34878D82A}">
+                    <a16:rowId xmlns:a16="http://schemas.microsoft.com/office/drawing/2014/main" val="10002"/>
+                  </a:ext>
+                </a:extLst>
+              </a:tr>
+              <a:tr h="342878">
+                <a:tc>
+                  <a:txBody>
+                    <a:bodyPr/>
+                    <a:lstStyle/>
+                    <a:p>
+                      <a:pPr marL="0" lvl="0" indent="0" algn="l" rtl="0">
+                        <a:spcBef>
+                          <a:spcPts val="0"/>
+                        </a:spcBef>
+                        <a:spcAft>
+                          <a:spcPts val="0"/>
+                        </a:spcAft>
+                        <a:buNone/>
+                      </a:pPr>
+                      <a:r>
+                        <a:rPr lang="fr-FR" sz="1400" b="1">
+                          <a:latin typeface="Corbel"/>
+                          <a:ea typeface="Corbel"/>
+                          <a:cs typeface="Corbel"/>
+                          <a:sym typeface="Corbel"/>
+                        </a:rPr>
+                        <a:t>Basculeurs</a:t>
+                      </a:r>
+                      <a:endParaRPr sz="1400" b="1">
+                        <a:latin typeface="Corbel"/>
+                        <a:ea typeface="Corbel"/>
+                        <a:cs typeface="Corbel"/>
+                        <a:sym typeface="Corbel"/>
+                      </a:endParaRPr>
+                    </a:p>
+                  </a:txBody>
+                  <a:tcPr marL="68569" marR="68569" marT="68569" marB="68569"/>
+                </a:tc>
+                <a:tc>
+                  <a:txBody>
+                    <a:bodyPr/>
+                    <a:lstStyle/>
+                    <a:p>
+                      <a:pPr marL="0" lvl="0" indent="0" algn="ctr" rtl="0">
+                        <a:spcBef>
+                          <a:spcPts val="0"/>
+                        </a:spcBef>
+                        <a:spcAft>
+                          <a:spcPts val="0"/>
+                        </a:spcAft>
+                        <a:buNone/>
+                      </a:pPr>
+                      <a:r>
+                        <a:rPr lang="fr-FR" sz="1400" b="1">
+                          <a:solidFill>
+                            <a:schemeClr val="dk1"/>
+                          </a:solidFill>
+                          <a:highlight>
+                            <a:srgbClr val="00B050"/>
+                          </a:highlight>
+                          <a:latin typeface="Corbel"/>
+                          <a:ea typeface="Corbel"/>
+                          <a:cs typeface="Corbel"/>
+                          <a:sym typeface="Corbel"/>
+                        </a:rPr>
+                        <a:t>⬊➞⬈</a:t>
+                      </a:r>
+                      <a:endParaRPr sz="1400" b="1">
+                        <a:highlight>
+                          <a:srgbClr val="00B050"/>
+                        </a:highlight>
+                        <a:latin typeface="Corbel"/>
+                        <a:ea typeface="Corbel"/>
+                        <a:cs typeface="Corbel"/>
+                        <a:sym typeface="Corbel"/>
+                      </a:endParaRPr>
+                    </a:p>
+                  </a:txBody>
+                  <a:tcPr marL="68569" marR="68569" marT="68569" marB="68569"/>
+                </a:tc>
+                <a:tc>
+                  <a:txBody>
+                    <a:bodyPr/>
+                    <a:lstStyle/>
+                    <a:p>
+                      <a:pPr marL="0" lvl="0" indent="0" algn="l" rtl="0">
+                        <a:spcBef>
+                          <a:spcPts val="0"/>
+                        </a:spcBef>
+                        <a:spcAft>
+                          <a:spcPts val="0"/>
+                        </a:spcAft>
+                        <a:buNone/>
+                      </a:pPr>
+                      <a:endParaRPr sz="1400" b="1">
+                        <a:latin typeface="Corbel"/>
+                        <a:ea typeface="Corbel"/>
+                        <a:cs typeface="Corbel"/>
+                        <a:sym typeface="Corbel"/>
+                      </a:endParaRPr>
+                    </a:p>
+                  </a:txBody>
+                  <a:tcPr marL="68569" marR="68569" marT="68569" marB="68569"/>
+                </a:tc>
+                <a:extLst>
+                  <a:ext uri="{0D108BD9-81ED-4DB2-BD59-A6C34878D82A}">
+                    <a16:rowId xmlns:a16="http://schemas.microsoft.com/office/drawing/2014/main" val="10003"/>
+                  </a:ext>
+                </a:extLst>
+              </a:tr>
+              <a:tr h="342878">
+                <a:tc>
+                  <a:txBody>
+                    <a:bodyPr/>
+                    <a:lstStyle/>
+                    <a:p>
+                      <a:pPr marL="0" lvl="0" indent="0" algn="l" rtl="0">
+                        <a:spcBef>
+                          <a:spcPts val="0"/>
+                        </a:spcBef>
+                        <a:spcAft>
+                          <a:spcPts val="0"/>
+                        </a:spcAft>
+                        <a:buNone/>
+                      </a:pPr>
+                      <a:r>
+                        <a:rPr lang="fr-FR" sz="1400" b="1">
+                          <a:latin typeface="Corbel"/>
+                          <a:ea typeface="Corbel"/>
+                          <a:cs typeface="Corbel"/>
+                          <a:sym typeface="Corbel"/>
+                        </a:rPr>
+                        <a:t>BAR</a:t>
+                      </a:r>
+                      <a:endParaRPr sz="1400" b="1">
+                        <a:latin typeface="Corbel"/>
+                        <a:ea typeface="Corbel"/>
+                        <a:cs typeface="Corbel"/>
+                        <a:sym typeface="Corbel"/>
+                      </a:endParaRPr>
+                    </a:p>
+                  </a:txBody>
+                  <a:tcPr marL="68569" marR="68569" marT="68569" marB="68569"/>
+                </a:tc>
+                <a:tc>
+                  <a:txBody>
+                    <a:bodyPr/>
+                    <a:lstStyle/>
+                    <a:p>
+                      <a:pPr marL="0" lvl="0" indent="0" algn="ctr" rtl="0">
+                        <a:spcBef>
+                          <a:spcPts val="0"/>
+                        </a:spcBef>
+                        <a:spcAft>
+                          <a:spcPts val="0"/>
+                        </a:spcAft>
+                        <a:buNone/>
+                      </a:pPr>
+                      <a:r>
+                        <a:rPr lang="fr-FR" sz="1400" b="1">
+                          <a:solidFill>
+                            <a:schemeClr val="dk1"/>
+                          </a:solidFill>
+                          <a:latin typeface="Corbel"/>
+                          <a:ea typeface="Corbel"/>
+                          <a:cs typeface="Corbel"/>
+                          <a:sym typeface="Corbel"/>
+                        </a:rPr>
+                        <a:t>⬊➞⬈</a:t>
+                      </a:r>
+                      <a:endParaRPr sz="1400" b="1">
+                        <a:latin typeface="Corbel"/>
+                        <a:ea typeface="Corbel"/>
+                        <a:cs typeface="Corbel"/>
+                        <a:sym typeface="Corbel"/>
+                      </a:endParaRPr>
+                    </a:p>
+                  </a:txBody>
+                  <a:tcPr marL="68569" marR="68569" marT="68569" marB="68569"/>
+                </a:tc>
+                <a:tc>
+                  <a:txBody>
+                    <a:bodyPr/>
+                    <a:lstStyle/>
+                    <a:p>
+                      <a:pPr marL="0" lvl="0" indent="0" algn="l" rtl="0">
+                        <a:spcBef>
+                          <a:spcPts val="0"/>
+                        </a:spcBef>
+                        <a:spcAft>
+                          <a:spcPts val="0"/>
+                        </a:spcAft>
+                        <a:buNone/>
+                      </a:pPr>
+                      <a:endParaRPr sz="1400" b="1">
+                        <a:latin typeface="Corbel"/>
+                        <a:ea typeface="Corbel"/>
+                        <a:cs typeface="Corbel"/>
+                        <a:sym typeface="Corbel"/>
+                      </a:endParaRPr>
+                    </a:p>
+                  </a:txBody>
+                  <a:tcPr marL="68569" marR="68569" marT="68569" marB="68569"/>
+                </a:tc>
+                <a:extLst>
+                  <a:ext uri="{0D108BD9-81ED-4DB2-BD59-A6C34878D82A}">
+                    <a16:rowId xmlns:a16="http://schemas.microsoft.com/office/drawing/2014/main" val="10004"/>
+                  </a:ext>
+                </a:extLst>
+              </a:tr>
+              <a:tr h="342878">
+                <a:tc>
+                  <a:txBody>
+                    <a:bodyPr/>
+                    <a:lstStyle/>
+                    <a:p>
+                      <a:pPr marL="0" lvl="0" indent="0" algn="l" rtl="0">
+                        <a:spcBef>
+                          <a:spcPts val="0"/>
+                        </a:spcBef>
+                        <a:spcAft>
+                          <a:spcPts val="0"/>
+                        </a:spcAft>
+                        <a:buNone/>
+                      </a:pPr>
+                      <a:r>
+                        <a:rPr lang="fr-FR" sz="1400" b="1">
+                          <a:latin typeface="Corbel"/>
+                          <a:ea typeface="Corbel"/>
+                          <a:cs typeface="Corbel"/>
+                          <a:sym typeface="Corbel"/>
+                        </a:rPr>
+                        <a:t>Triangles</a:t>
+                      </a:r>
+                      <a:endParaRPr sz="1400" b="1">
+                        <a:latin typeface="Corbel"/>
+                        <a:ea typeface="Corbel"/>
+                        <a:cs typeface="Corbel"/>
+                        <a:sym typeface="Corbel"/>
+                      </a:endParaRPr>
+                    </a:p>
+                  </a:txBody>
+                  <a:tcPr marL="68569" marR="68569" marT="68569" marB="68569"/>
+                </a:tc>
+                <a:tc>
+                  <a:txBody>
+                    <a:bodyPr/>
+                    <a:lstStyle/>
+                    <a:p>
+                      <a:pPr marL="0" lvl="0" indent="0" algn="ctr" rtl="0">
+                        <a:spcBef>
+                          <a:spcPts val="0"/>
+                        </a:spcBef>
+                        <a:spcAft>
+                          <a:spcPts val="0"/>
+                        </a:spcAft>
+                        <a:buNone/>
+                      </a:pPr>
+                      <a:r>
+                        <a:rPr lang="fr-FR" sz="1400" b="1">
+                          <a:solidFill>
+                            <a:schemeClr val="dk1"/>
+                          </a:solidFill>
+                          <a:latin typeface="Corbel"/>
+                          <a:ea typeface="Corbel"/>
+                          <a:cs typeface="Corbel"/>
+                          <a:sym typeface="Corbel"/>
+                        </a:rPr>
+                        <a:t>⬊➞⬈</a:t>
+                      </a:r>
+                      <a:endParaRPr sz="1400" b="1">
+                        <a:latin typeface="Corbel"/>
+                        <a:ea typeface="Corbel"/>
+                        <a:cs typeface="Corbel"/>
+                        <a:sym typeface="Corbel"/>
+                      </a:endParaRPr>
+                    </a:p>
+                  </a:txBody>
+                  <a:tcPr marL="68569" marR="68569" marT="68569" marB="68569"/>
+                </a:tc>
+                <a:tc>
+                  <a:txBody>
+                    <a:bodyPr/>
+                    <a:lstStyle/>
+                    <a:p>
+                      <a:pPr marL="0" lvl="0" indent="0" algn="l" rtl="0">
+                        <a:spcBef>
+                          <a:spcPts val="0"/>
+                        </a:spcBef>
+                        <a:spcAft>
+                          <a:spcPts val="0"/>
+                        </a:spcAft>
+                        <a:buNone/>
+                      </a:pPr>
+                      <a:endParaRPr sz="1400" b="1">
+                        <a:latin typeface="Corbel"/>
+                        <a:ea typeface="Corbel"/>
+                        <a:cs typeface="Corbel"/>
+                        <a:sym typeface="Corbel"/>
+                      </a:endParaRPr>
+                    </a:p>
+                  </a:txBody>
+                  <a:tcPr marL="68569" marR="68569" marT="68569" marB="68569"/>
+                </a:tc>
+                <a:extLst>
+                  <a:ext uri="{0D108BD9-81ED-4DB2-BD59-A6C34878D82A}">
+                    <a16:rowId xmlns:a16="http://schemas.microsoft.com/office/drawing/2014/main" val="10005"/>
+                  </a:ext>
+                </a:extLst>
+              </a:tr>
+              <a:tr h="342878">
+                <a:tc>
+                  <a:txBody>
+                    <a:bodyPr/>
+                    <a:lstStyle/>
+                    <a:p>
+                      <a:pPr marL="0" lvl="0" indent="0" algn="l" rtl="0">
+                        <a:spcBef>
+                          <a:spcPts val="0"/>
+                        </a:spcBef>
+                        <a:spcAft>
+                          <a:spcPts val="0"/>
+                        </a:spcAft>
+                        <a:buNone/>
+                      </a:pPr>
+                      <a:r>
+                        <a:rPr lang="fr-FR" sz="1400" b="1">
+                          <a:latin typeface="Corbel"/>
+                          <a:ea typeface="Corbel"/>
+                          <a:cs typeface="Corbel"/>
+                          <a:sym typeface="Corbel"/>
+                        </a:rPr>
+                        <a:t>Direction</a:t>
+                      </a:r>
+                      <a:endParaRPr sz="1400" b="1">
+                        <a:latin typeface="Corbel"/>
+                        <a:ea typeface="Corbel"/>
+                        <a:cs typeface="Corbel"/>
+                        <a:sym typeface="Corbel"/>
+                      </a:endParaRPr>
+                    </a:p>
+                  </a:txBody>
+                  <a:tcPr marL="68569" marR="68569" marT="68569" marB="68569"/>
+                </a:tc>
+                <a:tc>
+                  <a:txBody>
+                    <a:bodyPr/>
+                    <a:lstStyle/>
+                    <a:p>
+                      <a:pPr marL="0" lvl="0" indent="0" algn="ctr" rtl="0">
+                        <a:spcBef>
+                          <a:spcPts val="0"/>
+                        </a:spcBef>
+                        <a:spcAft>
+                          <a:spcPts val="0"/>
+                        </a:spcAft>
+                        <a:buNone/>
+                      </a:pPr>
+                      <a:r>
+                        <a:rPr lang="fr-FR" sz="1400" b="1">
+                          <a:solidFill>
+                            <a:schemeClr val="dk1"/>
+                          </a:solidFill>
+                          <a:latin typeface="Corbel"/>
+                          <a:ea typeface="Corbel"/>
+                          <a:cs typeface="Corbel"/>
+                          <a:sym typeface="Corbel"/>
+                        </a:rPr>
+                        <a:t>⬊➞⬈</a:t>
+                      </a:r>
+                      <a:endParaRPr sz="1400" b="1">
+                        <a:latin typeface="Corbel"/>
+                        <a:ea typeface="Corbel"/>
+                        <a:cs typeface="Corbel"/>
+                        <a:sym typeface="Corbel"/>
+                      </a:endParaRPr>
+                    </a:p>
+                  </a:txBody>
+                  <a:tcPr marL="68569" marR="68569" marT="68569" marB="68569"/>
+                </a:tc>
+                <a:tc>
+                  <a:txBody>
+                    <a:bodyPr/>
+                    <a:lstStyle/>
+                    <a:p>
+                      <a:pPr marL="0" lvl="0" indent="0" algn="l" rtl="0">
+                        <a:spcBef>
+                          <a:spcPts val="0"/>
+                        </a:spcBef>
+                        <a:spcAft>
+                          <a:spcPts val="0"/>
+                        </a:spcAft>
+                        <a:buNone/>
+                      </a:pPr>
+                      <a:endParaRPr sz="1400" b="1">
+                        <a:latin typeface="Corbel"/>
+                        <a:ea typeface="Corbel"/>
+                        <a:cs typeface="Corbel"/>
+                        <a:sym typeface="Corbel"/>
+                      </a:endParaRPr>
+                    </a:p>
+                  </a:txBody>
+                  <a:tcPr marL="68569" marR="68569" marT="68569" marB="68569"/>
+                </a:tc>
+                <a:extLst>
+                  <a:ext uri="{0D108BD9-81ED-4DB2-BD59-A6C34878D82A}">
+                    <a16:rowId xmlns:a16="http://schemas.microsoft.com/office/drawing/2014/main" val="10006"/>
+                  </a:ext>
+                </a:extLst>
+              </a:tr>
+              <a:tr h="342878">
+                <a:tc>
+                  <a:txBody>
+                    <a:bodyPr/>
+                    <a:lstStyle/>
+                    <a:p>
+                      <a:pPr marL="0" lvl="0" indent="0" algn="l" rtl="0">
+                        <a:spcBef>
+                          <a:spcPts val="0"/>
+                        </a:spcBef>
+                        <a:spcAft>
+                          <a:spcPts val="0"/>
+                        </a:spcAft>
+                        <a:buNone/>
+                      </a:pPr>
+                      <a:r>
+                        <a:rPr lang="fr-FR" sz="1400" b="1">
+                          <a:latin typeface="Corbel"/>
+                          <a:ea typeface="Corbel"/>
+                          <a:cs typeface="Corbel"/>
+                          <a:sym typeface="Corbel"/>
+                        </a:rPr>
+                        <a:t>Roue équipée</a:t>
+                      </a:r>
+                      <a:endParaRPr sz="1400" b="1">
+                        <a:latin typeface="Corbel"/>
+                        <a:ea typeface="Corbel"/>
+                        <a:cs typeface="Corbel"/>
+                        <a:sym typeface="Corbel"/>
+                      </a:endParaRPr>
+                    </a:p>
+                  </a:txBody>
+                  <a:tcPr marL="68569" marR="68569" marT="68569" marB="68569"/>
+                </a:tc>
+                <a:tc>
+                  <a:txBody>
+                    <a:bodyPr/>
+                    <a:lstStyle/>
+                    <a:p>
+                      <a:pPr marL="0" lvl="0" indent="0" algn="ctr" rtl="0">
+                        <a:spcBef>
+                          <a:spcPts val="0"/>
+                        </a:spcBef>
+                        <a:spcAft>
+                          <a:spcPts val="0"/>
+                        </a:spcAft>
+                        <a:buNone/>
+                      </a:pPr>
+                      <a:endParaRPr sz="1400" b="1">
+                        <a:solidFill>
+                          <a:schemeClr val="dk1"/>
+                        </a:solidFill>
+                        <a:latin typeface="Corbel"/>
+                        <a:ea typeface="Corbel"/>
+                        <a:cs typeface="Corbel"/>
+                        <a:sym typeface="Corbel"/>
+                      </a:endParaRPr>
+                    </a:p>
+                  </a:txBody>
+                  <a:tcPr marL="68569" marR="68569" marT="68569" marB="68569"/>
+                </a:tc>
+                <a:tc>
+                  <a:txBody>
+                    <a:bodyPr/>
+                    <a:lstStyle/>
+                    <a:p>
+                      <a:pPr marL="0" lvl="0" indent="0" algn="l" rtl="0">
+                        <a:spcBef>
+                          <a:spcPts val="0"/>
+                        </a:spcBef>
+                        <a:spcAft>
+                          <a:spcPts val="0"/>
+                        </a:spcAft>
+                        <a:buNone/>
+                      </a:pPr>
+                      <a:endParaRPr sz="1400" b="1">
+                        <a:latin typeface="Corbel"/>
+                        <a:ea typeface="Corbel"/>
+                        <a:cs typeface="Corbel"/>
+                        <a:sym typeface="Corbel"/>
+                      </a:endParaRPr>
+                    </a:p>
+                  </a:txBody>
+                  <a:tcPr marL="68569" marR="68569" marT="68569" marB="68569"/>
+                </a:tc>
+                <a:extLst>
+                  <a:ext uri="{0D108BD9-81ED-4DB2-BD59-A6C34878D82A}">
+                    <a16:rowId xmlns:a16="http://schemas.microsoft.com/office/drawing/2014/main" val="10007"/>
+                  </a:ext>
+                </a:extLst>
+              </a:tr>
+              <a:tr h="342878">
+                <a:tc>
+                  <a:txBody>
+                    <a:bodyPr/>
+                    <a:lstStyle/>
+                    <a:p>
+                      <a:pPr marL="0" lvl="0" indent="0" algn="l" rtl="0">
+                        <a:spcBef>
+                          <a:spcPts val="0"/>
+                        </a:spcBef>
+                        <a:spcAft>
+                          <a:spcPts val="0"/>
+                        </a:spcAft>
+                        <a:buNone/>
+                      </a:pPr>
+                      <a:r>
+                        <a:rPr lang="fr-FR" sz="1400" b="1">
+                          <a:latin typeface="Corbel"/>
+                          <a:ea typeface="Corbel"/>
+                          <a:cs typeface="Corbel"/>
+                          <a:sym typeface="Corbel"/>
+                        </a:rPr>
+                        <a:t>Système de freinage</a:t>
+                      </a:r>
+                      <a:endParaRPr sz="1400" b="1">
+                        <a:latin typeface="Corbel"/>
+                        <a:ea typeface="Corbel"/>
+                        <a:cs typeface="Corbel"/>
+                        <a:sym typeface="Corbel"/>
+                      </a:endParaRPr>
+                    </a:p>
+                  </a:txBody>
+                  <a:tcPr marL="68569" marR="68569" marT="68569" marB="68569"/>
+                </a:tc>
+                <a:tc>
+                  <a:txBody>
+                    <a:bodyPr/>
+                    <a:lstStyle/>
+                    <a:p>
+                      <a:pPr marL="0" lvl="0" indent="0" algn="ctr" rtl="0">
+                        <a:spcBef>
+                          <a:spcPts val="0"/>
+                        </a:spcBef>
+                        <a:spcAft>
+                          <a:spcPts val="0"/>
+                        </a:spcAft>
+                        <a:buNone/>
+                      </a:pPr>
+                      <a:endParaRPr sz="1400" b="1">
+                        <a:solidFill>
+                          <a:schemeClr val="dk1"/>
+                        </a:solidFill>
+                        <a:latin typeface="Corbel"/>
+                        <a:ea typeface="Corbel"/>
+                        <a:cs typeface="Corbel"/>
+                        <a:sym typeface="Corbel"/>
+                      </a:endParaRPr>
+                    </a:p>
+                  </a:txBody>
+                  <a:tcPr marL="68569" marR="68569" marT="68569" marB="68569"/>
+                </a:tc>
+                <a:tc>
+                  <a:txBody>
+                    <a:bodyPr/>
+                    <a:lstStyle/>
+                    <a:p>
+                      <a:pPr marL="0" lvl="0" indent="0" algn="l" rtl="0">
+                        <a:spcBef>
+                          <a:spcPts val="0"/>
+                        </a:spcBef>
+                        <a:spcAft>
+                          <a:spcPts val="0"/>
+                        </a:spcAft>
+                        <a:buNone/>
+                      </a:pPr>
+                      <a:endParaRPr sz="1400" b="1" dirty="0">
+                        <a:latin typeface="Corbel"/>
+                        <a:ea typeface="Corbel"/>
+                        <a:cs typeface="Corbel"/>
+                        <a:sym typeface="Corbel"/>
+                      </a:endParaRPr>
+                    </a:p>
+                  </a:txBody>
+                  <a:tcPr marL="68569" marR="68569" marT="68569" marB="68569"/>
+                </a:tc>
+                <a:extLst>
+                  <a:ext uri="{0D108BD9-81ED-4DB2-BD59-A6C34878D82A}">
+                    <a16:rowId xmlns:a16="http://schemas.microsoft.com/office/drawing/2014/main" val="10008"/>
+                  </a:ext>
+                </a:extLst>
+              </a:tr>
+            </a:tbl>
+          </a:graphicData>
+        </a:graphic>
+      </p:graphicFrame>
+    </p:spTree>
+  </p:cSld>
+  <p:clrMapOvr>
+    <a:masterClrMapping/>
+  </p:clrMapOvr>
+</p:sld>
+</file>
+
+<file path=ppt/slides/slide5.xml><?xml version="1.0" encoding="utf-8"?>
+<p:sld xmlns:a="http://schemas.openxmlformats.org/drawingml/2006/main" xmlns:r="http://schemas.openxmlformats.org/officeDocument/2006/relationships" xmlns:p="http://schemas.openxmlformats.org/presentationml/2006/main">
+  <p:cSld>
+    <p:spTree>
+      <p:nvGrpSpPr>
+        <p:cNvPr id="1" name="Shape 106"/>
+        <p:cNvGrpSpPr/>
+        <p:nvPr/>
+      </p:nvGrpSpPr>
+      <p:grpSpPr>
+        <a:xfrm>
+          <a:off x="0" y="0"/>
+          <a:ext cx="0" cy="0"/>
+          <a:chOff x="0" y="0"/>
+          <a:chExt cx="0" cy="0"/>
+        </a:xfrm>
+      </p:grpSpPr>
+      <p:sp>
+        <p:nvSpPr>
+          <p:cNvPr id="2" name="Titre 1">
+            <a:extLst>
+              <a:ext uri="{FF2B5EF4-FFF2-40B4-BE49-F238E27FC236}">
+                <a16:creationId xmlns:a16="http://schemas.microsoft.com/office/drawing/2014/main" id="{4EC5A3F7-20A6-4701-9361-D39A7806EA63}"/>
+              </a:ext>
+            </a:extLst>
+          </p:cNvPr>
+          <p:cNvSpPr>
+            <a:spLocks noGrp="1"/>
+          </p:cNvSpPr>
+          <p:nvPr>
+            <p:ph type="title"/>
+          </p:nvPr>
+        </p:nvSpPr>
+        <p:spPr/>
+        <p:txBody>
+          <a:bodyPr>
+            <a:normAutofit/>
+          </a:bodyPr>
+          <a:lstStyle/>
+          <a:p>
+            <a:r>
+              <a:rPr lang="fr-FR" sz="3600" dirty="0">
+                <a:solidFill>
+                  <a:schemeClr val="lt1"/>
+                </a:solidFill>
+                <a:latin typeface="Arial"/>
+                <a:ea typeface="Arial"/>
+                <a:cs typeface="Arial"/>
+                <a:sym typeface="Arial"/>
+              </a:rPr>
+              <a:t>BILAN CHASSIS</a:t>
+            </a:r>
+            <a:endParaRPr lang="fr-FR" dirty="0"/>
+          </a:p>
+        </p:txBody>
+      </p:sp>
+      <p:sp>
+        <p:nvSpPr>
+          <p:cNvPr id="107" name="Google Shape;107;p15"/>
+          <p:cNvSpPr txBox="1">
+            <a:spLocks noGrp="1"/>
+          </p:cNvSpPr>
+          <p:nvPr>
+            <p:ph type="sldNum" sz="quarter" idx="12"/>
+          </p:nvPr>
+        </p:nvSpPr>
+        <p:spPr>
+          <a:prstGeom prst="rect">
+            <a:avLst/>
+          </a:prstGeom>
+          <a:noFill/>
+          <a:ln>
+            <a:noFill/>
+          </a:ln>
+        </p:spPr>
+        <p:txBody>
+          <a:bodyPr spcFirstLastPara="1" vert="horz" wrap="square" lIns="68569" tIns="34275" rIns="68569" bIns="34275" rtlCol="0" anchor="ctr" anchorCtr="0">
+            <a:noAutofit/>
+          </a:bodyPr>
+          <a:lstStyle/>
+          <a:p>
+            <a:pPr>
+              <a:buSzPts val="1200"/>
+            </a:pPr>
+            <a:fld id="{00000000-1234-1234-1234-123412341234}" type="slidenum">
+              <a:rPr lang="fr-FR"/>
+              <a:pPr>
+                <a:buSzPts val="1200"/>
+              </a:pPr>
+              <a:t>5</a:t>
+            </a:fld>
+            <a:endParaRPr/>
+          </a:p>
+        </p:txBody>
+      </p:sp>
+      <p:graphicFrame>
+        <p:nvGraphicFramePr>
+          <p:cNvPr id="7" name="Google Shape;109;p15">
+            <a:extLst>
+              <a:ext uri="{FF2B5EF4-FFF2-40B4-BE49-F238E27FC236}">
+                <a16:creationId xmlns:a16="http://schemas.microsoft.com/office/drawing/2014/main" id="{1661B0BE-7188-423B-8A8C-BDA0BCAF3146}"/>
+              </a:ext>
+            </a:extLst>
+          </p:cNvPr>
+          <p:cNvGraphicFramePr>
+            <a:graphicFrameLocks noGrp="1"/>
+          </p:cNvGraphicFramePr>
+          <p:nvPr>
+            <p:ph idx="1"/>
+            <p:extLst>
+              <p:ext uri="{D42A27DB-BD31-4B8C-83A1-F6EECF244321}">
+                <p14:modId xmlns:p14="http://schemas.microsoft.com/office/powerpoint/2010/main" val="2210162258"/>
+              </p:ext>
+            </p:extLst>
+          </p:nvPr>
+        </p:nvGraphicFramePr>
+        <p:xfrm>
+          <a:off x="714375" y="1073150"/>
+          <a:ext cx="7715251" cy="2453486"/>
+        </p:xfrm>
+        <a:graphic>
+          <a:graphicData uri="http://schemas.openxmlformats.org/drawingml/2006/table">
+            <a:tbl>
+              <a:tblPr>
+                <a:noFill/>
+              </a:tblPr>
+              <a:tblGrid>
+                <a:gridCol w="1810313">
+                  <a:extLst>
+                    <a:ext uri="{9D8B030D-6E8A-4147-A177-3AD203B41FA5}">
+                      <a16:colId xmlns:a16="http://schemas.microsoft.com/office/drawing/2014/main" val="20000"/>
+                    </a:ext>
+                  </a:extLst>
+                </a:gridCol>
+                <a:gridCol w="684994">
+                  <a:extLst>
+                    <a:ext uri="{9D8B030D-6E8A-4147-A177-3AD203B41FA5}">
+                      <a16:colId xmlns:a16="http://schemas.microsoft.com/office/drawing/2014/main" val="20001"/>
+                    </a:ext>
+                  </a:extLst>
+                </a:gridCol>
+                <a:gridCol w="5219944">
+                  <a:extLst>
+                    <a:ext uri="{9D8B030D-6E8A-4147-A177-3AD203B41FA5}">
+                      <a16:colId xmlns:a16="http://schemas.microsoft.com/office/drawing/2014/main" val="20002"/>
+                    </a:ext>
+                  </a:extLst>
+                </a:gridCol>
+              </a:tblGrid>
+              <a:tr h="342878">
+                <a:tc>
+                  <a:txBody>
+                    <a:bodyPr/>
+                    <a:lstStyle/>
+                    <a:p>
+                      <a:pPr marL="0" lvl="0" indent="0" algn="l" rtl="0">
+                        <a:spcBef>
+                          <a:spcPts val="0"/>
+                        </a:spcBef>
+                        <a:spcAft>
+                          <a:spcPts val="0"/>
+                        </a:spcAft>
+                        <a:buNone/>
+                      </a:pPr>
+                      <a:r>
+                        <a:rPr lang="fr-FR" sz="1400" b="1" dirty="0">
+                          <a:latin typeface="Corbel"/>
+                          <a:ea typeface="Corbel"/>
+                          <a:cs typeface="Corbel"/>
+                          <a:sym typeface="Corbel"/>
+                        </a:rPr>
+                        <a:t>Sous-système</a:t>
+                      </a:r>
+                      <a:endParaRPr sz="1400" b="1" dirty="0">
+                        <a:latin typeface="Corbel"/>
+                        <a:ea typeface="Corbel"/>
+                        <a:cs typeface="Corbel"/>
+                        <a:sym typeface="Corbel"/>
+                      </a:endParaRPr>
+                    </a:p>
+                  </a:txBody>
+                  <a:tcPr marL="68569" marR="68569" marT="68569" marB="68569"/>
+                </a:tc>
+                <a:tc>
+                  <a:txBody>
+                    <a:bodyPr/>
+                    <a:lstStyle/>
+                    <a:p>
+                      <a:pPr marL="0" lvl="0" indent="0" algn="ctr" rtl="0">
+                        <a:spcBef>
+                          <a:spcPts val="0"/>
+                        </a:spcBef>
+                        <a:spcAft>
+                          <a:spcPts val="0"/>
+                        </a:spcAft>
+                        <a:buNone/>
+                      </a:pPr>
+                      <a:r>
+                        <a:rPr lang="fr-FR" sz="1400" b="1">
+                          <a:latin typeface="Corbel"/>
+                          <a:ea typeface="Corbel"/>
+                          <a:cs typeface="Corbel"/>
+                          <a:sym typeface="Corbel"/>
+                        </a:rPr>
+                        <a:t>Etat</a:t>
+                      </a:r>
+                      <a:endParaRPr sz="1400" b="1">
+                        <a:latin typeface="Corbel"/>
+                        <a:ea typeface="Corbel"/>
+                        <a:cs typeface="Corbel"/>
+                        <a:sym typeface="Corbel"/>
+                      </a:endParaRPr>
+                    </a:p>
+                  </a:txBody>
+                  <a:tcPr marL="68569" marR="68569" marT="68569" marB="68569"/>
+                </a:tc>
+                <a:tc>
+                  <a:txBody>
+                    <a:bodyPr/>
+                    <a:lstStyle/>
+                    <a:p>
+                      <a:pPr marL="0" lvl="0" indent="0" algn="l" rtl="0">
+                        <a:spcBef>
+                          <a:spcPts val="0"/>
+                        </a:spcBef>
+                        <a:spcAft>
+                          <a:spcPts val="0"/>
+                        </a:spcAft>
+                        <a:buNone/>
+                      </a:pPr>
+                      <a:r>
+                        <a:rPr lang="fr-FR" sz="1400" b="1" dirty="0">
+                          <a:latin typeface="Corbel"/>
+                          <a:ea typeface="Corbel"/>
+                          <a:cs typeface="Corbel"/>
+                          <a:sym typeface="Corbel"/>
+                        </a:rPr>
+                        <a:t>Description</a:t>
+                      </a:r>
+                      <a:endParaRPr sz="1400" b="1" dirty="0">
+                        <a:latin typeface="Corbel"/>
+                        <a:ea typeface="Corbel"/>
+                        <a:cs typeface="Corbel"/>
+                        <a:sym typeface="Corbel"/>
+                      </a:endParaRPr>
+                    </a:p>
+                  </a:txBody>
+                  <a:tcPr marL="68569" marR="68569" marT="68569" marB="68569"/>
+                </a:tc>
+                <a:extLst>
+                  <a:ext uri="{0D108BD9-81ED-4DB2-BD59-A6C34878D82A}">
+                    <a16:rowId xmlns:a16="http://schemas.microsoft.com/office/drawing/2014/main" val="10000"/>
+                  </a:ext>
+                </a:extLst>
+              </a:tr>
+              <a:tr h="342878">
+                <a:tc>
+                  <a:txBody>
+                    <a:bodyPr/>
+                    <a:lstStyle/>
+                    <a:p>
+                      <a:pPr marL="0" lvl="0" indent="0" algn="l" rtl="0">
+                        <a:spcBef>
+                          <a:spcPts val="0"/>
+                        </a:spcBef>
+                        <a:spcAft>
+                          <a:spcPts val="0"/>
+                        </a:spcAft>
+                        <a:buNone/>
+                      </a:pPr>
+                      <a:r>
+                        <a:rPr lang="fr-FR" sz="1400" b="1">
+                          <a:latin typeface="Corbel"/>
+                          <a:ea typeface="Corbel"/>
+                          <a:cs typeface="Corbel"/>
+                          <a:sym typeface="Corbel"/>
+                        </a:rPr>
+                        <a:t>Structure tubulaire</a:t>
+                      </a:r>
+                      <a:endParaRPr sz="1400" b="1">
+                        <a:latin typeface="Corbel"/>
+                        <a:ea typeface="Corbel"/>
+                        <a:cs typeface="Corbel"/>
+                        <a:sym typeface="Corbel"/>
+                      </a:endParaRPr>
+                    </a:p>
+                  </a:txBody>
+                  <a:tcPr marL="68569" marR="68569" marT="68569" marB="68569"/>
+                </a:tc>
+                <a:tc>
+                  <a:txBody>
+                    <a:bodyPr/>
+                    <a:lstStyle/>
+                    <a:p>
+                      <a:pPr marL="0" lvl="0" indent="0" algn="ctr" rtl="0">
+                        <a:spcBef>
+                          <a:spcPts val="0"/>
+                        </a:spcBef>
+                        <a:spcAft>
+                          <a:spcPts val="0"/>
+                        </a:spcAft>
+                        <a:buClr>
+                          <a:schemeClr val="dk1"/>
+                        </a:buClr>
+                        <a:buSzPts val="1100"/>
+                        <a:buFont typeface="Arial"/>
+                        <a:buNone/>
+                      </a:pPr>
+                      <a:r>
+                        <a:rPr lang="fr-FR" sz="1400" b="1">
+                          <a:solidFill>
+                            <a:schemeClr val="dk1"/>
+                          </a:solidFill>
+                          <a:highlight>
+                            <a:srgbClr val="FF0000"/>
+                          </a:highlight>
+                          <a:latin typeface="Corbel"/>
+                          <a:ea typeface="Corbel"/>
+                          <a:cs typeface="Corbel"/>
+                          <a:sym typeface="Corbel"/>
+                        </a:rPr>
+                        <a:t>⬊➞⬈</a:t>
+                      </a:r>
+                      <a:endParaRPr sz="1400" b="1">
+                        <a:highlight>
+                          <a:srgbClr val="FF0000"/>
+                        </a:highlight>
+                        <a:latin typeface="Corbel"/>
+                        <a:ea typeface="Corbel"/>
+                        <a:cs typeface="Corbel"/>
+                        <a:sym typeface="Corbel"/>
+                      </a:endParaRPr>
+                    </a:p>
+                  </a:txBody>
+                  <a:tcPr marL="68569" marR="68569" marT="68569" marB="68569"/>
+                </a:tc>
+                <a:tc>
+                  <a:txBody>
+                    <a:bodyPr/>
+                    <a:lstStyle/>
+                    <a:p>
+                      <a:pPr marL="0" lvl="0" indent="0" algn="l" rtl="0">
+                        <a:spcBef>
+                          <a:spcPts val="0"/>
+                        </a:spcBef>
+                        <a:spcAft>
+                          <a:spcPts val="0"/>
+                        </a:spcAft>
+                        <a:buNone/>
+                      </a:pPr>
+                      <a:r>
+                        <a:rPr lang="fr-FR" sz="1400" b="1">
+                          <a:latin typeface="Corbel"/>
+                          <a:ea typeface="Corbel"/>
+                          <a:cs typeface="Corbel"/>
+                          <a:sym typeface="Corbel"/>
+                        </a:rPr>
+                        <a:t>Pourquoi je suis dans cet état</a:t>
+                      </a:r>
+                      <a:endParaRPr sz="1400" b="1">
+                        <a:latin typeface="Corbel"/>
+                        <a:ea typeface="Corbel"/>
+                        <a:cs typeface="Corbel"/>
+                        <a:sym typeface="Corbel"/>
+                      </a:endParaRPr>
+                    </a:p>
+                  </a:txBody>
+                  <a:tcPr marL="68569" marR="68569" marT="68569" marB="68569"/>
+                </a:tc>
+                <a:extLst>
+                  <a:ext uri="{0D108BD9-81ED-4DB2-BD59-A6C34878D82A}">
+                    <a16:rowId xmlns:a16="http://schemas.microsoft.com/office/drawing/2014/main" val="10001"/>
+                  </a:ext>
+                </a:extLst>
+              </a:tr>
+              <a:tr h="342878">
+                <a:tc>
+                  <a:txBody>
+                    <a:bodyPr/>
+                    <a:lstStyle/>
+                    <a:p>
+                      <a:pPr marL="0" lvl="0" indent="0" algn="l" rtl="0">
+                        <a:spcBef>
+                          <a:spcPts val="0"/>
+                        </a:spcBef>
+                        <a:spcAft>
+                          <a:spcPts val="0"/>
+                        </a:spcAft>
+                        <a:buNone/>
+                      </a:pPr>
+                      <a:r>
+                        <a:rPr lang="fr-FR" sz="1400" b="1">
+                          <a:latin typeface="Corbel"/>
+                          <a:ea typeface="Corbel"/>
+                          <a:cs typeface="Corbel"/>
+                          <a:sym typeface="Corbel"/>
+                        </a:rPr>
+                        <a:t>Paroi pare-feu</a:t>
+                      </a:r>
+                      <a:endParaRPr sz="1400" b="1">
+                        <a:latin typeface="Corbel"/>
+                        <a:ea typeface="Corbel"/>
+                        <a:cs typeface="Corbel"/>
+                        <a:sym typeface="Corbel"/>
+                      </a:endParaRPr>
+                    </a:p>
+                  </a:txBody>
+                  <a:tcPr marL="68569" marR="68569" marT="68569" marB="68569"/>
+                </a:tc>
+                <a:tc>
+                  <a:txBody>
+                    <a:bodyPr/>
+                    <a:lstStyle/>
+                    <a:p>
+                      <a:pPr marL="0" lvl="0" indent="0" algn="ctr" rtl="0">
+                        <a:spcBef>
+                          <a:spcPts val="0"/>
+                        </a:spcBef>
+                        <a:spcAft>
+                          <a:spcPts val="0"/>
+                        </a:spcAft>
+                        <a:buClr>
+                          <a:schemeClr val="dk1"/>
+                        </a:buClr>
+                        <a:buSzPts val="1100"/>
+                        <a:buFont typeface="Arial"/>
+                        <a:buNone/>
+                      </a:pPr>
+                      <a:r>
+                        <a:rPr lang="fr-FR" sz="1400" b="1">
+                          <a:solidFill>
+                            <a:schemeClr val="dk1"/>
+                          </a:solidFill>
+                          <a:highlight>
+                            <a:srgbClr val="FFC000"/>
+                          </a:highlight>
+                          <a:latin typeface="Corbel"/>
+                          <a:ea typeface="Corbel"/>
+                          <a:cs typeface="Corbel"/>
+                          <a:sym typeface="Corbel"/>
+                        </a:rPr>
+                        <a:t>⬊➞⬈</a:t>
+                      </a:r>
+                      <a:endParaRPr sz="1400" b="1">
+                        <a:highlight>
+                          <a:srgbClr val="FFC000"/>
+                        </a:highlight>
+                        <a:latin typeface="Corbel"/>
+                        <a:ea typeface="Corbel"/>
+                        <a:cs typeface="Corbel"/>
+                        <a:sym typeface="Corbel"/>
+                      </a:endParaRPr>
+                    </a:p>
+                  </a:txBody>
+                  <a:tcPr marL="68569" marR="68569" marT="68569" marB="68569"/>
+                </a:tc>
+                <a:tc>
+                  <a:txBody>
+                    <a:bodyPr/>
+                    <a:lstStyle/>
+                    <a:p>
+                      <a:pPr marL="0" lvl="0" indent="0" algn="l" rtl="0">
+                        <a:spcBef>
+                          <a:spcPts val="0"/>
+                        </a:spcBef>
+                        <a:spcAft>
+                          <a:spcPts val="0"/>
+                        </a:spcAft>
+                        <a:buNone/>
+                      </a:pPr>
+                      <a:endParaRPr sz="1400" b="1">
+                        <a:latin typeface="Corbel"/>
+                        <a:ea typeface="Corbel"/>
+                        <a:cs typeface="Corbel"/>
+                        <a:sym typeface="Corbel"/>
+                      </a:endParaRPr>
+                    </a:p>
+                  </a:txBody>
+                  <a:tcPr marL="68569" marR="68569" marT="68569" marB="68569"/>
+                </a:tc>
+                <a:extLst>
+                  <a:ext uri="{0D108BD9-81ED-4DB2-BD59-A6C34878D82A}">
+                    <a16:rowId xmlns:a16="http://schemas.microsoft.com/office/drawing/2014/main" val="10002"/>
+                  </a:ext>
+                </a:extLst>
+              </a:tr>
+              <a:tr h="342878">
+                <a:tc>
+                  <a:txBody>
+                    <a:bodyPr/>
+                    <a:lstStyle/>
+                    <a:p>
+                      <a:pPr marL="0" lvl="0" indent="0" algn="l" rtl="0">
+                        <a:spcBef>
+                          <a:spcPts val="0"/>
+                        </a:spcBef>
+                        <a:spcAft>
+                          <a:spcPts val="0"/>
+                        </a:spcAft>
+                        <a:buNone/>
+                      </a:pPr>
+                      <a:r>
+                        <a:rPr lang="fr-FR" sz="1400" b="1">
+                          <a:latin typeface="Corbel"/>
+                          <a:ea typeface="Corbel"/>
+                          <a:cs typeface="Corbel"/>
+                          <a:sym typeface="Corbel"/>
+                        </a:rPr>
+                        <a:t>Ergonomie</a:t>
+                      </a:r>
+                      <a:endParaRPr sz="1400" b="1">
+                        <a:latin typeface="Corbel"/>
+                        <a:ea typeface="Corbel"/>
+                        <a:cs typeface="Corbel"/>
+                        <a:sym typeface="Corbel"/>
+                      </a:endParaRPr>
+                    </a:p>
+                  </a:txBody>
+                  <a:tcPr marL="68569" marR="68569" marT="68569" marB="68569"/>
+                </a:tc>
+                <a:tc>
+                  <a:txBody>
+                    <a:bodyPr/>
+                    <a:lstStyle/>
+                    <a:p>
+                      <a:pPr marL="0" lvl="0" indent="0" algn="ctr" rtl="0">
+                        <a:spcBef>
+                          <a:spcPts val="0"/>
+                        </a:spcBef>
+                        <a:spcAft>
+                          <a:spcPts val="0"/>
+                        </a:spcAft>
+                        <a:buClr>
+                          <a:schemeClr val="dk1"/>
+                        </a:buClr>
+                        <a:buSzPts val="1100"/>
+                        <a:buFont typeface="Arial"/>
+                        <a:buNone/>
+                      </a:pPr>
+                      <a:r>
+                        <a:rPr lang="fr-FR" sz="1400" b="1">
+                          <a:solidFill>
+                            <a:schemeClr val="dk1"/>
+                          </a:solidFill>
+                          <a:highlight>
+                            <a:srgbClr val="00B050"/>
+                          </a:highlight>
+                          <a:latin typeface="Corbel"/>
+                          <a:ea typeface="Corbel"/>
+                          <a:cs typeface="Corbel"/>
+                          <a:sym typeface="Corbel"/>
+                        </a:rPr>
+                        <a:t>⬊➞⬈</a:t>
+                      </a:r>
+                      <a:endParaRPr sz="1400" b="1">
+                        <a:highlight>
+                          <a:srgbClr val="00B050"/>
+                        </a:highlight>
+                        <a:latin typeface="Corbel"/>
+                        <a:ea typeface="Corbel"/>
+                        <a:cs typeface="Corbel"/>
+                        <a:sym typeface="Corbel"/>
+                      </a:endParaRPr>
+                    </a:p>
+                  </a:txBody>
+                  <a:tcPr marL="68569" marR="68569" marT="68569" marB="68569"/>
+                </a:tc>
+                <a:tc>
+                  <a:txBody>
+                    <a:bodyPr/>
+                    <a:lstStyle/>
+                    <a:p>
+                      <a:pPr marL="0" lvl="0" indent="0" algn="l" rtl="0">
+                        <a:spcBef>
+                          <a:spcPts val="0"/>
+                        </a:spcBef>
+                        <a:spcAft>
+                          <a:spcPts val="0"/>
+                        </a:spcAft>
+                        <a:buNone/>
+                      </a:pPr>
+                      <a:endParaRPr sz="1400" b="1">
+                        <a:latin typeface="Corbel"/>
+                        <a:ea typeface="Corbel"/>
+                        <a:cs typeface="Corbel"/>
+                        <a:sym typeface="Corbel"/>
+                      </a:endParaRPr>
+                    </a:p>
+                  </a:txBody>
+                  <a:tcPr marL="68569" marR="68569" marT="68569" marB="68569"/>
+                </a:tc>
+                <a:extLst>
+                  <a:ext uri="{0D108BD9-81ED-4DB2-BD59-A6C34878D82A}">
+                    <a16:rowId xmlns:a16="http://schemas.microsoft.com/office/drawing/2014/main" val="10003"/>
+                  </a:ext>
+                </a:extLst>
+              </a:tr>
+              <a:tr h="342878">
+                <a:tc>
+                  <a:txBody>
+                    <a:bodyPr/>
+                    <a:lstStyle/>
+                    <a:p>
+                      <a:pPr marL="0" lvl="0" indent="0" algn="l" rtl="0">
+                        <a:spcBef>
+                          <a:spcPts val="0"/>
+                        </a:spcBef>
+                        <a:spcAft>
+                          <a:spcPts val="0"/>
+                        </a:spcAft>
+                        <a:buNone/>
+                      </a:pPr>
+                      <a:r>
+                        <a:rPr lang="fr-FR" sz="1400" b="1">
+                          <a:latin typeface="Corbel"/>
+                          <a:ea typeface="Corbel"/>
+                          <a:cs typeface="Corbel"/>
+                          <a:sym typeface="Corbel"/>
+                        </a:rPr>
+                        <a:t>Poignée d’embrayage</a:t>
+                      </a:r>
+                      <a:endParaRPr sz="1400" b="1">
+                        <a:latin typeface="Corbel"/>
+                        <a:ea typeface="Corbel"/>
+                        <a:cs typeface="Corbel"/>
+                        <a:sym typeface="Corbel"/>
+                      </a:endParaRPr>
+                    </a:p>
+                  </a:txBody>
+                  <a:tcPr marL="68569" marR="68569" marT="68569" marB="68569"/>
+                </a:tc>
+                <a:tc>
+                  <a:txBody>
+                    <a:bodyPr/>
+                    <a:lstStyle/>
+                    <a:p>
+                      <a:pPr marL="0" lvl="0" indent="0" algn="ctr" rtl="0">
+                        <a:spcBef>
+                          <a:spcPts val="0"/>
+                        </a:spcBef>
+                        <a:spcAft>
+                          <a:spcPts val="0"/>
+                        </a:spcAft>
+                        <a:buClr>
+                          <a:schemeClr val="dk1"/>
+                        </a:buClr>
+                        <a:buSzPts val="1100"/>
+                        <a:buFont typeface="Arial"/>
+                        <a:buNone/>
+                      </a:pPr>
+                      <a:r>
+                        <a:rPr lang="fr-FR" sz="1400" b="1">
+                          <a:solidFill>
+                            <a:schemeClr val="dk1"/>
+                          </a:solidFill>
+                          <a:latin typeface="Corbel"/>
+                          <a:ea typeface="Corbel"/>
+                          <a:cs typeface="Corbel"/>
+                          <a:sym typeface="Corbel"/>
+                        </a:rPr>
+                        <a:t>⬊➞⬈</a:t>
+                      </a:r>
+                      <a:endParaRPr sz="1400" b="1">
+                        <a:latin typeface="Corbel"/>
+                        <a:ea typeface="Corbel"/>
+                        <a:cs typeface="Corbel"/>
+                        <a:sym typeface="Corbel"/>
+                      </a:endParaRPr>
+                    </a:p>
+                  </a:txBody>
+                  <a:tcPr marL="68569" marR="68569" marT="68569" marB="68569"/>
+                </a:tc>
+                <a:tc>
+                  <a:txBody>
+                    <a:bodyPr/>
+                    <a:lstStyle/>
+                    <a:p>
+                      <a:pPr marL="0" lvl="0" indent="0" algn="l" rtl="0">
+                        <a:spcBef>
+                          <a:spcPts val="0"/>
+                        </a:spcBef>
+                        <a:spcAft>
+                          <a:spcPts val="0"/>
+                        </a:spcAft>
+                        <a:buNone/>
+                      </a:pPr>
+                      <a:endParaRPr sz="1400" b="1">
+                        <a:latin typeface="Corbel"/>
+                        <a:ea typeface="Corbel"/>
+                        <a:cs typeface="Corbel"/>
+                        <a:sym typeface="Corbel"/>
+                      </a:endParaRPr>
+                    </a:p>
+                  </a:txBody>
+                  <a:tcPr marL="68569" marR="68569" marT="68569" marB="68569"/>
+                </a:tc>
+                <a:extLst>
+                  <a:ext uri="{0D108BD9-81ED-4DB2-BD59-A6C34878D82A}">
+                    <a16:rowId xmlns:a16="http://schemas.microsoft.com/office/drawing/2014/main" val="10004"/>
+                  </a:ext>
+                </a:extLst>
+              </a:tr>
+              <a:tr h="342878">
+                <a:tc>
+                  <a:txBody>
+                    <a:bodyPr/>
+                    <a:lstStyle/>
+                    <a:p>
+                      <a:pPr marL="0" lvl="0" indent="0" algn="l" rtl="0">
+                        <a:spcBef>
+                          <a:spcPts val="0"/>
+                        </a:spcBef>
+                        <a:spcAft>
+                          <a:spcPts val="0"/>
+                        </a:spcAft>
+                        <a:buNone/>
+                      </a:pPr>
+                      <a:r>
+                        <a:rPr lang="fr-FR" sz="1400" b="1">
+                          <a:latin typeface="Corbel"/>
+                          <a:ea typeface="Corbel"/>
+                          <a:cs typeface="Corbel"/>
+                          <a:sym typeface="Corbel"/>
+                        </a:rPr>
+                        <a:t>Support batterie</a:t>
+                      </a:r>
+                      <a:endParaRPr sz="1400" b="1">
+                        <a:latin typeface="Corbel"/>
+                        <a:ea typeface="Corbel"/>
+                        <a:cs typeface="Corbel"/>
+                        <a:sym typeface="Corbel"/>
+                      </a:endParaRPr>
+                    </a:p>
+                  </a:txBody>
+                  <a:tcPr marL="68569" marR="68569" marT="68569" marB="68569"/>
+                </a:tc>
+                <a:tc>
+                  <a:txBody>
+                    <a:bodyPr/>
+                    <a:lstStyle/>
+                    <a:p>
+                      <a:pPr marL="0" lvl="0" indent="0" algn="ctr" rtl="0">
+                        <a:spcBef>
+                          <a:spcPts val="0"/>
+                        </a:spcBef>
+                        <a:spcAft>
+                          <a:spcPts val="0"/>
+                        </a:spcAft>
+                        <a:buClr>
+                          <a:schemeClr val="dk1"/>
+                        </a:buClr>
+                        <a:buSzPts val="1100"/>
+                        <a:buFont typeface="Arial"/>
+                        <a:buNone/>
+                      </a:pPr>
+                      <a:r>
+                        <a:rPr lang="fr-FR" sz="1400" b="1">
+                          <a:solidFill>
+                            <a:schemeClr val="dk1"/>
+                          </a:solidFill>
+                          <a:latin typeface="Corbel"/>
+                          <a:ea typeface="Corbel"/>
+                          <a:cs typeface="Corbel"/>
+                          <a:sym typeface="Corbel"/>
+                        </a:rPr>
+                        <a:t>⬊➞⬈</a:t>
+                      </a:r>
+                      <a:endParaRPr sz="1400" b="1">
+                        <a:latin typeface="Corbel"/>
+                        <a:ea typeface="Corbel"/>
+                        <a:cs typeface="Corbel"/>
+                        <a:sym typeface="Corbel"/>
+                      </a:endParaRPr>
+                    </a:p>
+                  </a:txBody>
+                  <a:tcPr marL="68569" marR="68569" marT="68569" marB="68569"/>
+                </a:tc>
+                <a:tc>
+                  <a:txBody>
+                    <a:bodyPr/>
+                    <a:lstStyle/>
+                    <a:p>
+                      <a:pPr marL="0" lvl="0" indent="0" algn="l" rtl="0">
+                        <a:spcBef>
+                          <a:spcPts val="0"/>
+                        </a:spcBef>
+                        <a:spcAft>
+                          <a:spcPts val="0"/>
+                        </a:spcAft>
+                        <a:buNone/>
+                      </a:pPr>
+                      <a:endParaRPr sz="1400" b="1">
+                        <a:latin typeface="Corbel"/>
+                        <a:ea typeface="Corbel"/>
+                        <a:cs typeface="Corbel"/>
+                        <a:sym typeface="Corbel"/>
+                      </a:endParaRPr>
+                    </a:p>
+                  </a:txBody>
+                  <a:tcPr marL="68569" marR="68569" marT="68569" marB="68569"/>
+                </a:tc>
+                <a:extLst>
+                  <a:ext uri="{0D108BD9-81ED-4DB2-BD59-A6C34878D82A}">
+                    <a16:rowId xmlns:a16="http://schemas.microsoft.com/office/drawing/2014/main" val="10005"/>
+                  </a:ext>
+                </a:extLst>
+              </a:tr>
+              <a:tr h="342878">
+                <a:tc>
+                  <a:txBody>
+                    <a:bodyPr/>
+                    <a:lstStyle/>
+                    <a:p>
+                      <a:pPr marL="0" lvl="0" indent="0" algn="l" rtl="0">
+                        <a:spcBef>
+                          <a:spcPts val="0"/>
+                        </a:spcBef>
+                        <a:spcAft>
+                          <a:spcPts val="0"/>
+                        </a:spcAft>
+                        <a:buNone/>
+                      </a:pPr>
+                      <a:r>
+                        <a:rPr lang="fr-FR" sz="1400" b="1">
+                          <a:latin typeface="Corbel"/>
+                          <a:ea typeface="Corbel"/>
+                          <a:cs typeface="Corbel"/>
+                          <a:sym typeface="Corbel"/>
+                        </a:rPr>
+                        <a:t>Pédalier</a:t>
+                      </a:r>
+                      <a:endParaRPr sz="1400" b="1">
+                        <a:latin typeface="Corbel"/>
+                        <a:ea typeface="Corbel"/>
+                        <a:cs typeface="Corbel"/>
+                        <a:sym typeface="Corbel"/>
+                      </a:endParaRPr>
+                    </a:p>
+                  </a:txBody>
+                  <a:tcPr marL="68569" marR="68569" marT="68569" marB="68569"/>
+                </a:tc>
+                <a:tc>
+                  <a:txBody>
+                    <a:bodyPr/>
+                    <a:lstStyle/>
+                    <a:p>
+                      <a:pPr marL="0" lvl="0" indent="0" algn="ctr" rtl="0">
+                        <a:spcBef>
+                          <a:spcPts val="0"/>
+                        </a:spcBef>
+                        <a:spcAft>
+                          <a:spcPts val="0"/>
+                        </a:spcAft>
+                        <a:buClr>
+                          <a:schemeClr val="dk1"/>
+                        </a:buClr>
+                        <a:buSzPts val="1100"/>
+                        <a:buFont typeface="Arial"/>
+                        <a:buNone/>
+                      </a:pPr>
+                      <a:r>
+                        <a:rPr lang="fr-FR" sz="1400" b="1">
+                          <a:solidFill>
+                            <a:schemeClr val="dk1"/>
+                          </a:solidFill>
+                          <a:latin typeface="Corbel"/>
+                          <a:ea typeface="Corbel"/>
+                          <a:cs typeface="Corbel"/>
+                          <a:sym typeface="Corbel"/>
+                        </a:rPr>
+                        <a:t>⬊➞⬈</a:t>
+                      </a:r>
+                      <a:endParaRPr sz="1400" b="1">
+                        <a:latin typeface="Corbel"/>
+                        <a:ea typeface="Corbel"/>
+                        <a:cs typeface="Corbel"/>
+                        <a:sym typeface="Corbel"/>
+                      </a:endParaRPr>
+                    </a:p>
+                  </a:txBody>
+                  <a:tcPr marL="68569" marR="68569" marT="68569" marB="68569"/>
+                </a:tc>
+                <a:tc>
+                  <a:txBody>
+                    <a:bodyPr/>
+                    <a:lstStyle/>
+                    <a:p>
+                      <a:pPr marL="0" lvl="0" indent="0" algn="l" rtl="0">
+                        <a:spcBef>
+                          <a:spcPts val="0"/>
+                        </a:spcBef>
+                        <a:spcAft>
+                          <a:spcPts val="0"/>
+                        </a:spcAft>
+                        <a:buNone/>
+                      </a:pPr>
+                      <a:endParaRPr sz="1400" b="1" dirty="0">
+                        <a:latin typeface="Corbel"/>
+                        <a:ea typeface="Corbel"/>
+                        <a:cs typeface="Corbel"/>
+                        <a:sym typeface="Corbel"/>
+                      </a:endParaRPr>
+                    </a:p>
+                  </a:txBody>
+                  <a:tcPr marL="68569" marR="68569" marT="68569" marB="68569"/>
+                </a:tc>
+                <a:extLst>
+                  <a:ext uri="{0D108BD9-81ED-4DB2-BD59-A6C34878D82A}">
+                    <a16:rowId xmlns:a16="http://schemas.microsoft.com/office/drawing/2014/main" val="10006"/>
+                  </a:ext>
+                </a:extLst>
+              </a:tr>
+            </a:tbl>
+          </a:graphicData>
+        </a:graphic>
+      </p:graphicFrame>
+    </p:spTree>
+  </p:cSld>
+  <p:clrMapOvr>
+    <a:masterClrMapping/>
+  </p:clrMapOvr>
+</p:sld>
+</file>
+
+<file path=ppt/slides/slide6.xml><?xml version="1.0" encoding="utf-8"?>
+<p:sld xmlns:a="http://schemas.openxmlformats.org/drawingml/2006/main" xmlns:r="http://schemas.openxmlformats.org/officeDocument/2006/relationships" xmlns:p="http://schemas.openxmlformats.org/presentationml/2006/main">
+  <p:cSld>
+    <p:spTree>
+      <p:nvGrpSpPr>
+        <p:cNvPr id="1" name="Shape 113"/>
+        <p:cNvGrpSpPr/>
+        <p:nvPr/>
+      </p:nvGrpSpPr>
+      <p:grpSpPr>
+        <a:xfrm>
+          <a:off x="0" y="0"/>
+          <a:ext cx="0" cy="0"/>
+          <a:chOff x="0" y="0"/>
+          <a:chExt cx="0" cy="0"/>
+        </a:xfrm>
+      </p:grpSpPr>
+      <p:sp>
+        <p:nvSpPr>
+          <p:cNvPr id="2" name="Titre 1">
+            <a:extLst>
+              <a:ext uri="{FF2B5EF4-FFF2-40B4-BE49-F238E27FC236}">
+                <a16:creationId xmlns:a16="http://schemas.microsoft.com/office/drawing/2014/main" id="{2BAC84BF-C9B1-4B20-B2FB-8594B306C205}"/>
+              </a:ext>
+            </a:extLst>
+          </p:cNvPr>
+          <p:cNvSpPr>
+            <a:spLocks noGrp="1"/>
+          </p:cNvSpPr>
+          <p:nvPr>
+            <p:ph type="title"/>
+          </p:nvPr>
+        </p:nvSpPr>
+        <p:spPr/>
+        <p:txBody>
+          <a:bodyPr>
+            <a:normAutofit/>
+          </a:bodyPr>
+          <a:lstStyle/>
+          <a:p>
+            <a:r>
+              <a:rPr lang="fr-FR" sz="3600" dirty="0">
+                <a:solidFill>
+                  <a:schemeClr val="lt1"/>
+                </a:solidFill>
+                <a:latin typeface="Arial"/>
+                <a:ea typeface="Arial"/>
+                <a:cs typeface="Arial"/>
+                <a:sym typeface="Arial"/>
+              </a:rPr>
+              <a:t>BILAN AERO</a:t>
+            </a:r>
+            <a:endParaRPr lang="fr-FR" dirty="0"/>
+          </a:p>
+        </p:txBody>
+      </p:sp>
+      <p:sp>
+        <p:nvSpPr>
+          <p:cNvPr id="114" name="Google Shape;114;p16"/>
+          <p:cNvSpPr txBox="1">
+            <a:spLocks noGrp="1"/>
+          </p:cNvSpPr>
+          <p:nvPr>
+            <p:ph type="sldNum" sz="quarter" idx="12"/>
+          </p:nvPr>
+        </p:nvSpPr>
+        <p:spPr>
+          <a:prstGeom prst="rect">
+            <a:avLst/>
+          </a:prstGeom>
+          <a:noFill/>
+          <a:ln>
+            <a:noFill/>
+          </a:ln>
+        </p:spPr>
+        <p:txBody>
+          <a:bodyPr spcFirstLastPara="1" vert="horz" wrap="square" lIns="68569" tIns="34275" rIns="68569" bIns="34275" rtlCol="0" anchor="ctr" anchorCtr="0">
+            <a:noAutofit/>
+          </a:bodyPr>
+          <a:lstStyle/>
+          <a:p>
+            <a:pPr>
+              <a:buSzPts val="1200"/>
+            </a:pPr>
+            <a:fld id="{00000000-1234-1234-1234-123412341234}" type="slidenum">
+              <a:rPr lang="fr-FR"/>
+              <a:pPr>
+                <a:buSzPts val="1200"/>
+              </a:pPr>
+              <a:t>6</a:t>
+            </a:fld>
+            <a:endParaRPr/>
+          </a:p>
+        </p:txBody>
+      </p:sp>
+      <p:graphicFrame>
+        <p:nvGraphicFramePr>
+          <p:cNvPr id="7" name="Google Shape;116;p16">
+            <a:extLst>
+              <a:ext uri="{FF2B5EF4-FFF2-40B4-BE49-F238E27FC236}">
+                <a16:creationId xmlns:a16="http://schemas.microsoft.com/office/drawing/2014/main" id="{144EED31-C56D-422D-AE73-1F210A1DAA84}"/>
+              </a:ext>
+            </a:extLst>
+          </p:cNvPr>
+          <p:cNvGraphicFramePr>
+            <a:graphicFrameLocks noGrp="1"/>
+          </p:cNvGraphicFramePr>
+          <p:nvPr>
+            <p:ph idx="1"/>
+            <p:extLst>
+              <p:ext uri="{D42A27DB-BD31-4B8C-83A1-F6EECF244321}">
+                <p14:modId xmlns:p14="http://schemas.microsoft.com/office/powerpoint/2010/main" val="440810644"/>
+              </p:ext>
+            </p:extLst>
+          </p:nvPr>
+        </p:nvGraphicFramePr>
+        <p:xfrm>
+          <a:off x="714375" y="1073150"/>
+          <a:ext cx="7715251" cy="1752490"/>
+        </p:xfrm>
+        <a:graphic>
+          <a:graphicData uri="http://schemas.openxmlformats.org/drawingml/2006/table">
+            <a:tbl>
+              <a:tblPr>
+                <a:noFill/>
+              </a:tblPr>
+              <a:tblGrid>
+                <a:gridCol w="1810313">
+                  <a:extLst>
+                    <a:ext uri="{9D8B030D-6E8A-4147-A177-3AD203B41FA5}">
+                      <a16:colId xmlns:a16="http://schemas.microsoft.com/office/drawing/2014/main" val="20000"/>
+                    </a:ext>
+                  </a:extLst>
+                </a:gridCol>
+                <a:gridCol w="684994">
+                  <a:extLst>
+                    <a:ext uri="{9D8B030D-6E8A-4147-A177-3AD203B41FA5}">
+                      <a16:colId xmlns:a16="http://schemas.microsoft.com/office/drawing/2014/main" val="20001"/>
+                    </a:ext>
+                  </a:extLst>
+                </a:gridCol>
+                <a:gridCol w="5219944">
+                  <a:extLst>
+                    <a:ext uri="{9D8B030D-6E8A-4147-A177-3AD203B41FA5}">
+                      <a16:colId xmlns:a16="http://schemas.microsoft.com/office/drawing/2014/main" val="20002"/>
+                    </a:ext>
+                  </a:extLst>
+                </a:gridCol>
+              </a:tblGrid>
+              <a:tr h="342878">
+                <a:tc>
+                  <a:txBody>
+                    <a:bodyPr/>
+                    <a:lstStyle/>
+                    <a:p>
+                      <a:pPr marL="0" lvl="0" indent="0" algn="l" rtl="0">
+                        <a:spcBef>
+                          <a:spcPts val="0"/>
+                        </a:spcBef>
+                        <a:spcAft>
+                          <a:spcPts val="0"/>
+                        </a:spcAft>
+                        <a:buNone/>
+                      </a:pPr>
+                      <a:r>
+                        <a:rPr lang="fr-FR" sz="1400" b="1" dirty="0">
+                          <a:latin typeface="Corbel"/>
+                          <a:ea typeface="Corbel"/>
+                          <a:cs typeface="Corbel"/>
+                          <a:sym typeface="Corbel"/>
+                        </a:rPr>
+                        <a:t>Sous-système</a:t>
+                      </a:r>
+                      <a:endParaRPr sz="1400" b="1" dirty="0">
+                        <a:latin typeface="Corbel"/>
+                        <a:ea typeface="Corbel"/>
+                        <a:cs typeface="Corbel"/>
+                        <a:sym typeface="Corbel"/>
+                      </a:endParaRPr>
+                    </a:p>
+                  </a:txBody>
+                  <a:tcPr marL="68569" marR="68569" marT="68569" marB="68569"/>
+                </a:tc>
+                <a:tc>
+                  <a:txBody>
+                    <a:bodyPr/>
+                    <a:lstStyle/>
+                    <a:p>
+                      <a:pPr marL="0" lvl="0" indent="0" algn="ctr" rtl="0">
+                        <a:spcBef>
+                          <a:spcPts val="0"/>
+                        </a:spcBef>
+                        <a:spcAft>
+                          <a:spcPts val="0"/>
+                        </a:spcAft>
+                        <a:buNone/>
+                      </a:pPr>
+                      <a:r>
+                        <a:rPr lang="fr-FR" sz="1400" b="1">
+                          <a:latin typeface="Corbel"/>
+                          <a:ea typeface="Corbel"/>
+                          <a:cs typeface="Corbel"/>
+                          <a:sym typeface="Corbel"/>
+                        </a:rPr>
+                        <a:t>Etat</a:t>
+                      </a:r>
+                      <a:endParaRPr sz="1400" b="1">
+                        <a:latin typeface="Corbel"/>
+                        <a:ea typeface="Corbel"/>
+                        <a:cs typeface="Corbel"/>
+                        <a:sym typeface="Corbel"/>
+                      </a:endParaRPr>
+                    </a:p>
+                  </a:txBody>
+                  <a:tcPr marL="68569" marR="68569" marT="68569" marB="68569"/>
+                </a:tc>
+                <a:tc>
+                  <a:txBody>
+                    <a:bodyPr/>
+                    <a:lstStyle/>
+                    <a:p>
+                      <a:pPr marL="0" lvl="0" indent="0" algn="l" rtl="0">
+                        <a:spcBef>
+                          <a:spcPts val="0"/>
+                        </a:spcBef>
+                        <a:spcAft>
+                          <a:spcPts val="0"/>
+                        </a:spcAft>
+                        <a:buNone/>
+                      </a:pPr>
+                      <a:r>
+                        <a:rPr lang="fr-FR" sz="1400" b="1" dirty="0">
+                          <a:latin typeface="Corbel"/>
+                          <a:ea typeface="Corbel"/>
+                          <a:cs typeface="Corbel"/>
+                          <a:sym typeface="Corbel"/>
+                        </a:rPr>
+                        <a:t>Description</a:t>
+                      </a:r>
+                      <a:endParaRPr sz="1400" b="1" dirty="0">
+                        <a:latin typeface="Corbel"/>
+                        <a:ea typeface="Corbel"/>
+                        <a:cs typeface="Corbel"/>
+                        <a:sym typeface="Corbel"/>
+                      </a:endParaRPr>
+                    </a:p>
+                  </a:txBody>
+                  <a:tcPr marL="68569" marR="68569" marT="68569" marB="68569"/>
+                </a:tc>
+                <a:extLst>
+                  <a:ext uri="{0D108BD9-81ED-4DB2-BD59-A6C34878D82A}">
+                    <a16:rowId xmlns:a16="http://schemas.microsoft.com/office/drawing/2014/main" val="10000"/>
+                  </a:ext>
+                </a:extLst>
+              </a:tr>
+              <a:tr h="342878">
+                <a:tc>
+                  <a:txBody>
+                    <a:bodyPr/>
+                    <a:lstStyle/>
+                    <a:p>
+                      <a:pPr marL="0" lvl="0" indent="0" algn="l" rtl="0">
+                        <a:spcBef>
+                          <a:spcPts val="0"/>
+                        </a:spcBef>
+                        <a:spcAft>
+                          <a:spcPts val="0"/>
+                        </a:spcAft>
+                        <a:buNone/>
+                      </a:pPr>
+                      <a:r>
+                        <a:rPr lang="fr-FR" sz="1400" b="1">
+                          <a:latin typeface="Corbel"/>
+                          <a:ea typeface="Corbel"/>
+                          <a:cs typeface="Corbel"/>
+                          <a:sym typeface="Corbel"/>
+                        </a:rPr>
+                        <a:t>Carrosserie</a:t>
+                      </a:r>
+                      <a:endParaRPr sz="1400" b="1">
+                        <a:latin typeface="Corbel"/>
+                        <a:ea typeface="Corbel"/>
+                        <a:cs typeface="Corbel"/>
+                        <a:sym typeface="Corbel"/>
+                      </a:endParaRPr>
+                    </a:p>
+                  </a:txBody>
+                  <a:tcPr marL="68569" marR="68569" marT="68569" marB="68569"/>
+                </a:tc>
+                <a:tc>
+                  <a:txBody>
+                    <a:bodyPr/>
+                    <a:lstStyle/>
+                    <a:p>
+                      <a:pPr marL="0" lvl="0" indent="0" algn="ctr" rtl="0">
+                        <a:spcBef>
+                          <a:spcPts val="0"/>
+                        </a:spcBef>
+                        <a:spcAft>
+                          <a:spcPts val="0"/>
+                        </a:spcAft>
+                        <a:buNone/>
+                      </a:pPr>
+                      <a:r>
+                        <a:rPr lang="fr-FR" sz="1400" b="1">
+                          <a:solidFill>
+                            <a:schemeClr val="dk1"/>
+                          </a:solidFill>
+                          <a:highlight>
+                            <a:srgbClr val="FF0000"/>
+                          </a:highlight>
+                          <a:latin typeface="Corbel"/>
+                          <a:ea typeface="Corbel"/>
+                          <a:cs typeface="Corbel"/>
+                          <a:sym typeface="Corbel"/>
+                        </a:rPr>
+                        <a:t>⬊➞⬈</a:t>
+                      </a:r>
+                      <a:endParaRPr sz="1400" b="1">
+                        <a:highlight>
+                          <a:srgbClr val="FF0000"/>
+                        </a:highlight>
+                        <a:latin typeface="Corbel"/>
+                        <a:ea typeface="Corbel"/>
+                        <a:cs typeface="Corbel"/>
+                        <a:sym typeface="Corbel"/>
+                      </a:endParaRPr>
+                    </a:p>
+                  </a:txBody>
+                  <a:tcPr marL="68569" marR="68569" marT="68569" marB="68569"/>
+                </a:tc>
+                <a:tc>
+                  <a:txBody>
+                    <a:bodyPr/>
+                    <a:lstStyle/>
+                    <a:p>
+                      <a:pPr marL="0" lvl="0" indent="0" algn="l" rtl="0">
+                        <a:spcBef>
+                          <a:spcPts val="0"/>
+                        </a:spcBef>
+                        <a:spcAft>
+                          <a:spcPts val="0"/>
+                        </a:spcAft>
+                        <a:buNone/>
+                      </a:pPr>
+                      <a:r>
+                        <a:rPr lang="fr-FR" sz="1400" b="1">
+                          <a:latin typeface="Corbel"/>
+                          <a:ea typeface="Corbel"/>
+                          <a:cs typeface="Corbel"/>
+                          <a:sym typeface="Corbel"/>
+                        </a:rPr>
+                        <a:t>Pourquoi je suis dans cet état</a:t>
+                      </a:r>
+                      <a:endParaRPr sz="1400" b="1">
+                        <a:latin typeface="Corbel"/>
+                        <a:ea typeface="Corbel"/>
+                        <a:cs typeface="Corbel"/>
+                        <a:sym typeface="Corbel"/>
+                      </a:endParaRPr>
+                    </a:p>
+                  </a:txBody>
+                  <a:tcPr marL="68569" marR="68569" marT="68569" marB="68569"/>
+                </a:tc>
+                <a:extLst>
+                  <a:ext uri="{0D108BD9-81ED-4DB2-BD59-A6C34878D82A}">
+                    <a16:rowId xmlns:a16="http://schemas.microsoft.com/office/drawing/2014/main" val="10001"/>
+                  </a:ext>
+                </a:extLst>
+              </a:tr>
+              <a:tr h="342878">
+                <a:tc>
+                  <a:txBody>
+                    <a:bodyPr/>
+                    <a:lstStyle/>
+                    <a:p>
+                      <a:pPr marL="0" lvl="0" indent="0" algn="l" rtl="0">
+                        <a:spcBef>
+                          <a:spcPts val="0"/>
+                        </a:spcBef>
+                        <a:spcAft>
+                          <a:spcPts val="0"/>
+                        </a:spcAft>
+                        <a:buNone/>
+                      </a:pPr>
+                      <a:r>
+                        <a:rPr lang="fr-FR" sz="1400" b="1">
+                          <a:latin typeface="Corbel"/>
+                          <a:ea typeface="Corbel"/>
+                          <a:cs typeface="Corbel"/>
+                          <a:sym typeface="Corbel"/>
+                        </a:rPr>
+                        <a:t>Ouies</a:t>
+                      </a:r>
+                      <a:endParaRPr sz="1400" b="1">
+                        <a:latin typeface="Corbel"/>
+                        <a:ea typeface="Corbel"/>
+                        <a:cs typeface="Corbel"/>
+                        <a:sym typeface="Corbel"/>
+                      </a:endParaRPr>
+                    </a:p>
+                  </a:txBody>
+                  <a:tcPr marL="68569" marR="68569" marT="68569" marB="68569"/>
+                </a:tc>
+                <a:tc>
+                  <a:txBody>
+                    <a:bodyPr/>
+                    <a:lstStyle/>
+                    <a:p>
+                      <a:pPr marL="0" lvl="0" indent="0" algn="ctr" rtl="0">
+                        <a:spcBef>
+                          <a:spcPts val="0"/>
+                        </a:spcBef>
+                        <a:spcAft>
+                          <a:spcPts val="0"/>
+                        </a:spcAft>
+                        <a:buNone/>
+                      </a:pPr>
+                      <a:r>
+                        <a:rPr lang="fr-FR" sz="1400" b="1">
+                          <a:solidFill>
+                            <a:schemeClr val="dk1"/>
+                          </a:solidFill>
+                          <a:highlight>
+                            <a:srgbClr val="FFC000"/>
+                          </a:highlight>
+                          <a:latin typeface="Corbel"/>
+                          <a:ea typeface="Corbel"/>
+                          <a:cs typeface="Corbel"/>
+                          <a:sym typeface="Corbel"/>
+                        </a:rPr>
+                        <a:t>⬊➞⬈</a:t>
+                      </a:r>
+                      <a:endParaRPr sz="1400" b="1">
+                        <a:highlight>
+                          <a:srgbClr val="FFC000"/>
+                        </a:highlight>
+                        <a:latin typeface="Corbel"/>
+                        <a:ea typeface="Corbel"/>
+                        <a:cs typeface="Corbel"/>
+                        <a:sym typeface="Corbel"/>
+                      </a:endParaRPr>
+                    </a:p>
+                  </a:txBody>
+                  <a:tcPr marL="68569" marR="68569" marT="68569" marB="68569"/>
+                </a:tc>
+                <a:tc>
+                  <a:txBody>
+                    <a:bodyPr/>
+                    <a:lstStyle/>
+                    <a:p>
+                      <a:pPr marL="0" lvl="0" indent="0" algn="l" rtl="0">
+                        <a:spcBef>
+                          <a:spcPts val="0"/>
+                        </a:spcBef>
+                        <a:spcAft>
+                          <a:spcPts val="0"/>
+                        </a:spcAft>
+                        <a:buNone/>
+                      </a:pPr>
+                      <a:endParaRPr sz="1400" b="1">
+                        <a:latin typeface="Corbel"/>
+                        <a:ea typeface="Corbel"/>
+                        <a:cs typeface="Corbel"/>
+                        <a:sym typeface="Corbel"/>
+                      </a:endParaRPr>
+                    </a:p>
+                  </a:txBody>
+                  <a:tcPr marL="68569" marR="68569" marT="68569" marB="68569"/>
+                </a:tc>
+                <a:extLst>
+                  <a:ext uri="{0D108BD9-81ED-4DB2-BD59-A6C34878D82A}">
+                    <a16:rowId xmlns:a16="http://schemas.microsoft.com/office/drawing/2014/main" val="10002"/>
+                  </a:ext>
+                </a:extLst>
+              </a:tr>
+              <a:tr h="342878">
+                <a:tc>
+                  <a:txBody>
+                    <a:bodyPr/>
+                    <a:lstStyle/>
+                    <a:p>
+                      <a:pPr marL="0" lvl="0" indent="0" algn="l" rtl="0">
+                        <a:spcBef>
+                          <a:spcPts val="0"/>
+                        </a:spcBef>
+                        <a:spcAft>
+                          <a:spcPts val="0"/>
+                        </a:spcAft>
+                        <a:buNone/>
+                      </a:pPr>
+                      <a:r>
+                        <a:rPr lang="fr-FR" sz="1400" b="1">
+                          <a:latin typeface="Corbel"/>
+                          <a:ea typeface="Corbel"/>
+                          <a:cs typeface="Corbel"/>
+                          <a:sym typeface="Corbel"/>
+                        </a:rPr>
+                        <a:t>Aile avant</a:t>
+                      </a:r>
+                      <a:endParaRPr sz="1400" b="1">
+                        <a:latin typeface="Corbel"/>
+                        <a:ea typeface="Corbel"/>
+                        <a:cs typeface="Corbel"/>
+                        <a:sym typeface="Corbel"/>
+                      </a:endParaRPr>
+                    </a:p>
+                  </a:txBody>
+                  <a:tcPr marL="68569" marR="68569" marT="68569" marB="68569"/>
+                </a:tc>
+                <a:tc>
+                  <a:txBody>
+                    <a:bodyPr/>
+                    <a:lstStyle/>
+                    <a:p>
+                      <a:pPr marL="0" lvl="0" indent="0" algn="ctr" rtl="0">
+                        <a:spcBef>
+                          <a:spcPts val="0"/>
+                        </a:spcBef>
+                        <a:spcAft>
+                          <a:spcPts val="0"/>
+                        </a:spcAft>
+                        <a:buNone/>
+                      </a:pPr>
+                      <a:r>
+                        <a:rPr lang="fr-FR" sz="1400" b="1">
+                          <a:solidFill>
+                            <a:schemeClr val="dk1"/>
+                          </a:solidFill>
+                          <a:highlight>
+                            <a:srgbClr val="00B050"/>
+                          </a:highlight>
+                          <a:latin typeface="Corbel"/>
+                          <a:ea typeface="Corbel"/>
+                          <a:cs typeface="Corbel"/>
+                          <a:sym typeface="Corbel"/>
+                        </a:rPr>
+                        <a:t>⬊➞⬈</a:t>
+                      </a:r>
+                      <a:endParaRPr sz="1400" b="1">
+                        <a:highlight>
+                          <a:srgbClr val="00B050"/>
+                        </a:highlight>
+                        <a:latin typeface="Corbel"/>
+                        <a:ea typeface="Corbel"/>
+                        <a:cs typeface="Corbel"/>
+                        <a:sym typeface="Corbel"/>
+                      </a:endParaRPr>
+                    </a:p>
+                  </a:txBody>
+                  <a:tcPr marL="68569" marR="68569" marT="68569" marB="68569"/>
+                </a:tc>
+                <a:tc>
+                  <a:txBody>
+                    <a:bodyPr/>
+                    <a:lstStyle/>
+                    <a:p>
+                      <a:pPr marL="0" lvl="0" indent="0" algn="l" rtl="0">
+                        <a:spcBef>
+                          <a:spcPts val="0"/>
+                        </a:spcBef>
+                        <a:spcAft>
+                          <a:spcPts val="0"/>
+                        </a:spcAft>
+                        <a:buNone/>
+                      </a:pPr>
+                      <a:endParaRPr sz="1400" b="1">
+                        <a:latin typeface="Corbel"/>
+                        <a:ea typeface="Corbel"/>
+                        <a:cs typeface="Corbel"/>
+                        <a:sym typeface="Corbel"/>
+                      </a:endParaRPr>
+                    </a:p>
+                  </a:txBody>
+                  <a:tcPr marL="68569" marR="68569" marT="68569" marB="68569"/>
+                </a:tc>
+                <a:extLst>
+                  <a:ext uri="{0D108BD9-81ED-4DB2-BD59-A6C34878D82A}">
+                    <a16:rowId xmlns:a16="http://schemas.microsoft.com/office/drawing/2014/main" val="10003"/>
+                  </a:ext>
+                </a:extLst>
+              </a:tr>
+              <a:tr h="342878">
+                <a:tc>
+                  <a:txBody>
+                    <a:bodyPr/>
+                    <a:lstStyle/>
+                    <a:p>
+                      <a:pPr marL="0" lvl="0" indent="0" algn="l" rtl="0">
+                        <a:spcBef>
+                          <a:spcPts val="0"/>
+                        </a:spcBef>
+                        <a:spcAft>
+                          <a:spcPts val="0"/>
+                        </a:spcAft>
+                        <a:buNone/>
+                      </a:pPr>
+                      <a:r>
+                        <a:rPr lang="fr-FR" sz="1400" b="1">
+                          <a:latin typeface="Corbel"/>
+                          <a:ea typeface="Corbel"/>
+                          <a:cs typeface="Corbel"/>
+                          <a:sym typeface="Corbel"/>
+                        </a:rPr>
+                        <a:t>Aile arrière</a:t>
+                      </a:r>
+                      <a:endParaRPr sz="1400" b="1">
+                        <a:latin typeface="Corbel"/>
+                        <a:ea typeface="Corbel"/>
+                        <a:cs typeface="Corbel"/>
+                        <a:sym typeface="Corbel"/>
+                      </a:endParaRPr>
+                    </a:p>
+                  </a:txBody>
+                  <a:tcPr marL="68569" marR="68569" marT="68569" marB="68569"/>
+                </a:tc>
+                <a:tc>
+                  <a:txBody>
+                    <a:bodyPr/>
+                    <a:lstStyle/>
+                    <a:p>
+                      <a:pPr marL="0" lvl="0" indent="0" algn="ctr" rtl="0">
+                        <a:spcBef>
+                          <a:spcPts val="0"/>
+                        </a:spcBef>
+                        <a:spcAft>
+                          <a:spcPts val="0"/>
+                        </a:spcAft>
+                        <a:buNone/>
+                      </a:pPr>
+                      <a:r>
+                        <a:rPr lang="fr-FR" sz="1400" b="1">
+                          <a:solidFill>
+                            <a:schemeClr val="dk1"/>
+                          </a:solidFill>
+                          <a:latin typeface="Corbel"/>
+                          <a:ea typeface="Corbel"/>
+                          <a:cs typeface="Corbel"/>
+                          <a:sym typeface="Corbel"/>
+                        </a:rPr>
+                        <a:t>⬊➞⬈</a:t>
+                      </a:r>
+                      <a:endParaRPr sz="1400" b="1">
+                        <a:latin typeface="Corbel"/>
+                        <a:ea typeface="Corbel"/>
+                        <a:cs typeface="Corbel"/>
+                        <a:sym typeface="Corbel"/>
+                      </a:endParaRPr>
+                    </a:p>
+                  </a:txBody>
+                  <a:tcPr marL="68569" marR="68569" marT="68569" marB="68569"/>
+                </a:tc>
+                <a:tc>
+                  <a:txBody>
+                    <a:bodyPr/>
+                    <a:lstStyle/>
+                    <a:p>
+                      <a:pPr marL="0" lvl="0" indent="0" algn="l" rtl="0">
+                        <a:spcBef>
+                          <a:spcPts val="0"/>
+                        </a:spcBef>
+                        <a:spcAft>
+                          <a:spcPts val="0"/>
+                        </a:spcAft>
+                        <a:buNone/>
+                      </a:pPr>
+                      <a:endParaRPr sz="1400" b="1" dirty="0">
+                        <a:latin typeface="Corbel"/>
+                        <a:ea typeface="Corbel"/>
+                        <a:cs typeface="Corbel"/>
+                        <a:sym typeface="Corbel"/>
+                      </a:endParaRPr>
+                    </a:p>
+                  </a:txBody>
+                  <a:tcPr marL="68569" marR="68569" marT="68569" marB="68569"/>
+                </a:tc>
+                <a:extLst>
+                  <a:ext uri="{0D108BD9-81ED-4DB2-BD59-A6C34878D82A}">
+                    <a16:rowId xmlns:a16="http://schemas.microsoft.com/office/drawing/2014/main" val="10004"/>
+                  </a:ext>
+                </a:extLst>
+              </a:tr>
+            </a:tbl>
+          </a:graphicData>
+        </a:graphic>
+      </p:graphicFrame>
+    </p:spTree>
+  </p:cSld>
+  <p:clrMapOvr>
+    <a:masterClrMapping/>
+  </p:clrMapOvr>
+</p:sld>
+</file>
+
+<file path=ppt/slides/slide7.xml><?xml version="1.0" encoding="utf-8"?>
+<p:sld xmlns:a="http://schemas.openxmlformats.org/drawingml/2006/main" xmlns:r="http://schemas.openxmlformats.org/officeDocument/2006/relationships" xmlns:p="http://schemas.openxmlformats.org/presentationml/2006/main">
+  <p:cSld>
+    <p:spTree>
+      <p:nvGrpSpPr>
+        <p:cNvPr id="1" name="Shape 120"/>
+        <p:cNvGrpSpPr/>
+        <p:nvPr/>
+      </p:nvGrpSpPr>
+      <p:grpSpPr>
+        <a:xfrm>
+          <a:off x="0" y="0"/>
+          <a:ext cx="0" cy="0"/>
+          <a:chOff x="0" y="0"/>
+          <a:chExt cx="0" cy="0"/>
+        </a:xfrm>
+      </p:grpSpPr>
+      <p:sp>
+        <p:nvSpPr>
+          <p:cNvPr id="2" name="Titre 1">
+            <a:extLst>
+              <a:ext uri="{FF2B5EF4-FFF2-40B4-BE49-F238E27FC236}">
+                <a16:creationId xmlns:a16="http://schemas.microsoft.com/office/drawing/2014/main" id="{6C33DC04-E250-44E3-ACDE-340C912BB12F}"/>
+              </a:ext>
+            </a:extLst>
+          </p:cNvPr>
+          <p:cNvSpPr>
+            <a:spLocks noGrp="1"/>
+          </p:cNvSpPr>
+          <p:nvPr>
+            <p:ph type="title"/>
+          </p:nvPr>
+        </p:nvSpPr>
+        <p:spPr/>
+        <p:txBody>
+          <a:bodyPr>
+            <a:normAutofit/>
+          </a:bodyPr>
+          <a:lstStyle/>
+          <a:p>
+            <a:r>
+              <a:rPr lang="fr-FR" sz="3600" dirty="0">
+                <a:solidFill>
+                  <a:schemeClr val="lt1"/>
+                </a:solidFill>
+                <a:latin typeface="Arial"/>
+                <a:ea typeface="Arial"/>
+                <a:cs typeface="Arial"/>
+                <a:sym typeface="Arial"/>
+              </a:rPr>
+              <a:t>BILAN MOTORISATION</a:t>
+            </a:r>
+            <a:endParaRPr lang="fr-FR" dirty="0"/>
+          </a:p>
+        </p:txBody>
+      </p:sp>
+      <p:sp>
+        <p:nvSpPr>
+          <p:cNvPr id="121" name="Google Shape;121;p20"/>
+          <p:cNvSpPr txBox="1">
+            <a:spLocks noGrp="1"/>
+          </p:cNvSpPr>
+          <p:nvPr>
+            <p:ph type="sldNum" sz="quarter" idx="12"/>
+          </p:nvPr>
+        </p:nvSpPr>
+        <p:spPr>
+          <a:prstGeom prst="rect">
+            <a:avLst/>
+          </a:prstGeom>
+          <a:noFill/>
+          <a:ln>
+            <a:noFill/>
+          </a:ln>
+        </p:spPr>
+        <p:txBody>
+          <a:bodyPr spcFirstLastPara="1" vert="horz" wrap="square" lIns="68569" tIns="34275" rIns="68569" bIns="34275" rtlCol="0" anchor="ctr" anchorCtr="0">
+            <a:noAutofit/>
+          </a:bodyPr>
+          <a:lstStyle/>
+          <a:p>
+            <a:pPr>
+              <a:buSzPts val="1200"/>
+            </a:pPr>
+            <a:fld id="{00000000-1234-1234-1234-123412341234}" type="slidenum">
+              <a:rPr lang="fr-FR"/>
+              <a:pPr>
+                <a:buSzPts val="1200"/>
+              </a:pPr>
+              <a:t>7</a:t>
+            </a:fld>
+            <a:endParaRPr/>
+          </a:p>
+        </p:txBody>
+      </p:sp>
+      <p:graphicFrame>
+        <p:nvGraphicFramePr>
+          <p:cNvPr id="7" name="Google Shape;123;p20">
+            <a:extLst>
+              <a:ext uri="{FF2B5EF4-FFF2-40B4-BE49-F238E27FC236}">
+                <a16:creationId xmlns:a16="http://schemas.microsoft.com/office/drawing/2014/main" id="{A1790BB9-1EEE-4D03-B48A-C17E835DF59E}"/>
+              </a:ext>
+            </a:extLst>
+          </p:cNvPr>
+          <p:cNvGraphicFramePr>
+            <a:graphicFrameLocks noGrp="1"/>
+          </p:cNvGraphicFramePr>
+          <p:nvPr>
+            <p:ph idx="1"/>
+            <p:extLst>
+              <p:ext uri="{D42A27DB-BD31-4B8C-83A1-F6EECF244321}">
+                <p14:modId xmlns:p14="http://schemas.microsoft.com/office/powerpoint/2010/main" val="3210050521"/>
+              </p:ext>
+            </p:extLst>
+          </p:nvPr>
+        </p:nvGraphicFramePr>
+        <p:xfrm>
+          <a:off x="400500" y="1073150"/>
+          <a:ext cx="8343001" cy="3718340"/>
+        </p:xfrm>
+        <a:graphic>
+          <a:graphicData uri="http://schemas.openxmlformats.org/drawingml/2006/table">
+            <a:tbl>
+              <a:tblPr>
+                <a:noFill/>
+              </a:tblPr>
+              <a:tblGrid>
+                <a:gridCol w="1957594">
+                  <a:extLst>
+                    <a:ext uri="{9D8B030D-6E8A-4147-A177-3AD203B41FA5}">
+                      <a16:colId xmlns:a16="http://schemas.microsoft.com/office/drawing/2014/main" val="20000"/>
+                    </a:ext>
+                  </a:extLst>
+                </a:gridCol>
+                <a:gridCol w="740719">
+                  <a:extLst>
+                    <a:ext uri="{9D8B030D-6E8A-4147-A177-3AD203B41FA5}">
+                      <a16:colId xmlns:a16="http://schemas.microsoft.com/office/drawing/2014/main" val="20001"/>
+                    </a:ext>
+                  </a:extLst>
+                </a:gridCol>
+                <a:gridCol w="5644688">
+                  <a:extLst>
+                    <a:ext uri="{9D8B030D-6E8A-4147-A177-3AD203B41FA5}">
+                      <a16:colId xmlns:a16="http://schemas.microsoft.com/office/drawing/2014/main" val="20002"/>
+                    </a:ext>
+                  </a:extLst>
+                </a:gridCol>
+              </a:tblGrid>
+              <a:tr h="342878">
+                <a:tc>
+                  <a:txBody>
+                    <a:bodyPr/>
+                    <a:lstStyle/>
+                    <a:p>
+                      <a:pPr marL="0" lvl="0" indent="0" algn="l" rtl="0">
+                        <a:spcBef>
+                          <a:spcPts val="0"/>
+                        </a:spcBef>
+                        <a:spcAft>
+                          <a:spcPts val="0"/>
+                        </a:spcAft>
+                        <a:buNone/>
+                      </a:pPr>
+                      <a:r>
+                        <a:rPr lang="fr-FR" sz="1400" b="1">
+                          <a:latin typeface="Corbel"/>
+                          <a:ea typeface="Corbel"/>
+                          <a:cs typeface="Corbel"/>
+                          <a:sym typeface="Corbel"/>
+                        </a:rPr>
+                        <a:t>Sous-système</a:t>
+                      </a:r>
+                      <a:endParaRPr sz="1400" b="1">
+                        <a:latin typeface="Corbel"/>
+                        <a:ea typeface="Corbel"/>
+                        <a:cs typeface="Corbel"/>
+                        <a:sym typeface="Corbel"/>
+                      </a:endParaRPr>
+                    </a:p>
+                  </a:txBody>
+                  <a:tcPr marL="68569" marR="68569" marT="68569" marB="68569"/>
+                </a:tc>
+                <a:tc>
+                  <a:txBody>
+                    <a:bodyPr/>
+                    <a:lstStyle/>
+                    <a:p>
+                      <a:pPr marL="0" lvl="0" indent="0" algn="ctr" rtl="0">
+                        <a:spcBef>
+                          <a:spcPts val="0"/>
+                        </a:spcBef>
+                        <a:spcAft>
+                          <a:spcPts val="0"/>
+                        </a:spcAft>
+                        <a:buNone/>
+                      </a:pPr>
+                      <a:r>
+                        <a:rPr lang="fr-FR" sz="1400" b="1">
+                          <a:latin typeface="Corbel"/>
+                          <a:ea typeface="Corbel"/>
+                          <a:cs typeface="Corbel"/>
+                          <a:sym typeface="Corbel"/>
+                        </a:rPr>
+                        <a:t>Etat</a:t>
+                      </a:r>
+                      <a:endParaRPr sz="1400" b="1">
+                        <a:latin typeface="Corbel"/>
+                        <a:ea typeface="Corbel"/>
+                        <a:cs typeface="Corbel"/>
+                        <a:sym typeface="Corbel"/>
+                      </a:endParaRPr>
+                    </a:p>
+                  </a:txBody>
+                  <a:tcPr marL="68569" marR="68569" marT="68569" marB="68569"/>
+                </a:tc>
+                <a:tc>
+                  <a:txBody>
+                    <a:bodyPr/>
+                    <a:lstStyle/>
+                    <a:p>
+                      <a:pPr marL="0" lvl="0" indent="0" algn="l" rtl="0">
+                        <a:spcBef>
+                          <a:spcPts val="0"/>
+                        </a:spcBef>
+                        <a:spcAft>
+                          <a:spcPts val="0"/>
+                        </a:spcAft>
+                        <a:buNone/>
+                      </a:pPr>
+                      <a:r>
+                        <a:rPr lang="fr-FR" sz="1400" b="1" dirty="0">
+                          <a:latin typeface="Corbel"/>
+                          <a:ea typeface="Corbel"/>
+                          <a:cs typeface="Corbel"/>
+                          <a:sym typeface="Corbel"/>
+                        </a:rPr>
+                        <a:t>Description</a:t>
+                      </a:r>
+                      <a:endParaRPr sz="1400" b="1" dirty="0">
+                        <a:latin typeface="Corbel"/>
+                        <a:ea typeface="Corbel"/>
+                        <a:cs typeface="Corbel"/>
+                        <a:sym typeface="Corbel"/>
+                      </a:endParaRPr>
+                    </a:p>
+                  </a:txBody>
+                  <a:tcPr marL="68569" marR="68569" marT="68569" marB="68569"/>
+                </a:tc>
+                <a:extLst>
+                  <a:ext uri="{0D108BD9-81ED-4DB2-BD59-A6C34878D82A}">
+                    <a16:rowId xmlns:a16="http://schemas.microsoft.com/office/drawing/2014/main" val="10000"/>
+                  </a:ext>
+                </a:extLst>
+              </a:tr>
+              <a:tr h="342878">
+                <a:tc>
+                  <a:txBody>
+                    <a:bodyPr/>
+                    <a:lstStyle/>
+                    <a:p>
+                      <a:pPr marL="0" lvl="0" indent="0" algn="l" rtl="0">
+                        <a:spcBef>
+                          <a:spcPts val="0"/>
+                        </a:spcBef>
+                        <a:spcAft>
+                          <a:spcPts val="0"/>
+                        </a:spcAft>
+                        <a:buNone/>
+                      </a:pPr>
+                      <a:r>
+                        <a:rPr lang="fr-FR" sz="1400" b="1">
+                          <a:latin typeface="Corbel"/>
+                          <a:ea typeface="Corbel"/>
+                          <a:cs typeface="Corbel"/>
+                          <a:sym typeface="Corbel"/>
+                        </a:rPr>
+                        <a:t>Guillotine</a:t>
+                      </a:r>
+                      <a:endParaRPr sz="1400" b="1">
+                        <a:latin typeface="Corbel"/>
+                        <a:ea typeface="Corbel"/>
+                        <a:cs typeface="Corbel"/>
+                        <a:sym typeface="Corbel"/>
+                      </a:endParaRPr>
+                    </a:p>
+                  </a:txBody>
+                  <a:tcPr marL="68569" marR="68569" marT="68569" marB="68569"/>
+                </a:tc>
+                <a:tc>
+                  <a:txBody>
+                    <a:bodyPr/>
+                    <a:lstStyle/>
+                    <a:p>
+                      <a:pPr marL="0" lvl="0" indent="0" algn="ctr" rtl="0">
+                        <a:spcBef>
+                          <a:spcPts val="0"/>
+                        </a:spcBef>
+                        <a:spcAft>
+                          <a:spcPts val="0"/>
+                        </a:spcAft>
+                        <a:buNone/>
+                      </a:pPr>
+                      <a:r>
+                        <a:rPr lang="fr-FR" sz="1400" b="1">
+                          <a:solidFill>
+                            <a:schemeClr val="dk1"/>
+                          </a:solidFill>
+                          <a:highlight>
+                            <a:srgbClr val="FF0000"/>
+                          </a:highlight>
+                          <a:latin typeface="Corbel"/>
+                          <a:ea typeface="Corbel"/>
+                          <a:cs typeface="Corbel"/>
+                          <a:sym typeface="Corbel"/>
+                        </a:rPr>
+                        <a:t>⬊➞⬈</a:t>
+                      </a:r>
+                      <a:endParaRPr sz="1400" b="1">
+                        <a:highlight>
+                          <a:srgbClr val="FF0000"/>
+                        </a:highlight>
+                        <a:latin typeface="Corbel"/>
+                        <a:ea typeface="Corbel"/>
+                        <a:cs typeface="Corbel"/>
+                        <a:sym typeface="Corbel"/>
+                      </a:endParaRPr>
+                    </a:p>
+                  </a:txBody>
+                  <a:tcPr marL="68569" marR="68569" marT="68569" marB="68569"/>
+                </a:tc>
+                <a:tc>
+                  <a:txBody>
+                    <a:bodyPr/>
+                    <a:lstStyle/>
+                    <a:p>
+                      <a:pPr marL="0" lvl="0" indent="0" algn="l" rtl="0">
+                        <a:spcBef>
+                          <a:spcPts val="0"/>
+                        </a:spcBef>
+                        <a:spcAft>
+                          <a:spcPts val="0"/>
+                        </a:spcAft>
+                        <a:buNone/>
+                      </a:pPr>
+                      <a:r>
+                        <a:rPr lang="fr-FR" sz="1400" b="1">
+                          <a:latin typeface="Corbel"/>
+                          <a:ea typeface="Corbel"/>
+                          <a:cs typeface="Corbel"/>
+                          <a:sym typeface="Corbel"/>
+                        </a:rPr>
+                        <a:t>Pourquoi je suis dans cet état</a:t>
+                      </a:r>
+                      <a:endParaRPr sz="1400" b="1">
+                        <a:latin typeface="Corbel"/>
+                        <a:ea typeface="Corbel"/>
+                        <a:cs typeface="Corbel"/>
+                        <a:sym typeface="Corbel"/>
+                      </a:endParaRPr>
+                    </a:p>
+                  </a:txBody>
+                  <a:tcPr marL="68569" marR="68569" marT="68569" marB="68569"/>
+                </a:tc>
+                <a:extLst>
+                  <a:ext uri="{0D108BD9-81ED-4DB2-BD59-A6C34878D82A}">
+                    <a16:rowId xmlns:a16="http://schemas.microsoft.com/office/drawing/2014/main" val="10001"/>
+                  </a:ext>
+                </a:extLst>
+              </a:tr>
+              <a:tr h="342878">
+                <a:tc>
+                  <a:txBody>
+                    <a:bodyPr/>
+                    <a:lstStyle/>
+                    <a:p>
+                      <a:pPr marL="0" lvl="0" indent="0" algn="l" rtl="0">
+                        <a:spcBef>
+                          <a:spcPts val="0"/>
+                        </a:spcBef>
+                        <a:spcAft>
+                          <a:spcPts val="0"/>
+                        </a:spcAft>
+                        <a:buNone/>
+                      </a:pPr>
+                      <a:r>
+                        <a:rPr lang="fr-FR" sz="1400" b="1">
+                          <a:latin typeface="Corbel"/>
+                          <a:ea typeface="Corbel"/>
+                          <a:cs typeface="Corbel"/>
+                          <a:sym typeface="Corbel"/>
+                        </a:rPr>
+                        <a:t>Bride</a:t>
+                      </a:r>
+                      <a:endParaRPr sz="1400" b="1">
+                        <a:latin typeface="Corbel"/>
+                        <a:ea typeface="Corbel"/>
+                        <a:cs typeface="Corbel"/>
+                        <a:sym typeface="Corbel"/>
+                      </a:endParaRPr>
+                    </a:p>
+                  </a:txBody>
+                  <a:tcPr marL="68569" marR="68569" marT="68569" marB="68569"/>
+                </a:tc>
+                <a:tc>
+                  <a:txBody>
+                    <a:bodyPr/>
+                    <a:lstStyle/>
+                    <a:p>
+                      <a:pPr marL="0" lvl="0" indent="0" algn="ctr" rtl="0">
+                        <a:spcBef>
+                          <a:spcPts val="0"/>
+                        </a:spcBef>
+                        <a:spcAft>
+                          <a:spcPts val="0"/>
+                        </a:spcAft>
+                        <a:buNone/>
+                      </a:pPr>
+                      <a:r>
+                        <a:rPr lang="fr-FR" sz="1400" b="1">
+                          <a:solidFill>
+                            <a:schemeClr val="dk1"/>
+                          </a:solidFill>
+                          <a:highlight>
+                            <a:srgbClr val="FFC000"/>
+                          </a:highlight>
+                          <a:latin typeface="Corbel"/>
+                          <a:ea typeface="Corbel"/>
+                          <a:cs typeface="Corbel"/>
+                          <a:sym typeface="Corbel"/>
+                        </a:rPr>
+                        <a:t>⬊➞⬈</a:t>
+                      </a:r>
+                      <a:endParaRPr sz="1400" b="1">
+                        <a:highlight>
+                          <a:srgbClr val="FFC000"/>
+                        </a:highlight>
+                        <a:latin typeface="Corbel"/>
+                        <a:ea typeface="Corbel"/>
+                        <a:cs typeface="Corbel"/>
+                        <a:sym typeface="Corbel"/>
+                      </a:endParaRPr>
+                    </a:p>
+                  </a:txBody>
+                  <a:tcPr marL="68569" marR="68569" marT="68569" marB="68569"/>
+                </a:tc>
+                <a:tc>
+                  <a:txBody>
+                    <a:bodyPr/>
+                    <a:lstStyle/>
+                    <a:p>
+                      <a:pPr marL="0" lvl="0" indent="0" algn="l" rtl="0">
+                        <a:spcBef>
+                          <a:spcPts val="0"/>
+                        </a:spcBef>
+                        <a:spcAft>
+                          <a:spcPts val="0"/>
+                        </a:spcAft>
+                        <a:buNone/>
+                      </a:pPr>
+                      <a:endParaRPr sz="1400" b="1">
+                        <a:latin typeface="Corbel"/>
+                        <a:ea typeface="Corbel"/>
+                        <a:cs typeface="Corbel"/>
+                        <a:sym typeface="Corbel"/>
+                      </a:endParaRPr>
+                    </a:p>
+                  </a:txBody>
+                  <a:tcPr marL="68569" marR="68569" marT="68569" marB="68569"/>
+                </a:tc>
+                <a:extLst>
+                  <a:ext uri="{0D108BD9-81ED-4DB2-BD59-A6C34878D82A}">
+                    <a16:rowId xmlns:a16="http://schemas.microsoft.com/office/drawing/2014/main" val="10002"/>
+                  </a:ext>
+                </a:extLst>
+              </a:tr>
+              <a:tr h="342878">
+                <a:tc>
+                  <a:txBody>
+                    <a:bodyPr/>
+                    <a:lstStyle/>
+                    <a:p>
+                      <a:pPr marL="0" lvl="0" indent="0" algn="l" rtl="0">
+                        <a:spcBef>
+                          <a:spcPts val="0"/>
+                        </a:spcBef>
+                        <a:spcAft>
+                          <a:spcPts val="0"/>
+                        </a:spcAft>
+                        <a:buNone/>
+                      </a:pPr>
+                      <a:r>
+                        <a:rPr lang="fr-FR" sz="1400" b="1" dirty="0">
+                          <a:latin typeface="Corbel"/>
+                          <a:ea typeface="Corbel"/>
+                          <a:cs typeface="Corbel"/>
+                          <a:sym typeface="Corbel"/>
+                        </a:rPr>
+                        <a:t>Admission</a:t>
+                      </a:r>
+                      <a:endParaRPr sz="1400" b="1" dirty="0">
+                        <a:latin typeface="Corbel"/>
+                        <a:ea typeface="Corbel"/>
+                        <a:cs typeface="Corbel"/>
+                        <a:sym typeface="Corbel"/>
+                      </a:endParaRPr>
+                    </a:p>
+                  </a:txBody>
+                  <a:tcPr marL="68569" marR="68569" marT="68569" marB="68569"/>
+                </a:tc>
+                <a:tc>
+                  <a:txBody>
+                    <a:bodyPr/>
+                    <a:lstStyle/>
+                    <a:p>
+                      <a:pPr marL="0" lvl="0" indent="0" algn="ctr" rtl="0">
+                        <a:spcBef>
+                          <a:spcPts val="0"/>
+                        </a:spcBef>
+                        <a:spcAft>
+                          <a:spcPts val="0"/>
+                        </a:spcAft>
+                        <a:buNone/>
+                      </a:pPr>
+                      <a:r>
+                        <a:rPr lang="fr-FR" sz="1400" b="1">
+                          <a:solidFill>
+                            <a:schemeClr val="dk1"/>
+                          </a:solidFill>
+                          <a:highlight>
+                            <a:srgbClr val="00B050"/>
+                          </a:highlight>
+                          <a:latin typeface="Corbel"/>
+                          <a:ea typeface="Corbel"/>
+                          <a:cs typeface="Corbel"/>
+                          <a:sym typeface="Corbel"/>
+                        </a:rPr>
+                        <a:t>⬊➞⬈</a:t>
+                      </a:r>
+                      <a:endParaRPr sz="1400" b="1">
+                        <a:highlight>
+                          <a:srgbClr val="00B050"/>
+                        </a:highlight>
+                        <a:latin typeface="Corbel"/>
+                        <a:ea typeface="Corbel"/>
+                        <a:cs typeface="Corbel"/>
+                        <a:sym typeface="Corbel"/>
+                      </a:endParaRPr>
+                    </a:p>
+                  </a:txBody>
+                  <a:tcPr marL="68569" marR="68569" marT="68569" marB="68569"/>
+                </a:tc>
+                <a:tc>
+                  <a:txBody>
+                    <a:bodyPr/>
+                    <a:lstStyle/>
+                    <a:p>
+                      <a:pPr marL="0" lvl="0" indent="0" algn="l" rtl="0">
+                        <a:spcBef>
+                          <a:spcPts val="0"/>
+                        </a:spcBef>
+                        <a:spcAft>
+                          <a:spcPts val="0"/>
+                        </a:spcAft>
+                        <a:buNone/>
+                      </a:pPr>
+                      <a:endParaRPr sz="1400" b="1">
+                        <a:latin typeface="Corbel"/>
+                        <a:ea typeface="Corbel"/>
+                        <a:cs typeface="Corbel"/>
+                        <a:sym typeface="Corbel"/>
+                      </a:endParaRPr>
+                    </a:p>
+                  </a:txBody>
+                  <a:tcPr marL="68569" marR="68569" marT="68569" marB="68569"/>
+                </a:tc>
+                <a:extLst>
+                  <a:ext uri="{0D108BD9-81ED-4DB2-BD59-A6C34878D82A}">
+                    <a16:rowId xmlns:a16="http://schemas.microsoft.com/office/drawing/2014/main" val="10003"/>
+                  </a:ext>
+                </a:extLst>
+              </a:tr>
+              <a:tr h="342878">
+                <a:tc>
+                  <a:txBody>
+                    <a:bodyPr/>
+                    <a:lstStyle/>
+                    <a:p>
+                      <a:pPr marL="0" lvl="0" indent="0" algn="l" rtl="0">
+                        <a:spcBef>
+                          <a:spcPts val="0"/>
+                        </a:spcBef>
+                        <a:spcAft>
+                          <a:spcPts val="0"/>
+                        </a:spcAft>
+                        <a:buNone/>
+                      </a:pPr>
+                      <a:r>
+                        <a:rPr lang="fr-FR" sz="1400" b="1">
+                          <a:latin typeface="Corbel"/>
+                          <a:ea typeface="Corbel"/>
+                          <a:cs typeface="Corbel"/>
+                          <a:sym typeface="Corbel"/>
+                        </a:rPr>
+                        <a:t>Engine</a:t>
+                      </a:r>
+                      <a:endParaRPr sz="1400" b="1">
+                        <a:latin typeface="Corbel"/>
+                        <a:ea typeface="Corbel"/>
+                        <a:cs typeface="Corbel"/>
+                        <a:sym typeface="Corbel"/>
+                      </a:endParaRPr>
+                    </a:p>
+                  </a:txBody>
+                  <a:tcPr marL="68569" marR="68569" marT="68569" marB="68569"/>
+                </a:tc>
+                <a:tc>
+                  <a:txBody>
+                    <a:bodyPr/>
+                    <a:lstStyle/>
+                    <a:p>
+                      <a:pPr marL="0" lvl="0" indent="0" algn="ctr" rtl="0">
+                        <a:spcBef>
+                          <a:spcPts val="0"/>
+                        </a:spcBef>
+                        <a:spcAft>
+                          <a:spcPts val="0"/>
+                        </a:spcAft>
+                        <a:buNone/>
+                      </a:pPr>
+                      <a:r>
+                        <a:rPr lang="fr-FR" sz="1400" b="1">
+                          <a:solidFill>
+                            <a:schemeClr val="dk1"/>
+                          </a:solidFill>
+                          <a:latin typeface="Corbel"/>
+                          <a:ea typeface="Corbel"/>
+                          <a:cs typeface="Corbel"/>
+                          <a:sym typeface="Corbel"/>
+                        </a:rPr>
+                        <a:t>⬊➞⬈</a:t>
+                      </a:r>
+                      <a:endParaRPr sz="1400" b="1">
+                        <a:latin typeface="Corbel"/>
+                        <a:ea typeface="Corbel"/>
+                        <a:cs typeface="Corbel"/>
+                        <a:sym typeface="Corbel"/>
+                      </a:endParaRPr>
+                    </a:p>
+                  </a:txBody>
+                  <a:tcPr marL="68569" marR="68569" marT="68569" marB="68569"/>
+                </a:tc>
+                <a:tc>
+                  <a:txBody>
+                    <a:bodyPr/>
+                    <a:lstStyle/>
+                    <a:p>
+                      <a:pPr marL="0" lvl="0" indent="0" algn="l" rtl="0">
+                        <a:spcBef>
+                          <a:spcPts val="0"/>
+                        </a:spcBef>
+                        <a:spcAft>
+                          <a:spcPts val="0"/>
+                        </a:spcAft>
+                        <a:buNone/>
+                      </a:pPr>
+                      <a:endParaRPr sz="1400" b="1">
+                        <a:latin typeface="Corbel"/>
+                        <a:ea typeface="Corbel"/>
+                        <a:cs typeface="Corbel"/>
+                        <a:sym typeface="Corbel"/>
+                      </a:endParaRPr>
+                    </a:p>
+                  </a:txBody>
+                  <a:tcPr marL="68569" marR="68569" marT="68569" marB="68569"/>
+                </a:tc>
+                <a:extLst>
+                  <a:ext uri="{0D108BD9-81ED-4DB2-BD59-A6C34878D82A}">
+                    <a16:rowId xmlns:a16="http://schemas.microsoft.com/office/drawing/2014/main" val="10004"/>
+                  </a:ext>
+                </a:extLst>
+              </a:tr>
+              <a:tr h="342878">
+                <a:tc>
+                  <a:txBody>
+                    <a:bodyPr/>
+                    <a:lstStyle/>
+                    <a:p>
+                      <a:pPr marL="0" lvl="0" indent="0" algn="l" rtl="0">
+                        <a:spcBef>
+                          <a:spcPts val="0"/>
+                        </a:spcBef>
+                        <a:spcAft>
+                          <a:spcPts val="0"/>
+                        </a:spcAft>
+                        <a:buNone/>
+                      </a:pPr>
+                      <a:r>
+                        <a:rPr lang="fr-FR" sz="1400" b="1">
+                          <a:latin typeface="Corbel"/>
+                          <a:ea typeface="Corbel"/>
+                          <a:cs typeface="Corbel"/>
+                          <a:sym typeface="Corbel"/>
+                        </a:rPr>
+                        <a:t>Echappement</a:t>
+                      </a:r>
+                      <a:endParaRPr sz="1400" b="1">
+                        <a:latin typeface="Corbel"/>
+                        <a:ea typeface="Corbel"/>
+                        <a:cs typeface="Corbel"/>
+                        <a:sym typeface="Corbel"/>
+                      </a:endParaRPr>
+                    </a:p>
+                  </a:txBody>
+                  <a:tcPr marL="68569" marR="68569" marT="68569" marB="68569"/>
+                </a:tc>
+                <a:tc>
+                  <a:txBody>
+                    <a:bodyPr/>
+                    <a:lstStyle/>
+                    <a:p>
+                      <a:pPr marL="0" lvl="0" indent="0" algn="ctr" rtl="0">
+                        <a:spcBef>
+                          <a:spcPts val="0"/>
+                        </a:spcBef>
+                        <a:spcAft>
+                          <a:spcPts val="0"/>
+                        </a:spcAft>
+                        <a:buNone/>
+                      </a:pPr>
+                      <a:r>
+                        <a:rPr lang="fr-FR" sz="1400" b="1">
+                          <a:solidFill>
+                            <a:schemeClr val="dk1"/>
+                          </a:solidFill>
+                          <a:latin typeface="Corbel"/>
+                          <a:ea typeface="Corbel"/>
+                          <a:cs typeface="Corbel"/>
+                          <a:sym typeface="Corbel"/>
+                        </a:rPr>
+                        <a:t>⬊➞⬈</a:t>
+                      </a:r>
+                      <a:endParaRPr sz="1400" b="1">
+                        <a:latin typeface="Corbel"/>
+                        <a:ea typeface="Corbel"/>
+                        <a:cs typeface="Corbel"/>
+                        <a:sym typeface="Corbel"/>
+                      </a:endParaRPr>
+                    </a:p>
+                  </a:txBody>
+                  <a:tcPr marL="68569" marR="68569" marT="68569" marB="68569"/>
+                </a:tc>
+                <a:tc>
+                  <a:txBody>
+                    <a:bodyPr/>
+                    <a:lstStyle/>
+                    <a:p>
+                      <a:pPr marL="0" lvl="0" indent="0" algn="l" rtl="0">
+                        <a:spcBef>
+                          <a:spcPts val="0"/>
+                        </a:spcBef>
+                        <a:spcAft>
+                          <a:spcPts val="0"/>
+                        </a:spcAft>
+                        <a:buNone/>
+                      </a:pPr>
+                      <a:endParaRPr sz="1400" b="1">
+                        <a:latin typeface="Corbel"/>
+                        <a:ea typeface="Corbel"/>
+                        <a:cs typeface="Corbel"/>
+                        <a:sym typeface="Corbel"/>
+                      </a:endParaRPr>
+                    </a:p>
+                  </a:txBody>
+                  <a:tcPr marL="68569" marR="68569" marT="68569" marB="68569"/>
+                </a:tc>
+                <a:extLst>
+                  <a:ext uri="{0D108BD9-81ED-4DB2-BD59-A6C34878D82A}">
+                    <a16:rowId xmlns:a16="http://schemas.microsoft.com/office/drawing/2014/main" val="10005"/>
+                  </a:ext>
+                </a:extLst>
+              </a:tr>
+              <a:tr h="342878">
+                <a:tc>
+                  <a:txBody>
+                    <a:bodyPr/>
+                    <a:lstStyle/>
+                    <a:p>
+                      <a:pPr marL="0" lvl="0" indent="0" algn="l" rtl="0">
+                        <a:spcBef>
+                          <a:spcPts val="0"/>
+                        </a:spcBef>
+                        <a:spcAft>
+                          <a:spcPts val="0"/>
+                        </a:spcAft>
+                        <a:buNone/>
+                      </a:pPr>
+                      <a:r>
+                        <a:rPr lang="fr-FR" sz="1400" b="1">
+                          <a:latin typeface="Corbel"/>
+                          <a:ea typeface="Corbel"/>
+                          <a:cs typeface="Corbel"/>
+                          <a:sym typeface="Corbel"/>
+                        </a:rPr>
+                        <a:t>Refroidissement</a:t>
+                      </a:r>
+                      <a:endParaRPr sz="1400" b="1">
+                        <a:latin typeface="Corbel"/>
+                        <a:ea typeface="Corbel"/>
+                        <a:cs typeface="Corbel"/>
+                        <a:sym typeface="Corbel"/>
+                      </a:endParaRPr>
+                    </a:p>
+                  </a:txBody>
+                  <a:tcPr marL="68569" marR="68569" marT="68569" marB="68569"/>
+                </a:tc>
+                <a:tc>
+                  <a:txBody>
+                    <a:bodyPr/>
+                    <a:lstStyle/>
+                    <a:p>
+                      <a:pPr marL="0" lvl="0" indent="0" algn="ctr" rtl="0">
+                        <a:spcBef>
+                          <a:spcPts val="0"/>
+                        </a:spcBef>
+                        <a:spcAft>
+                          <a:spcPts val="0"/>
+                        </a:spcAft>
+                        <a:buNone/>
+                      </a:pPr>
+                      <a:r>
+                        <a:rPr lang="fr-FR" sz="1400" b="1">
+                          <a:solidFill>
+                            <a:schemeClr val="dk1"/>
+                          </a:solidFill>
+                          <a:latin typeface="Corbel"/>
+                          <a:ea typeface="Corbel"/>
+                          <a:cs typeface="Corbel"/>
+                          <a:sym typeface="Corbel"/>
+                        </a:rPr>
+                        <a:t>⬊➞⬈</a:t>
+                      </a:r>
+                      <a:endParaRPr sz="1400" b="1">
+                        <a:latin typeface="Corbel"/>
+                        <a:ea typeface="Corbel"/>
+                        <a:cs typeface="Corbel"/>
+                        <a:sym typeface="Corbel"/>
+                      </a:endParaRPr>
+                    </a:p>
+                  </a:txBody>
+                  <a:tcPr marL="68569" marR="68569" marT="68569" marB="68569"/>
+                </a:tc>
+                <a:tc>
+                  <a:txBody>
+                    <a:bodyPr/>
+                    <a:lstStyle/>
+                    <a:p>
+                      <a:pPr marL="0" lvl="0" indent="0" algn="l" rtl="0">
+                        <a:spcBef>
+                          <a:spcPts val="0"/>
+                        </a:spcBef>
+                        <a:spcAft>
+                          <a:spcPts val="0"/>
+                        </a:spcAft>
+                        <a:buNone/>
+                      </a:pPr>
+                      <a:endParaRPr sz="1400" b="1">
+                        <a:latin typeface="Corbel"/>
+                        <a:ea typeface="Corbel"/>
+                        <a:cs typeface="Corbel"/>
+                        <a:sym typeface="Corbel"/>
+                      </a:endParaRPr>
+                    </a:p>
+                  </a:txBody>
+                  <a:tcPr marL="68569" marR="68569" marT="68569" marB="68569"/>
+                </a:tc>
+                <a:extLst>
+                  <a:ext uri="{0D108BD9-81ED-4DB2-BD59-A6C34878D82A}">
+                    <a16:rowId xmlns:a16="http://schemas.microsoft.com/office/drawing/2014/main" val="10006"/>
+                  </a:ext>
+                </a:extLst>
+              </a:tr>
+              <a:tr h="342878">
+                <a:tc>
+                  <a:txBody>
+                    <a:bodyPr/>
+                    <a:lstStyle/>
+                    <a:p>
+                      <a:pPr marL="0" lvl="0" indent="0" algn="l" rtl="0">
+                        <a:spcBef>
+                          <a:spcPts val="0"/>
+                        </a:spcBef>
+                        <a:spcAft>
+                          <a:spcPts val="0"/>
+                        </a:spcAft>
+                        <a:buNone/>
+                      </a:pPr>
+                      <a:r>
+                        <a:rPr lang="fr-FR" sz="1400" b="1">
+                          <a:latin typeface="Corbel"/>
+                          <a:ea typeface="Corbel"/>
+                          <a:cs typeface="Corbel"/>
+                          <a:sym typeface="Corbel"/>
+                        </a:rPr>
+                        <a:t>Circuit de carburant</a:t>
+                      </a:r>
+                      <a:endParaRPr sz="1400" b="1">
+                        <a:latin typeface="Corbel"/>
+                        <a:ea typeface="Corbel"/>
+                        <a:cs typeface="Corbel"/>
+                        <a:sym typeface="Corbel"/>
+                      </a:endParaRPr>
+                    </a:p>
+                  </a:txBody>
+                  <a:tcPr marL="68569" marR="68569" marT="68569" marB="68569"/>
+                </a:tc>
+                <a:tc>
+                  <a:txBody>
+                    <a:bodyPr/>
+                    <a:lstStyle/>
+                    <a:p>
+                      <a:pPr marL="0" lvl="0" indent="0" algn="ctr" rtl="0">
+                        <a:spcBef>
+                          <a:spcPts val="0"/>
+                        </a:spcBef>
+                        <a:spcAft>
+                          <a:spcPts val="0"/>
+                        </a:spcAft>
+                        <a:buNone/>
+                      </a:pPr>
+                      <a:endParaRPr sz="1400" b="1">
+                        <a:solidFill>
+                          <a:schemeClr val="dk1"/>
+                        </a:solidFill>
+                        <a:latin typeface="Corbel"/>
+                        <a:ea typeface="Corbel"/>
+                        <a:cs typeface="Corbel"/>
+                        <a:sym typeface="Corbel"/>
+                      </a:endParaRPr>
+                    </a:p>
+                  </a:txBody>
+                  <a:tcPr marL="68569" marR="68569" marT="68569" marB="68569"/>
+                </a:tc>
+                <a:tc>
+                  <a:txBody>
+                    <a:bodyPr/>
+                    <a:lstStyle/>
+                    <a:p>
+                      <a:pPr marL="0" lvl="0" indent="0" algn="l" rtl="0">
+                        <a:spcBef>
+                          <a:spcPts val="0"/>
+                        </a:spcBef>
+                        <a:spcAft>
+                          <a:spcPts val="0"/>
+                        </a:spcAft>
+                        <a:buNone/>
+                      </a:pPr>
+                      <a:endParaRPr sz="1400" b="1">
+                        <a:latin typeface="Corbel"/>
+                        <a:ea typeface="Corbel"/>
+                        <a:cs typeface="Corbel"/>
+                        <a:sym typeface="Corbel"/>
+                      </a:endParaRPr>
+                    </a:p>
+                  </a:txBody>
+                  <a:tcPr marL="68569" marR="68569" marT="68569" marB="68569"/>
+                </a:tc>
+                <a:extLst>
+                  <a:ext uri="{0D108BD9-81ED-4DB2-BD59-A6C34878D82A}">
+                    <a16:rowId xmlns:a16="http://schemas.microsoft.com/office/drawing/2014/main" val="10007"/>
+                  </a:ext>
+                </a:extLst>
+              </a:tr>
+              <a:tr h="342878">
+                <a:tc>
+                  <a:txBody>
+                    <a:bodyPr/>
+                    <a:lstStyle/>
+                    <a:p>
+                      <a:pPr marL="0" lvl="0" indent="0" algn="l" rtl="0">
+                        <a:spcBef>
+                          <a:spcPts val="0"/>
+                        </a:spcBef>
+                        <a:spcAft>
+                          <a:spcPts val="0"/>
+                        </a:spcAft>
+                        <a:buNone/>
+                      </a:pPr>
+                      <a:r>
+                        <a:rPr lang="fr-FR" sz="1400" b="1">
+                          <a:latin typeface="Corbel"/>
+                          <a:ea typeface="Corbel"/>
+                          <a:cs typeface="Corbel"/>
+                          <a:sym typeface="Corbel"/>
+                        </a:rPr>
+                        <a:t>Catch cans</a:t>
+                      </a:r>
+                      <a:endParaRPr sz="1400" b="1">
+                        <a:latin typeface="Corbel"/>
+                        <a:ea typeface="Corbel"/>
+                        <a:cs typeface="Corbel"/>
+                        <a:sym typeface="Corbel"/>
+                      </a:endParaRPr>
+                    </a:p>
+                  </a:txBody>
+                  <a:tcPr marL="68569" marR="68569" marT="68569" marB="68569"/>
+                </a:tc>
+                <a:tc>
+                  <a:txBody>
+                    <a:bodyPr/>
+                    <a:lstStyle/>
+                    <a:p>
+                      <a:pPr marL="0" lvl="0" indent="0" algn="ctr" rtl="0">
+                        <a:spcBef>
+                          <a:spcPts val="0"/>
+                        </a:spcBef>
+                        <a:spcAft>
+                          <a:spcPts val="0"/>
+                        </a:spcAft>
+                        <a:buNone/>
+                      </a:pPr>
+                      <a:endParaRPr sz="1400" b="1">
+                        <a:solidFill>
+                          <a:schemeClr val="dk1"/>
+                        </a:solidFill>
+                        <a:latin typeface="Corbel"/>
+                        <a:ea typeface="Corbel"/>
+                        <a:cs typeface="Corbel"/>
+                        <a:sym typeface="Corbel"/>
+                      </a:endParaRPr>
+                    </a:p>
+                  </a:txBody>
+                  <a:tcPr marL="68569" marR="68569" marT="68569" marB="68569"/>
+                </a:tc>
+                <a:tc>
+                  <a:txBody>
+                    <a:bodyPr/>
+                    <a:lstStyle/>
+                    <a:p>
+                      <a:pPr marL="0" lvl="0" indent="0" algn="l" rtl="0">
+                        <a:spcBef>
+                          <a:spcPts val="0"/>
+                        </a:spcBef>
+                        <a:spcAft>
+                          <a:spcPts val="0"/>
+                        </a:spcAft>
+                        <a:buNone/>
+                      </a:pPr>
+                      <a:endParaRPr sz="1400" b="1">
+                        <a:latin typeface="Corbel"/>
+                        <a:ea typeface="Corbel"/>
+                        <a:cs typeface="Corbel"/>
+                        <a:sym typeface="Corbel"/>
+                      </a:endParaRPr>
+                    </a:p>
+                  </a:txBody>
+                  <a:tcPr marL="68569" marR="68569" marT="68569" marB="68569"/>
+                </a:tc>
+                <a:extLst>
+                  <a:ext uri="{0D108BD9-81ED-4DB2-BD59-A6C34878D82A}">
+                    <a16:rowId xmlns:a16="http://schemas.microsoft.com/office/drawing/2014/main" val="10008"/>
+                  </a:ext>
+                </a:extLst>
+              </a:tr>
+              <a:tr h="342878">
+                <a:tc>
+                  <a:txBody>
+                    <a:bodyPr/>
+                    <a:lstStyle/>
+                    <a:p>
+                      <a:pPr marL="0" lvl="0" indent="0" algn="l" rtl="0">
+                        <a:spcBef>
+                          <a:spcPts val="0"/>
+                        </a:spcBef>
+                        <a:spcAft>
+                          <a:spcPts val="0"/>
+                        </a:spcAft>
+                        <a:buNone/>
+                      </a:pPr>
+                      <a:r>
+                        <a:rPr lang="fr-FR" sz="1400" b="1">
+                          <a:latin typeface="Corbel"/>
+                          <a:ea typeface="Corbel"/>
+                          <a:cs typeface="Corbel"/>
+                          <a:sym typeface="Corbel"/>
+                        </a:rPr>
+                        <a:t>Transmission secondaire</a:t>
+                      </a:r>
+                      <a:endParaRPr sz="1400" b="1">
+                        <a:latin typeface="Corbel"/>
+                        <a:ea typeface="Corbel"/>
+                        <a:cs typeface="Corbel"/>
+                        <a:sym typeface="Corbel"/>
+                      </a:endParaRPr>
+                    </a:p>
+                  </a:txBody>
+                  <a:tcPr marL="68569" marR="68569" marT="68569" marB="68569"/>
+                </a:tc>
+                <a:tc>
+                  <a:txBody>
+                    <a:bodyPr/>
+                    <a:lstStyle/>
+                    <a:p>
+                      <a:pPr marL="0" lvl="0" indent="0" algn="ctr" rtl="0">
+                        <a:spcBef>
+                          <a:spcPts val="0"/>
+                        </a:spcBef>
+                        <a:spcAft>
+                          <a:spcPts val="0"/>
+                        </a:spcAft>
+                        <a:buNone/>
+                      </a:pPr>
+                      <a:endParaRPr sz="1400" b="1">
+                        <a:solidFill>
+                          <a:schemeClr val="dk1"/>
+                        </a:solidFill>
+                        <a:latin typeface="Corbel"/>
+                        <a:ea typeface="Corbel"/>
+                        <a:cs typeface="Corbel"/>
+                        <a:sym typeface="Corbel"/>
+                      </a:endParaRPr>
+                    </a:p>
+                  </a:txBody>
+                  <a:tcPr marL="68569" marR="68569" marT="68569" marB="68569"/>
+                </a:tc>
+                <a:tc>
+                  <a:txBody>
+                    <a:bodyPr/>
+                    <a:lstStyle/>
+                    <a:p>
+                      <a:pPr marL="0" lvl="0" indent="0" algn="l" rtl="0">
+                        <a:spcBef>
+                          <a:spcPts val="0"/>
+                        </a:spcBef>
+                        <a:spcAft>
+                          <a:spcPts val="0"/>
+                        </a:spcAft>
+                        <a:buNone/>
+                      </a:pPr>
+                      <a:endParaRPr sz="1400" b="1" dirty="0">
+                        <a:latin typeface="Corbel"/>
+                        <a:ea typeface="Corbel"/>
+                        <a:cs typeface="Corbel"/>
+                        <a:sym typeface="Corbel"/>
+                      </a:endParaRPr>
+                    </a:p>
+                  </a:txBody>
+                  <a:tcPr marL="68569" marR="68569" marT="68569" marB="68569"/>
+                </a:tc>
+                <a:extLst>
+                  <a:ext uri="{0D108BD9-81ED-4DB2-BD59-A6C34878D82A}">
+                    <a16:rowId xmlns:a16="http://schemas.microsoft.com/office/drawing/2014/main" val="10009"/>
+                  </a:ext>
+                </a:extLst>
+              </a:tr>
+            </a:tbl>
+          </a:graphicData>
+        </a:graphic>
+      </p:graphicFrame>
+    </p:spTree>
+  </p:cSld>
+  <p:clrMapOvr>
+    <a:masterClrMapping/>
+  </p:clrMapOvr>
+</p:sld>
+</file>
+
+<file path=ppt/slides/slide8.xml><?xml version="1.0" encoding="utf-8"?>
+<p:sld xmlns:a="http://schemas.openxmlformats.org/drawingml/2006/main" xmlns:r="http://schemas.openxmlformats.org/officeDocument/2006/relationships" xmlns:p="http://schemas.openxmlformats.org/presentationml/2006/main">
+  <p:cSld>
+    <p:spTree>
+      <p:nvGrpSpPr>
+        <p:cNvPr id="1" name="Shape 127"/>
+        <p:cNvGrpSpPr/>
+        <p:nvPr/>
+      </p:nvGrpSpPr>
+      <p:grpSpPr>
+        <a:xfrm>
+          <a:off x="0" y="0"/>
+          <a:ext cx="0" cy="0"/>
+          <a:chOff x="0" y="0"/>
+          <a:chExt cx="0" cy="0"/>
+        </a:xfrm>
+      </p:grpSpPr>
+      <p:sp>
+        <p:nvSpPr>
+          <p:cNvPr id="2" name="Titre 1">
+            <a:extLst>
+              <a:ext uri="{FF2B5EF4-FFF2-40B4-BE49-F238E27FC236}">
+                <a16:creationId xmlns:a16="http://schemas.microsoft.com/office/drawing/2014/main" id="{6078CAD8-FB75-4FB8-BB21-63A818CA4B62}"/>
+              </a:ext>
+            </a:extLst>
+          </p:cNvPr>
+          <p:cNvSpPr>
+            <a:spLocks noGrp="1"/>
+          </p:cNvSpPr>
+          <p:nvPr>
+            <p:ph type="title"/>
+          </p:nvPr>
+        </p:nvSpPr>
+        <p:spPr/>
+        <p:txBody>
+          <a:bodyPr>
+            <a:normAutofit/>
+          </a:bodyPr>
+          <a:lstStyle/>
+          <a:p>
+            <a:r>
+              <a:rPr lang="fr-FR" sz="3600" dirty="0">
+                <a:solidFill>
+                  <a:schemeClr val="lt1"/>
+                </a:solidFill>
+                <a:latin typeface="Arial"/>
+                <a:ea typeface="Arial"/>
+                <a:cs typeface="Arial"/>
+                <a:sym typeface="Arial"/>
+              </a:rPr>
+              <a:t>BILAN SEISM</a:t>
+            </a:r>
+            <a:endParaRPr lang="fr-FR" dirty="0"/>
+          </a:p>
+        </p:txBody>
+      </p:sp>
+      <p:sp>
+        <p:nvSpPr>
+          <p:cNvPr id="128" name="Google Shape;128;p17"/>
+          <p:cNvSpPr txBox="1">
+            <a:spLocks noGrp="1"/>
+          </p:cNvSpPr>
+          <p:nvPr>
+            <p:ph type="sldNum" sz="quarter" idx="12"/>
+          </p:nvPr>
+        </p:nvSpPr>
+        <p:spPr>
+          <a:prstGeom prst="rect">
+            <a:avLst/>
+          </a:prstGeom>
+          <a:noFill/>
+          <a:ln>
+            <a:noFill/>
+          </a:ln>
+        </p:spPr>
+        <p:txBody>
+          <a:bodyPr spcFirstLastPara="1" vert="horz" wrap="square" lIns="68569" tIns="34275" rIns="68569" bIns="34275" rtlCol="0" anchor="ctr" anchorCtr="0">
+            <a:noAutofit/>
+          </a:bodyPr>
+          <a:lstStyle/>
+          <a:p>
+            <a:pPr>
+              <a:buSzPts val="1200"/>
+            </a:pPr>
+            <a:fld id="{00000000-1234-1234-1234-123412341234}" type="slidenum">
+              <a:rPr lang="fr-FR"/>
+              <a:pPr>
+                <a:buSzPts val="1200"/>
+              </a:pPr>
+              <a:t>8</a:t>
+            </a:fld>
+            <a:endParaRPr/>
+          </a:p>
+        </p:txBody>
+      </p:sp>
+      <p:graphicFrame>
+        <p:nvGraphicFramePr>
+          <p:cNvPr id="7" name="Google Shape;130;p17">
+            <a:extLst>
+              <a:ext uri="{FF2B5EF4-FFF2-40B4-BE49-F238E27FC236}">
+                <a16:creationId xmlns:a16="http://schemas.microsoft.com/office/drawing/2014/main" id="{BBC1630F-3E67-45DD-95EA-AFBA7DCA0352}"/>
+              </a:ext>
+            </a:extLst>
+          </p:cNvPr>
+          <p:cNvGraphicFramePr>
+            <a:graphicFrameLocks noGrp="1"/>
+          </p:cNvGraphicFramePr>
+          <p:nvPr>
+            <p:ph idx="1"/>
+            <p:extLst>
+              <p:ext uri="{D42A27DB-BD31-4B8C-83A1-F6EECF244321}">
+                <p14:modId xmlns:p14="http://schemas.microsoft.com/office/powerpoint/2010/main" val="2675815771"/>
+              </p:ext>
+            </p:extLst>
+          </p:nvPr>
+        </p:nvGraphicFramePr>
+        <p:xfrm>
+          <a:off x="584784" y="1073150"/>
+          <a:ext cx="7974432" cy="3017344"/>
+        </p:xfrm>
+        <a:graphic>
+          <a:graphicData uri="http://schemas.openxmlformats.org/drawingml/2006/table">
+            <a:tbl>
+              <a:tblPr>
+                <a:noFill/>
+              </a:tblPr>
+              <a:tblGrid>
+                <a:gridCol w="1871119">
+                  <a:extLst>
+                    <a:ext uri="{9D8B030D-6E8A-4147-A177-3AD203B41FA5}">
+                      <a16:colId xmlns:a16="http://schemas.microsoft.com/office/drawing/2014/main" val="20000"/>
+                    </a:ext>
+                  </a:extLst>
+                </a:gridCol>
+                <a:gridCol w="708000">
+                  <a:extLst>
+                    <a:ext uri="{9D8B030D-6E8A-4147-A177-3AD203B41FA5}">
+                      <a16:colId xmlns:a16="http://schemas.microsoft.com/office/drawing/2014/main" val="20001"/>
+                    </a:ext>
+                  </a:extLst>
+                </a:gridCol>
+                <a:gridCol w="5395313">
+                  <a:extLst>
+                    <a:ext uri="{9D8B030D-6E8A-4147-A177-3AD203B41FA5}">
+                      <a16:colId xmlns:a16="http://schemas.microsoft.com/office/drawing/2014/main" val="20002"/>
+                    </a:ext>
+                  </a:extLst>
+                </a:gridCol>
+              </a:tblGrid>
+              <a:tr h="342878">
+                <a:tc>
+                  <a:txBody>
+                    <a:bodyPr/>
+                    <a:lstStyle/>
+                    <a:p>
+                      <a:pPr marL="0" lvl="0" indent="0" algn="l" rtl="0">
+                        <a:spcBef>
+                          <a:spcPts val="0"/>
+                        </a:spcBef>
+                        <a:spcAft>
+                          <a:spcPts val="0"/>
+                        </a:spcAft>
+                        <a:buNone/>
+                      </a:pPr>
+                      <a:r>
+                        <a:rPr lang="fr-FR" sz="1400" b="1">
+                          <a:latin typeface="Corbel"/>
+                          <a:ea typeface="Corbel"/>
+                          <a:cs typeface="Corbel"/>
+                          <a:sym typeface="Corbel"/>
+                        </a:rPr>
+                        <a:t>Sous-système</a:t>
+                      </a:r>
+                      <a:endParaRPr sz="1400" b="1">
+                        <a:latin typeface="Corbel"/>
+                        <a:ea typeface="Corbel"/>
+                        <a:cs typeface="Corbel"/>
+                        <a:sym typeface="Corbel"/>
+                      </a:endParaRPr>
+                    </a:p>
+                  </a:txBody>
+                  <a:tcPr marL="68569" marR="68569" marT="68569" marB="68569"/>
+                </a:tc>
+                <a:tc>
+                  <a:txBody>
+                    <a:bodyPr/>
+                    <a:lstStyle/>
+                    <a:p>
+                      <a:pPr marL="0" lvl="0" indent="0" algn="ctr" rtl="0">
+                        <a:spcBef>
+                          <a:spcPts val="0"/>
+                        </a:spcBef>
+                        <a:spcAft>
+                          <a:spcPts val="0"/>
+                        </a:spcAft>
+                        <a:buNone/>
+                      </a:pPr>
+                      <a:r>
+                        <a:rPr lang="fr-FR" sz="1400" b="1">
+                          <a:latin typeface="Corbel"/>
+                          <a:ea typeface="Corbel"/>
+                          <a:cs typeface="Corbel"/>
+                          <a:sym typeface="Corbel"/>
+                        </a:rPr>
+                        <a:t>Etat</a:t>
+                      </a:r>
+                      <a:endParaRPr sz="1400" b="1">
+                        <a:latin typeface="Corbel"/>
+                        <a:ea typeface="Corbel"/>
+                        <a:cs typeface="Corbel"/>
+                        <a:sym typeface="Corbel"/>
+                      </a:endParaRPr>
+                    </a:p>
+                  </a:txBody>
+                  <a:tcPr marL="68569" marR="68569" marT="68569" marB="68569"/>
+                </a:tc>
+                <a:tc>
+                  <a:txBody>
+                    <a:bodyPr/>
+                    <a:lstStyle/>
+                    <a:p>
+                      <a:pPr marL="0" lvl="0" indent="0" algn="l" rtl="0">
+                        <a:spcBef>
+                          <a:spcPts val="0"/>
+                        </a:spcBef>
+                        <a:spcAft>
+                          <a:spcPts val="0"/>
+                        </a:spcAft>
+                        <a:buNone/>
+                      </a:pPr>
+                      <a:r>
+                        <a:rPr lang="fr-FR" sz="1400" b="1">
+                          <a:latin typeface="Corbel"/>
+                          <a:ea typeface="Corbel"/>
+                          <a:cs typeface="Corbel"/>
+                          <a:sym typeface="Corbel"/>
+                        </a:rPr>
+                        <a:t>Description</a:t>
+                      </a:r>
+                      <a:endParaRPr sz="1400" b="1">
+                        <a:latin typeface="Corbel"/>
+                        <a:ea typeface="Corbel"/>
+                        <a:cs typeface="Corbel"/>
+                        <a:sym typeface="Corbel"/>
+                      </a:endParaRPr>
+                    </a:p>
+                  </a:txBody>
+                  <a:tcPr marL="68569" marR="68569" marT="68569" marB="68569"/>
+                </a:tc>
+                <a:extLst>
+                  <a:ext uri="{0D108BD9-81ED-4DB2-BD59-A6C34878D82A}">
+                    <a16:rowId xmlns:a16="http://schemas.microsoft.com/office/drawing/2014/main" val="10000"/>
+                  </a:ext>
+                </a:extLst>
+              </a:tr>
+              <a:tr h="342878">
+                <a:tc>
+                  <a:txBody>
+                    <a:bodyPr/>
+                    <a:lstStyle/>
+                    <a:p>
+                      <a:pPr marL="0" lvl="0" indent="0" algn="l" rtl="0">
+                        <a:spcBef>
+                          <a:spcPts val="0"/>
+                        </a:spcBef>
+                        <a:spcAft>
+                          <a:spcPts val="0"/>
+                        </a:spcAft>
+                        <a:buNone/>
+                      </a:pPr>
+                      <a:r>
+                        <a:rPr lang="fr-FR" sz="1400" b="1">
+                          <a:latin typeface="Corbel"/>
+                          <a:ea typeface="Corbel"/>
+                          <a:cs typeface="Corbel"/>
+                          <a:sym typeface="Corbel"/>
+                        </a:rPr>
+                        <a:t>Faisceau LV</a:t>
+                      </a:r>
+                      <a:endParaRPr sz="1400" b="1">
+                        <a:latin typeface="Corbel"/>
+                        <a:ea typeface="Corbel"/>
+                        <a:cs typeface="Corbel"/>
+                        <a:sym typeface="Corbel"/>
+                      </a:endParaRPr>
+                    </a:p>
+                  </a:txBody>
+                  <a:tcPr marL="68569" marR="68569" marT="68569" marB="68569"/>
+                </a:tc>
+                <a:tc>
+                  <a:txBody>
+                    <a:bodyPr/>
+                    <a:lstStyle/>
+                    <a:p>
+                      <a:pPr marL="0" lvl="0" indent="0" algn="ctr" rtl="0">
+                        <a:spcBef>
+                          <a:spcPts val="0"/>
+                        </a:spcBef>
+                        <a:spcAft>
+                          <a:spcPts val="0"/>
+                        </a:spcAft>
+                        <a:buNone/>
+                      </a:pPr>
+                      <a:r>
+                        <a:rPr lang="fr-FR" sz="1400" b="1">
+                          <a:solidFill>
+                            <a:schemeClr val="dk1"/>
+                          </a:solidFill>
+                          <a:highlight>
+                            <a:srgbClr val="FF0000"/>
+                          </a:highlight>
+                          <a:latin typeface="Corbel"/>
+                          <a:ea typeface="Corbel"/>
+                          <a:cs typeface="Corbel"/>
+                          <a:sym typeface="Corbel"/>
+                        </a:rPr>
+                        <a:t>⬊➞⬈</a:t>
+                      </a:r>
+                      <a:endParaRPr sz="1400" b="1">
+                        <a:highlight>
+                          <a:srgbClr val="FF0000"/>
+                        </a:highlight>
+                        <a:latin typeface="Corbel"/>
+                        <a:ea typeface="Corbel"/>
+                        <a:cs typeface="Corbel"/>
+                        <a:sym typeface="Corbel"/>
+                      </a:endParaRPr>
+                    </a:p>
+                  </a:txBody>
+                  <a:tcPr marL="68569" marR="68569" marT="68569" marB="68569"/>
+                </a:tc>
+                <a:tc>
+                  <a:txBody>
+                    <a:bodyPr/>
+                    <a:lstStyle/>
+                    <a:p>
+                      <a:pPr marL="0" lvl="0" indent="0" algn="l" rtl="0">
+                        <a:spcBef>
+                          <a:spcPts val="0"/>
+                        </a:spcBef>
+                        <a:spcAft>
+                          <a:spcPts val="0"/>
+                        </a:spcAft>
+                        <a:buNone/>
+                      </a:pPr>
+                      <a:r>
+                        <a:rPr lang="fr-FR" sz="1400" b="1">
+                          <a:latin typeface="Corbel"/>
+                          <a:ea typeface="Corbel"/>
+                          <a:cs typeface="Corbel"/>
+                          <a:sym typeface="Corbel"/>
+                        </a:rPr>
+                        <a:t>Pourquoi je suis dans cet état</a:t>
+                      </a:r>
+                      <a:endParaRPr sz="1400" b="1">
+                        <a:latin typeface="Corbel"/>
+                        <a:ea typeface="Corbel"/>
+                        <a:cs typeface="Corbel"/>
+                        <a:sym typeface="Corbel"/>
+                      </a:endParaRPr>
+                    </a:p>
+                  </a:txBody>
+                  <a:tcPr marL="68569" marR="68569" marT="68569" marB="68569"/>
+                </a:tc>
+                <a:extLst>
+                  <a:ext uri="{0D108BD9-81ED-4DB2-BD59-A6C34878D82A}">
+                    <a16:rowId xmlns:a16="http://schemas.microsoft.com/office/drawing/2014/main" val="10001"/>
+                  </a:ext>
+                </a:extLst>
+              </a:tr>
+              <a:tr h="342878">
+                <a:tc>
+                  <a:txBody>
+                    <a:bodyPr/>
+                    <a:lstStyle/>
+                    <a:p>
+                      <a:pPr marL="0" lvl="0" indent="0" algn="l" rtl="0">
+                        <a:spcBef>
+                          <a:spcPts val="0"/>
+                        </a:spcBef>
+                        <a:spcAft>
+                          <a:spcPts val="0"/>
+                        </a:spcAft>
+                        <a:buNone/>
+                      </a:pPr>
+                      <a:r>
+                        <a:rPr lang="fr-FR" sz="1400" b="1">
+                          <a:latin typeface="Corbel"/>
+                          <a:ea typeface="Corbel"/>
+                          <a:cs typeface="Corbel"/>
+                          <a:sym typeface="Corbel"/>
+                        </a:rPr>
+                        <a:t>Faisceau HP</a:t>
+                      </a:r>
+                      <a:endParaRPr sz="1400" b="1">
+                        <a:latin typeface="Corbel"/>
+                        <a:ea typeface="Corbel"/>
+                        <a:cs typeface="Corbel"/>
+                        <a:sym typeface="Corbel"/>
+                      </a:endParaRPr>
+                    </a:p>
+                  </a:txBody>
+                  <a:tcPr marL="68569" marR="68569" marT="68569" marB="68569"/>
+                </a:tc>
+                <a:tc>
+                  <a:txBody>
+                    <a:bodyPr/>
+                    <a:lstStyle/>
+                    <a:p>
+                      <a:pPr marL="0" lvl="0" indent="0" algn="ctr" rtl="0">
+                        <a:spcBef>
+                          <a:spcPts val="0"/>
+                        </a:spcBef>
+                        <a:spcAft>
+                          <a:spcPts val="0"/>
+                        </a:spcAft>
+                        <a:buNone/>
+                      </a:pPr>
+                      <a:r>
+                        <a:rPr lang="fr-FR" sz="1400" b="1">
+                          <a:solidFill>
+                            <a:schemeClr val="dk1"/>
+                          </a:solidFill>
+                          <a:highlight>
+                            <a:srgbClr val="FFC000"/>
+                          </a:highlight>
+                          <a:latin typeface="Corbel"/>
+                          <a:ea typeface="Corbel"/>
+                          <a:cs typeface="Corbel"/>
+                          <a:sym typeface="Corbel"/>
+                        </a:rPr>
+                        <a:t>⬊➞⬈</a:t>
+                      </a:r>
+                      <a:endParaRPr sz="1400" b="1">
+                        <a:highlight>
+                          <a:srgbClr val="FFC000"/>
+                        </a:highlight>
+                        <a:latin typeface="Corbel"/>
+                        <a:ea typeface="Corbel"/>
+                        <a:cs typeface="Corbel"/>
+                        <a:sym typeface="Corbel"/>
+                      </a:endParaRPr>
+                    </a:p>
+                  </a:txBody>
+                  <a:tcPr marL="68569" marR="68569" marT="68569" marB="68569"/>
+                </a:tc>
+                <a:tc>
+                  <a:txBody>
+                    <a:bodyPr/>
+                    <a:lstStyle/>
+                    <a:p>
+                      <a:pPr marL="0" lvl="0" indent="0" algn="l" rtl="0">
+                        <a:spcBef>
+                          <a:spcPts val="0"/>
+                        </a:spcBef>
+                        <a:spcAft>
+                          <a:spcPts val="0"/>
+                        </a:spcAft>
+                        <a:buNone/>
+                      </a:pPr>
+                      <a:endParaRPr sz="1400" b="1">
+                        <a:latin typeface="Corbel"/>
+                        <a:ea typeface="Corbel"/>
+                        <a:cs typeface="Corbel"/>
+                        <a:sym typeface="Corbel"/>
+                      </a:endParaRPr>
+                    </a:p>
+                  </a:txBody>
+                  <a:tcPr marL="68569" marR="68569" marT="68569" marB="68569"/>
+                </a:tc>
+                <a:extLst>
+                  <a:ext uri="{0D108BD9-81ED-4DB2-BD59-A6C34878D82A}">
+                    <a16:rowId xmlns:a16="http://schemas.microsoft.com/office/drawing/2014/main" val="10002"/>
+                  </a:ext>
+                </a:extLst>
+              </a:tr>
+              <a:tr h="342878">
+                <a:tc>
+                  <a:txBody>
+                    <a:bodyPr/>
+                    <a:lstStyle/>
+                    <a:p>
+                      <a:pPr marL="0" lvl="0" indent="0" algn="l" rtl="0">
+                        <a:spcBef>
+                          <a:spcPts val="0"/>
+                        </a:spcBef>
+                        <a:spcAft>
+                          <a:spcPts val="0"/>
+                        </a:spcAft>
+                        <a:buNone/>
+                      </a:pPr>
+                      <a:r>
+                        <a:rPr lang="fr-FR" sz="1400" b="1">
+                          <a:latin typeface="Corbel"/>
+                          <a:ea typeface="Corbel"/>
+                          <a:cs typeface="Corbel"/>
+                          <a:sym typeface="Corbel"/>
+                        </a:rPr>
+                        <a:t>Acquisition de données</a:t>
+                      </a:r>
+                      <a:endParaRPr sz="1400" b="1">
+                        <a:latin typeface="Corbel"/>
+                        <a:ea typeface="Corbel"/>
+                        <a:cs typeface="Corbel"/>
+                        <a:sym typeface="Corbel"/>
+                      </a:endParaRPr>
+                    </a:p>
+                  </a:txBody>
+                  <a:tcPr marL="68569" marR="68569" marT="68569" marB="68569"/>
+                </a:tc>
+                <a:tc>
+                  <a:txBody>
+                    <a:bodyPr/>
+                    <a:lstStyle/>
+                    <a:p>
+                      <a:pPr marL="0" lvl="0" indent="0" algn="ctr" rtl="0">
+                        <a:spcBef>
+                          <a:spcPts val="0"/>
+                        </a:spcBef>
+                        <a:spcAft>
+                          <a:spcPts val="0"/>
+                        </a:spcAft>
+                        <a:buNone/>
+                      </a:pPr>
+                      <a:r>
+                        <a:rPr lang="fr-FR" sz="1400" b="1">
+                          <a:solidFill>
+                            <a:schemeClr val="dk1"/>
+                          </a:solidFill>
+                          <a:highlight>
+                            <a:srgbClr val="00B050"/>
+                          </a:highlight>
+                          <a:latin typeface="Corbel"/>
+                          <a:ea typeface="Corbel"/>
+                          <a:cs typeface="Corbel"/>
+                          <a:sym typeface="Corbel"/>
+                        </a:rPr>
+                        <a:t>⬊➞⬈</a:t>
+                      </a:r>
+                      <a:endParaRPr sz="1400" b="1">
+                        <a:highlight>
+                          <a:srgbClr val="00B050"/>
+                        </a:highlight>
+                        <a:latin typeface="Corbel"/>
+                        <a:ea typeface="Corbel"/>
+                        <a:cs typeface="Corbel"/>
+                        <a:sym typeface="Corbel"/>
+                      </a:endParaRPr>
+                    </a:p>
+                  </a:txBody>
+                  <a:tcPr marL="68569" marR="68569" marT="68569" marB="68569"/>
+                </a:tc>
+                <a:tc>
+                  <a:txBody>
+                    <a:bodyPr/>
+                    <a:lstStyle/>
+                    <a:p>
+                      <a:pPr marL="0" lvl="0" indent="0" algn="l" rtl="0">
+                        <a:spcBef>
+                          <a:spcPts val="0"/>
+                        </a:spcBef>
+                        <a:spcAft>
+                          <a:spcPts val="0"/>
+                        </a:spcAft>
+                        <a:buNone/>
+                      </a:pPr>
+                      <a:endParaRPr sz="1400" b="1">
+                        <a:latin typeface="Corbel"/>
+                        <a:ea typeface="Corbel"/>
+                        <a:cs typeface="Corbel"/>
+                        <a:sym typeface="Corbel"/>
+                      </a:endParaRPr>
+                    </a:p>
+                  </a:txBody>
+                  <a:tcPr marL="68569" marR="68569" marT="68569" marB="68569"/>
+                </a:tc>
+                <a:extLst>
+                  <a:ext uri="{0D108BD9-81ED-4DB2-BD59-A6C34878D82A}">
+                    <a16:rowId xmlns:a16="http://schemas.microsoft.com/office/drawing/2014/main" val="10003"/>
+                  </a:ext>
+                </a:extLst>
+              </a:tr>
+              <a:tr h="342878">
+                <a:tc>
+                  <a:txBody>
+                    <a:bodyPr/>
+                    <a:lstStyle/>
+                    <a:p>
+                      <a:pPr marL="0" lvl="0" indent="0" algn="l" rtl="0">
+                        <a:spcBef>
+                          <a:spcPts val="0"/>
+                        </a:spcBef>
+                        <a:spcAft>
+                          <a:spcPts val="0"/>
+                        </a:spcAft>
+                        <a:buNone/>
+                      </a:pPr>
+                      <a:r>
+                        <a:rPr lang="fr-FR" sz="1400" b="1">
+                          <a:latin typeface="Corbel"/>
+                          <a:ea typeface="Corbel"/>
+                          <a:cs typeface="Corbel"/>
+                          <a:sym typeface="Corbel"/>
+                        </a:rPr>
+                        <a:t>Tableau de bord</a:t>
+                      </a:r>
+                      <a:endParaRPr sz="1400" b="1">
+                        <a:latin typeface="Corbel"/>
+                        <a:ea typeface="Corbel"/>
+                        <a:cs typeface="Corbel"/>
+                        <a:sym typeface="Corbel"/>
+                      </a:endParaRPr>
+                    </a:p>
+                  </a:txBody>
+                  <a:tcPr marL="68569" marR="68569" marT="68569" marB="68569"/>
+                </a:tc>
+                <a:tc>
+                  <a:txBody>
+                    <a:bodyPr/>
+                    <a:lstStyle/>
+                    <a:p>
+                      <a:pPr marL="0" lvl="0" indent="0" algn="ctr" rtl="0">
+                        <a:spcBef>
+                          <a:spcPts val="0"/>
+                        </a:spcBef>
+                        <a:spcAft>
+                          <a:spcPts val="0"/>
+                        </a:spcAft>
+                        <a:buNone/>
+                      </a:pPr>
+                      <a:r>
+                        <a:rPr lang="fr-FR" sz="1400" b="1">
+                          <a:solidFill>
+                            <a:schemeClr val="dk1"/>
+                          </a:solidFill>
+                          <a:latin typeface="Corbel"/>
+                          <a:ea typeface="Corbel"/>
+                          <a:cs typeface="Corbel"/>
+                          <a:sym typeface="Corbel"/>
+                        </a:rPr>
+                        <a:t>⬊➞⬈</a:t>
+                      </a:r>
+                      <a:endParaRPr sz="1400" b="1">
+                        <a:latin typeface="Corbel"/>
+                        <a:ea typeface="Corbel"/>
+                        <a:cs typeface="Corbel"/>
+                        <a:sym typeface="Corbel"/>
+                      </a:endParaRPr>
+                    </a:p>
+                  </a:txBody>
+                  <a:tcPr marL="68569" marR="68569" marT="68569" marB="68569"/>
+                </a:tc>
+                <a:tc>
+                  <a:txBody>
+                    <a:bodyPr/>
+                    <a:lstStyle/>
+                    <a:p>
+                      <a:pPr marL="0" lvl="0" indent="0" algn="l" rtl="0">
+                        <a:spcBef>
+                          <a:spcPts val="0"/>
+                        </a:spcBef>
+                        <a:spcAft>
+                          <a:spcPts val="0"/>
+                        </a:spcAft>
+                        <a:buNone/>
+                      </a:pPr>
+                      <a:endParaRPr sz="1400" b="1">
+                        <a:latin typeface="Corbel"/>
+                        <a:ea typeface="Corbel"/>
+                        <a:cs typeface="Corbel"/>
+                        <a:sym typeface="Corbel"/>
+                      </a:endParaRPr>
+                    </a:p>
+                  </a:txBody>
+                  <a:tcPr marL="68569" marR="68569" marT="68569" marB="68569"/>
+                </a:tc>
+                <a:extLst>
+                  <a:ext uri="{0D108BD9-81ED-4DB2-BD59-A6C34878D82A}">
+                    <a16:rowId xmlns:a16="http://schemas.microsoft.com/office/drawing/2014/main" val="10004"/>
+                  </a:ext>
+                </a:extLst>
+              </a:tr>
+              <a:tr h="342878">
+                <a:tc>
+                  <a:txBody>
+                    <a:bodyPr/>
+                    <a:lstStyle/>
+                    <a:p>
+                      <a:pPr marL="0" lvl="0" indent="0" algn="l" rtl="0">
+                        <a:spcBef>
+                          <a:spcPts val="0"/>
+                        </a:spcBef>
+                        <a:spcAft>
+                          <a:spcPts val="0"/>
+                        </a:spcAft>
+                        <a:buNone/>
+                      </a:pPr>
+                      <a:r>
+                        <a:rPr lang="fr-FR" sz="1400" b="1">
+                          <a:latin typeface="Corbel"/>
+                          <a:ea typeface="Corbel"/>
+                          <a:cs typeface="Corbel"/>
+                          <a:sym typeface="Corbel"/>
+                        </a:rPr>
+                        <a:t>Contrôle de TdB</a:t>
+                      </a:r>
+                      <a:endParaRPr sz="1400" b="1">
+                        <a:latin typeface="Corbel"/>
+                        <a:ea typeface="Corbel"/>
+                        <a:cs typeface="Corbel"/>
+                        <a:sym typeface="Corbel"/>
+                      </a:endParaRPr>
+                    </a:p>
+                  </a:txBody>
+                  <a:tcPr marL="68569" marR="68569" marT="68569" marB="68569"/>
+                </a:tc>
+                <a:tc>
+                  <a:txBody>
+                    <a:bodyPr/>
+                    <a:lstStyle/>
+                    <a:p>
+                      <a:pPr marL="0" lvl="0" indent="0" algn="ctr" rtl="0">
+                        <a:spcBef>
+                          <a:spcPts val="0"/>
+                        </a:spcBef>
+                        <a:spcAft>
+                          <a:spcPts val="0"/>
+                        </a:spcAft>
+                        <a:buNone/>
+                      </a:pPr>
+                      <a:r>
+                        <a:rPr lang="fr-FR" sz="1400" b="1">
+                          <a:solidFill>
+                            <a:schemeClr val="dk1"/>
+                          </a:solidFill>
+                          <a:latin typeface="Corbel"/>
+                          <a:ea typeface="Corbel"/>
+                          <a:cs typeface="Corbel"/>
+                          <a:sym typeface="Corbel"/>
+                        </a:rPr>
+                        <a:t>⬊➞⬈</a:t>
+                      </a:r>
+                      <a:endParaRPr sz="1400" b="1">
+                        <a:latin typeface="Corbel"/>
+                        <a:ea typeface="Corbel"/>
+                        <a:cs typeface="Corbel"/>
+                        <a:sym typeface="Corbel"/>
+                      </a:endParaRPr>
+                    </a:p>
+                  </a:txBody>
+                  <a:tcPr marL="68569" marR="68569" marT="68569" marB="68569"/>
+                </a:tc>
+                <a:tc>
+                  <a:txBody>
+                    <a:bodyPr/>
+                    <a:lstStyle/>
+                    <a:p>
+                      <a:pPr marL="0" lvl="0" indent="0" algn="l" rtl="0">
+                        <a:spcBef>
+                          <a:spcPts val="0"/>
+                        </a:spcBef>
+                        <a:spcAft>
+                          <a:spcPts val="0"/>
+                        </a:spcAft>
+                        <a:buNone/>
+                      </a:pPr>
+                      <a:endParaRPr sz="1400" b="1">
+                        <a:latin typeface="Corbel"/>
+                        <a:ea typeface="Corbel"/>
+                        <a:cs typeface="Corbel"/>
+                        <a:sym typeface="Corbel"/>
+                      </a:endParaRPr>
+                    </a:p>
+                  </a:txBody>
+                  <a:tcPr marL="68569" marR="68569" marT="68569" marB="68569"/>
+                </a:tc>
+                <a:extLst>
+                  <a:ext uri="{0D108BD9-81ED-4DB2-BD59-A6C34878D82A}">
+                    <a16:rowId xmlns:a16="http://schemas.microsoft.com/office/drawing/2014/main" val="10005"/>
+                  </a:ext>
+                </a:extLst>
+              </a:tr>
+              <a:tr h="342878">
+                <a:tc>
+                  <a:txBody>
+                    <a:bodyPr/>
+                    <a:lstStyle/>
+                    <a:p>
+                      <a:pPr marL="0" lvl="0" indent="0" algn="l" rtl="0">
+                        <a:spcBef>
+                          <a:spcPts val="0"/>
+                        </a:spcBef>
+                        <a:spcAft>
+                          <a:spcPts val="0"/>
+                        </a:spcAft>
+                        <a:buNone/>
+                      </a:pPr>
+                      <a:r>
+                        <a:rPr lang="fr-FR" sz="1400" b="1">
+                          <a:latin typeface="Corbel"/>
+                          <a:ea typeface="Corbel"/>
+                          <a:cs typeface="Corbel"/>
+                          <a:sym typeface="Corbel"/>
+                        </a:rPr>
+                        <a:t>Commande de boîte</a:t>
+                      </a:r>
+                      <a:endParaRPr sz="1400" b="1">
+                        <a:latin typeface="Corbel"/>
+                        <a:ea typeface="Corbel"/>
+                        <a:cs typeface="Corbel"/>
+                        <a:sym typeface="Corbel"/>
+                      </a:endParaRPr>
+                    </a:p>
+                  </a:txBody>
+                  <a:tcPr marL="68569" marR="68569" marT="68569" marB="68569"/>
+                </a:tc>
+                <a:tc>
+                  <a:txBody>
+                    <a:bodyPr/>
+                    <a:lstStyle/>
+                    <a:p>
+                      <a:pPr marL="0" lvl="0" indent="0" algn="ctr" rtl="0">
+                        <a:spcBef>
+                          <a:spcPts val="0"/>
+                        </a:spcBef>
+                        <a:spcAft>
+                          <a:spcPts val="0"/>
+                        </a:spcAft>
+                        <a:buNone/>
+                      </a:pPr>
+                      <a:r>
+                        <a:rPr lang="fr-FR" sz="1400" b="1">
+                          <a:solidFill>
+                            <a:schemeClr val="dk1"/>
+                          </a:solidFill>
+                          <a:latin typeface="Corbel"/>
+                          <a:ea typeface="Corbel"/>
+                          <a:cs typeface="Corbel"/>
+                          <a:sym typeface="Corbel"/>
+                        </a:rPr>
+                        <a:t>⬊➞⬈</a:t>
+                      </a:r>
+                      <a:endParaRPr sz="1400" b="1">
+                        <a:latin typeface="Corbel"/>
+                        <a:ea typeface="Corbel"/>
+                        <a:cs typeface="Corbel"/>
+                        <a:sym typeface="Corbel"/>
+                      </a:endParaRPr>
+                    </a:p>
+                  </a:txBody>
+                  <a:tcPr marL="68569" marR="68569" marT="68569" marB="68569"/>
+                </a:tc>
+                <a:tc>
+                  <a:txBody>
+                    <a:bodyPr/>
+                    <a:lstStyle/>
+                    <a:p>
+                      <a:pPr marL="0" lvl="0" indent="0" algn="l" rtl="0">
+                        <a:spcBef>
+                          <a:spcPts val="0"/>
+                        </a:spcBef>
+                        <a:spcAft>
+                          <a:spcPts val="0"/>
+                        </a:spcAft>
+                        <a:buNone/>
+                      </a:pPr>
+                      <a:endParaRPr sz="1400" b="1">
+                        <a:latin typeface="Corbel"/>
+                        <a:ea typeface="Corbel"/>
+                        <a:cs typeface="Corbel"/>
+                        <a:sym typeface="Corbel"/>
+                      </a:endParaRPr>
+                    </a:p>
+                  </a:txBody>
+                  <a:tcPr marL="68569" marR="68569" marT="68569" marB="68569"/>
+                </a:tc>
+                <a:extLst>
+                  <a:ext uri="{0D108BD9-81ED-4DB2-BD59-A6C34878D82A}">
+                    <a16:rowId xmlns:a16="http://schemas.microsoft.com/office/drawing/2014/main" val="10006"/>
+                  </a:ext>
+                </a:extLst>
+              </a:tr>
+              <a:tr h="342878">
+                <a:tc>
+                  <a:txBody>
+                    <a:bodyPr/>
+                    <a:lstStyle/>
+                    <a:p>
+                      <a:pPr marL="0" lvl="0" indent="0" algn="l" rtl="0">
+                        <a:spcBef>
+                          <a:spcPts val="0"/>
+                        </a:spcBef>
+                        <a:spcAft>
+                          <a:spcPts val="0"/>
+                        </a:spcAft>
+                        <a:buNone/>
+                      </a:pPr>
+                      <a:r>
+                        <a:rPr lang="fr-FR" sz="1400" b="1">
+                          <a:latin typeface="Corbel"/>
+                          <a:ea typeface="Corbel"/>
+                          <a:cs typeface="Corbel"/>
+                          <a:sym typeface="Corbel"/>
+                        </a:rPr>
+                        <a:t>BSPD</a:t>
+                      </a:r>
+                      <a:endParaRPr sz="1400" b="1">
+                        <a:latin typeface="Corbel"/>
+                        <a:ea typeface="Corbel"/>
+                        <a:cs typeface="Corbel"/>
+                        <a:sym typeface="Corbel"/>
+                      </a:endParaRPr>
+                    </a:p>
+                  </a:txBody>
+                  <a:tcPr marL="68569" marR="68569" marT="68569" marB="68569"/>
+                </a:tc>
+                <a:tc>
+                  <a:txBody>
+                    <a:bodyPr/>
+                    <a:lstStyle/>
+                    <a:p>
+                      <a:pPr marL="0" lvl="0" indent="0" algn="ctr" rtl="0">
+                        <a:spcBef>
+                          <a:spcPts val="0"/>
+                        </a:spcBef>
+                        <a:spcAft>
+                          <a:spcPts val="0"/>
+                        </a:spcAft>
+                        <a:buNone/>
+                      </a:pPr>
+                      <a:endParaRPr sz="1400" b="1">
+                        <a:solidFill>
+                          <a:schemeClr val="dk1"/>
+                        </a:solidFill>
+                        <a:latin typeface="Corbel"/>
+                        <a:ea typeface="Corbel"/>
+                        <a:cs typeface="Corbel"/>
+                        <a:sym typeface="Corbel"/>
+                      </a:endParaRPr>
+                    </a:p>
+                  </a:txBody>
+                  <a:tcPr marL="68569" marR="68569" marT="68569" marB="68569"/>
+                </a:tc>
+                <a:tc>
+                  <a:txBody>
+                    <a:bodyPr/>
+                    <a:lstStyle/>
+                    <a:p>
+                      <a:pPr marL="0" lvl="0" indent="0" algn="l" rtl="0">
+                        <a:spcBef>
+                          <a:spcPts val="0"/>
+                        </a:spcBef>
+                        <a:spcAft>
+                          <a:spcPts val="0"/>
+                        </a:spcAft>
+                        <a:buNone/>
+                      </a:pPr>
+                      <a:endParaRPr sz="1400" b="1" dirty="0">
+                        <a:latin typeface="Corbel"/>
+                        <a:ea typeface="Corbel"/>
+                        <a:cs typeface="Corbel"/>
+                        <a:sym typeface="Corbel"/>
+                      </a:endParaRPr>
+                    </a:p>
+                  </a:txBody>
+                  <a:tcPr marL="68569" marR="68569" marT="68569" marB="68569"/>
+                </a:tc>
+                <a:extLst>
+                  <a:ext uri="{0D108BD9-81ED-4DB2-BD59-A6C34878D82A}">
+                    <a16:rowId xmlns:a16="http://schemas.microsoft.com/office/drawing/2014/main" val="10007"/>
+                  </a:ext>
+                </a:extLst>
+              </a:tr>
+            </a:tbl>
+          </a:graphicData>
+        </a:graphic>
+      </p:graphicFrame>
+    </p:spTree>
+  </p:cSld>
+  <p:clrMapOvr>
+    <a:masterClrMapping/>
+  </p:clrMapOvr>
+</p:sld>
+</file>
+
+<file path=ppt/slides/slide9.xml><?xml version="1.0" encoding="utf-8"?>
+<p:sld xmlns:a="http://schemas.openxmlformats.org/drawingml/2006/main" xmlns:r="http://schemas.openxmlformats.org/officeDocument/2006/relationships" xmlns:p="http://schemas.openxmlformats.org/presentationml/2006/main" show="0">
+  <p:cSld>
+    <p:spTree>
+      <p:nvGrpSpPr>
         <p:cNvPr id="1" name=""/>
         <p:cNvGrpSpPr/>
         <p:nvPr/>
@@ -10176,7 +16026,7 @@
             </a:pPr>
             <a:fld id="{00000000-1234-1234-1234-123412341234}" type="slidenum">
               <a:rPr lang="fr-FR" smtClean="0"/>
-              <a:t>4</a:t>
+              <a:t>9</a:t>
             </a:fld>
             <a:endParaRPr lang="fr-FR"/>
           </a:p>

--- a/DR_Direction/MG_Management/10_Point_Projet/2019_2020/2019 11 05.pptx
+++ b/DR_Direction/MG_Management/10_Point_Projet/2019_2020/2019 11 05.pptx
@@ -5,54 +5,55 @@
     <p:sldMasterId id="2147483685" r:id="rId1"/>
   </p:sldMasterIdLst>
   <p:notesMasterIdLst>
-    <p:notesMasterId r:id="rId11"/>
+    <p:notesMasterId r:id="rId12"/>
   </p:notesMasterIdLst>
   <p:handoutMasterIdLst>
-    <p:handoutMasterId r:id="rId12"/>
+    <p:handoutMasterId r:id="rId13"/>
   </p:handoutMasterIdLst>
   <p:sldIdLst>
     <p:sldId id="256" r:id="rId2"/>
     <p:sldId id="257" r:id="rId3"/>
     <p:sldId id="258" r:id="rId4"/>
-    <p:sldId id="261" r:id="rId5"/>
-    <p:sldId id="262" r:id="rId6"/>
-    <p:sldId id="263" r:id="rId7"/>
-    <p:sldId id="264" r:id="rId8"/>
-    <p:sldId id="265" r:id="rId9"/>
-    <p:sldId id="259" r:id="rId10"/>
+    <p:sldId id="266" r:id="rId5"/>
+    <p:sldId id="261" r:id="rId6"/>
+    <p:sldId id="262" r:id="rId7"/>
+    <p:sldId id="263" r:id="rId8"/>
+    <p:sldId id="264" r:id="rId9"/>
+    <p:sldId id="265" r:id="rId10"/>
+    <p:sldId id="259" r:id="rId11"/>
   </p:sldIdLst>
   <p:sldSz cx="9144000" cy="5143500" type="screen16x9"/>
   <p:notesSz cx="6858000" cy="9144000"/>
   <p:embeddedFontLst>
     <p:embeddedFont>
       <p:font typeface="Arial Black" panose="020B0A04020102020204" pitchFamily="34" charset="0"/>
-      <p:bold r:id="rId13"/>
+      <p:bold r:id="rId14"/>
     </p:embeddedFont>
     <p:embeddedFont>
       <p:font typeface="Calibri" panose="020F0502020204030204" pitchFamily="34" charset="0"/>
-      <p:regular r:id="rId14"/>
-      <p:bold r:id="rId15"/>
-      <p:italic r:id="rId16"/>
-      <p:boldItalic r:id="rId17"/>
+      <p:regular r:id="rId15"/>
+      <p:bold r:id="rId16"/>
+      <p:italic r:id="rId17"/>
+      <p:boldItalic r:id="rId18"/>
     </p:embeddedFont>
     <p:embeddedFont>
       <p:font typeface="Calibri Light" panose="020F0302020204030204" pitchFamily="34" charset="0"/>
-      <p:regular r:id="rId18"/>
-      <p:italic r:id="rId19"/>
+      <p:regular r:id="rId19"/>
+      <p:italic r:id="rId20"/>
     </p:embeddedFont>
     <p:embeddedFont>
       <p:font typeface="Corbel" panose="020B0503020204020204" pitchFamily="34" charset="0"/>
-      <p:regular r:id="rId20"/>
-      <p:bold r:id="rId21"/>
-      <p:italic r:id="rId22"/>
-      <p:boldItalic r:id="rId23"/>
+      <p:regular r:id="rId21"/>
+      <p:bold r:id="rId22"/>
+      <p:italic r:id="rId23"/>
+      <p:boldItalic r:id="rId24"/>
     </p:embeddedFont>
     <p:embeddedFont>
       <p:font typeface="Open Sans" panose="020B0606030504020204" pitchFamily="34" charset="0"/>
-      <p:regular r:id="rId24"/>
-      <p:bold r:id="rId25"/>
-      <p:italic r:id="rId26"/>
-      <p:boldItalic r:id="rId27"/>
+      <p:regular r:id="rId25"/>
+      <p:bold r:id="rId26"/>
+      <p:italic r:id="rId27"/>
+      <p:boldItalic r:id="rId28"/>
     </p:embeddedFont>
   </p:embeddedFontLst>
   <p:defaultTextStyle>
@@ -10695,6 +10696,168 @@
 </p:sld>
 </file>
 
+<file path=ppt/slides/slide10.xml><?xml version="1.0" encoding="utf-8"?>
+<p:sld xmlns:a="http://schemas.openxmlformats.org/drawingml/2006/main" xmlns:r="http://schemas.openxmlformats.org/officeDocument/2006/relationships" xmlns:p="http://schemas.openxmlformats.org/presentationml/2006/main" show="0">
+  <p:cSld>
+    <p:spTree>
+      <p:nvGrpSpPr>
+        <p:cNvPr id="1" name=""/>
+        <p:cNvGrpSpPr/>
+        <p:nvPr/>
+      </p:nvGrpSpPr>
+      <p:grpSpPr>
+        <a:xfrm>
+          <a:off x="0" y="0"/>
+          <a:ext cx="0" cy="0"/>
+          <a:chOff x="0" y="0"/>
+          <a:chExt cx="0" cy="0"/>
+        </a:xfrm>
+      </p:grpSpPr>
+      <p:sp>
+        <p:nvSpPr>
+          <p:cNvPr id="2" name="Titre 1">
+            <a:extLst>
+              <a:ext uri="{FF2B5EF4-FFF2-40B4-BE49-F238E27FC236}">
+                <a16:creationId xmlns:a16="http://schemas.microsoft.com/office/drawing/2014/main" id="{FCBA1801-9487-47C3-8FCF-653CF4021936}"/>
+              </a:ext>
+            </a:extLst>
+          </p:cNvPr>
+          <p:cNvSpPr>
+            <a:spLocks noGrp="1"/>
+          </p:cNvSpPr>
+          <p:nvPr>
+            <p:ph type="title"/>
+          </p:nvPr>
+        </p:nvSpPr>
+        <p:spPr/>
+        <p:txBody>
+          <a:bodyPr/>
+          <a:lstStyle/>
+          <a:p>
+            <a:r>
+              <a:rPr lang="fr-FR" dirty="0"/>
+              <a:t>Stand Up Meeting</a:t>
+            </a:r>
+          </a:p>
+        </p:txBody>
+      </p:sp>
+      <p:sp>
+        <p:nvSpPr>
+          <p:cNvPr id="3" name="Espace réservé du contenu 2">
+            <a:extLst>
+              <a:ext uri="{FF2B5EF4-FFF2-40B4-BE49-F238E27FC236}">
+                <a16:creationId xmlns:a16="http://schemas.microsoft.com/office/drawing/2014/main" id="{811B8CA0-5FFB-46DC-839D-D3B80E433804}"/>
+              </a:ext>
+            </a:extLst>
+          </p:cNvPr>
+          <p:cNvSpPr>
+            <a:spLocks noGrp="1"/>
+          </p:cNvSpPr>
+          <p:nvPr>
+            <p:ph idx="1"/>
+          </p:nvPr>
+        </p:nvSpPr>
+        <p:spPr/>
+        <p:txBody>
+          <a:bodyPr/>
+          <a:lstStyle/>
+          <a:p>
+            <a:r>
+              <a:rPr lang="fr-FR" dirty="0"/>
+              <a:t>Durée totale : 5 min</a:t>
+            </a:r>
+          </a:p>
+          <a:p>
+            <a:r>
+              <a:rPr lang="fr-FR" dirty="0"/>
+              <a:t>Debout, pas d’ordis ni de téléphone</a:t>
+            </a:r>
+          </a:p>
+          <a:p>
+            <a:r>
+              <a:rPr lang="fr-FR" dirty="0"/>
+              <a:t>Chacun parle de :</a:t>
+            </a:r>
+          </a:p>
+          <a:p>
+            <a:pPr lvl="1"/>
+            <a:r>
+              <a:rPr lang="fr-FR" dirty="0"/>
+              <a:t>Ce qu’il a fait depuis la dernière fois</a:t>
+            </a:r>
+          </a:p>
+          <a:p>
+            <a:pPr lvl="1"/>
+            <a:r>
+              <a:rPr lang="fr-FR" dirty="0"/>
+              <a:t>Ce qu’il va faire </a:t>
+            </a:r>
+            <a:r>
+              <a:rPr lang="fr-FR" dirty="0" err="1"/>
+              <a:t>ajd</a:t>
+            </a:r>
+            <a:endParaRPr lang="fr-FR" dirty="0"/>
+          </a:p>
+          <a:p>
+            <a:pPr lvl="1"/>
+            <a:r>
+              <a:rPr lang="fr-FR" dirty="0"/>
+              <a:t>Les problèmes qu’il va rencontrer</a:t>
+            </a:r>
+          </a:p>
+        </p:txBody>
+      </p:sp>
+      <p:sp>
+        <p:nvSpPr>
+          <p:cNvPr id="4" name="Espace réservé du numéro de diapositive 3">
+            <a:extLst>
+              <a:ext uri="{FF2B5EF4-FFF2-40B4-BE49-F238E27FC236}">
+                <a16:creationId xmlns:a16="http://schemas.microsoft.com/office/drawing/2014/main" id="{32F8342F-292F-458F-9FDA-7845AC8156E5}"/>
+              </a:ext>
+            </a:extLst>
+          </p:cNvPr>
+          <p:cNvSpPr>
+            <a:spLocks noGrp="1"/>
+          </p:cNvSpPr>
+          <p:nvPr>
+            <p:ph type="sldNum" sz="quarter" idx="12"/>
+          </p:nvPr>
+        </p:nvSpPr>
+        <p:spPr/>
+        <p:txBody>
+          <a:bodyPr/>
+          <a:lstStyle/>
+          <a:p>
+            <a:pPr marL="0" lvl="0" indent="0" algn="r" rtl="0">
+              <a:spcBef>
+                <a:spcPts val="0"/>
+              </a:spcBef>
+              <a:spcAft>
+                <a:spcPts val="0"/>
+              </a:spcAft>
+              <a:buNone/>
+            </a:pPr>
+            <a:fld id="{00000000-1234-1234-1234-123412341234}" type="slidenum">
+              <a:rPr lang="fr-FR" smtClean="0"/>
+              <a:t>10</a:t>
+            </a:fld>
+            <a:endParaRPr lang="fr-FR"/>
+          </a:p>
+        </p:txBody>
+      </p:sp>
+    </p:spTree>
+    <p:extLst>
+      <p:ext uri="{BB962C8B-B14F-4D97-AF65-F5344CB8AC3E}">
+        <p14:creationId xmlns:p14="http://schemas.microsoft.com/office/powerpoint/2010/main" val="4009614938"/>
+      </p:ext>
+    </p:extLst>
+  </p:cSld>
+  <p:clrMapOvr>
+    <a:masterClrMapping/>
+  </p:clrMapOvr>
+</p:sld>
+</file>
+
 <file path=ppt/slides/slide2.xml><?xml version="1.0" encoding="utf-8"?>
 <p:sld xmlns:a="http://schemas.openxmlformats.org/drawingml/2006/main" xmlns:r="http://schemas.openxmlformats.org/officeDocument/2006/relationships" xmlns:p="http://schemas.openxmlformats.org/presentationml/2006/main">
   <p:cSld>
@@ -10848,7 +11011,7 @@
           <a:graphicData uri="http://schemas.openxmlformats.org/presentationml/2006/ole">
             <mc:AlternateContent xmlns:mc="http://schemas.openxmlformats.org/markup-compatibility/2006">
               <mc:Choice xmlns:v="urn:schemas-microsoft-com:vml" Requires="v">
-                <p:oleObj spid="_x0000_s1028" name="Worksheet" r:id="rId3" imgW="7591435" imgH="1838263" progId="Excel.Sheet.12">
+                <p:oleObj spid="_x0000_s1029" name="Worksheet" r:id="rId3" imgW="7591435" imgH="1838263" progId="Excel.Sheet.12">
                   <p:embed/>
                 </p:oleObj>
               </mc:Choice>
@@ -11042,6 +11205,130 @@
   <p:cSld>
     <p:spTree>
       <p:nvGrpSpPr>
+        <p:cNvPr id="1" name=""/>
+        <p:cNvGrpSpPr/>
+        <p:nvPr/>
+      </p:nvGrpSpPr>
+      <p:grpSpPr>
+        <a:xfrm>
+          <a:off x="0" y="0"/>
+          <a:ext cx="0" cy="0"/>
+          <a:chOff x="0" y="0"/>
+          <a:chExt cx="0" cy="0"/>
+        </a:xfrm>
+      </p:grpSpPr>
+      <p:sp>
+        <p:nvSpPr>
+          <p:cNvPr id="2" name="Titre 1">
+            <a:extLst>
+              <a:ext uri="{FF2B5EF4-FFF2-40B4-BE49-F238E27FC236}">
+                <a16:creationId xmlns:a16="http://schemas.microsoft.com/office/drawing/2014/main" id="{636F5347-47D1-4DAB-B67B-C960459299AB}"/>
+              </a:ext>
+            </a:extLst>
+          </p:cNvPr>
+          <p:cNvSpPr>
+            <a:spLocks noGrp="1"/>
+          </p:cNvSpPr>
+          <p:nvPr>
+            <p:ph type="title"/>
+          </p:nvPr>
+        </p:nvSpPr>
+        <p:spPr/>
+        <p:txBody>
+          <a:bodyPr/>
+          <a:lstStyle/>
+          <a:p>
+            <a:r>
+              <a:rPr lang="fr-FR" dirty="0"/>
+              <a:t>Prochains évènements</a:t>
+            </a:r>
+          </a:p>
+        </p:txBody>
+      </p:sp>
+      <p:sp>
+        <p:nvSpPr>
+          <p:cNvPr id="3" name="Espace réservé du contenu 2">
+            <a:extLst>
+              <a:ext uri="{FF2B5EF4-FFF2-40B4-BE49-F238E27FC236}">
+                <a16:creationId xmlns:a16="http://schemas.microsoft.com/office/drawing/2014/main" id="{A30CD9F7-BE4D-4FED-9EE4-3CD1CEF25E3E}"/>
+              </a:ext>
+            </a:extLst>
+          </p:cNvPr>
+          <p:cNvSpPr>
+            <a:spLocks noGrp="1"/>
+          </p:cNvSpPr>
+          <p:nvPr>
+            <p:ph idx="1"/>
+          </p:nvPr>
+        </p:nvSpPr>
+        <p:spPr/>
+        <p:txBody>
+          <a:bodyPr/>
+          <a:lstStyle/>
+          <a:p>
+            <a:pPr marL="0" indent="0">
+              <a:buNone/>
+            </a:pPr>
+            <a:endParaRPr lang="fr-FR" dirty="0"/>
+          </a:p>
+        </p:txBody>
+      </p:sp>
+      <p:sp>
+        <p:nvSpPr>
+          <p:cNvPr id="4" name="Espace réservé du numéro de diapositive 3">
+            <a:extLst>
+              <a:ext uri="{FF2B5EF4-FFF2-40B4-BE49-F238E27FC236}">
+                <a16:creationId xmlns:a16="http://schemas.microsoft.com/office/drawing/2014/main" id="{751F0E41-0111-4196-9DC8-5716A5536464}"/>
+              </a:ext>
+            </a:extLst>
+          </p:cNvPr>
+          <p:cNvSpPr>
+            <a:spLocks noGrp="1"/>
+          </p:cNvSpPr>
+          <p:nvPr>
+            <p:ph type="sldNum" sz="quarter" idx="12"/>
+          </p:nvPr>
+        </p:nvSpPr>
+        <p:spPr/>
+        <p:txBody>
+          <a:bodyPr/>
+          <a:lstStyle/>
+          <a:p>
+            <a:pPr marL="0" lvl="0" indent="0" algn="r" rtl="0">
+              <a:spcBef>
+                <a:spcPts val="0"/>
+              </a:spcBef>
+              <a:spcAft>
+                <a:spcPts val="0"/>
+              </a:spcAft>
+              <a:buNone/>
+            </a:pPr>
+            <a:fld id="{00000000-1234-1234-1234-123412341234}" type="slidenum">
+              <a:rPr lang="fr-FR" smtClean="0"/>
+              <a:t>4</a:t>
+            </a:fld>
+            <a:endParaRPr lang="fr-FR"/>
+          </a:p>
+        </p:txBody>
+      </p:sp>
+    </p:spTree>
+    <p:extLst>
+      <p:ext uri="{BB962C8B-B14F-4D97-AF65-F5344CB8AC3E}">
+        <p14:creationId xmlns:p14="http://schemas.microsoft.com/office/powerpoint/2010/main" val="2939436255"/>
+      </p:ext>
+    </p:extLst>
+  </p:cSld>
+  <p:clrMapOvr>
+    <a:masterClrMapping/>
+  </p:clrMapOvr>
+</p:sld>
+</file>
+
+<file path=ppt/slides/slide5.xml><?xml version="1.0" encoding="utf-8"?>
+<p:sld xmlns:a="http://schemas.openxmlformats.org/drawingml/2006/main" xmlns:r="http://schemas.openxmlformats.org/officeDocument/2006/relationships" xmlns:p="http://schemas.openxmlformats.org/presentationml/2006/main" show="0">
+  <p:cSld>
+    <p:spTree>
+      <p:nvGrpSpPr>
         <p:cNvPr id="1" name="Shape 99"/>
         <p:cNvGrpSpPr/>
         <p:nvPr/>
@@ -11126,7 +11413,7 @@
               <a:pPr>
                 <a:buSzPts val="1200"/>
               </a:pPr>
-              <a:t>4</a:t>
+              <a:t>5</a:t>
             </a:fld>
             <a:endParaRPr/>
           </a:p>
@@ -11562,7 +11849,7 @@
                         <a:buNone/>
                       </a:pPr>
                       <a:r>
-                        <a:rPr lang="fr-FR" sz="1400" b="1">
+                        <a:rPr lang="fr-FR" sz="1400" b="1" dirty="0">
                           <a:solidFill>
                             <a:schemeClr val="dk1"/>
                           </a:solidFill>
@@ -11576,7 +11863,7 @@
                         </a:rPr>
                         <a:t>⬊➞⬈</a:t>
                       </a:r>
-                      <a:endParaRPr sz="1400" b="1">
+                      <a:endParaRPr sz="1400" b="1" dirty="0">
                         <a:highlight>
                           <a:srgbClr val="00B050"/>
                         </a:highlight>
@@ -12113,8 +12400,8 @@
 </p:sld>
 </file>
 
-<file path=ppt/slides/slide5.xml><?xml version="1.0" encoding="utf-8"?>
-<p:sld xmlns:a="http://schemas.openxmlformats.org/drawingml/2006/main" xmlns:r="http://schemas.openxmlformats.org/officeDocument/2006/relationships" xmlns:p="http://schemas.openxmlformats.org/presentationml/2006/main">
+<file path=ppt/slides/slide6.xml><?xml version="1.0" encoding="utf-8"?>
+<p:sld xmlns:a="http://schemas.openxmlformats.org/drawingml/2006/main" xmlns:r="http://schemas.openxmlformats.org/officeDocument/2006/relationships" xmlns:p="http://schemas.openxmlformats.org/presentationml/2006/main" show="0">
   <p:cSld>
     <p:spTree>
       <p:nvGrpSpPr>
@@ -12202,7 +12489,7 @@
               <a:pPr>
                 <a:buSzPts val="1200"/>
               </a:pPr>
-              <a:t>5</a:t>
+              <a:t>6</a:t>
             </a:fld>
             <a:endParaRPr/>
           </a:p>
@@ -13037,8 +13324,8 @@
 </p:sld>
 </file>
 
-<file path=ppt/slides/slide6.xml><?xml version="1.0" encoding="utf-8"?>
-<p:sld xmlns:a="http://schemas.openxmlformats.org/drawingml/2006/main" xmlns:r="http://schemas.openxmlformats.org/officeDocument/2006/relationships" xmlns:p="http://schemas.openxmlformats.org/presentationml/2006/main">
+<file path=ppt/slides/slide7.xml><?xml version="1.0" encoding="utf-8"?>
+<p:sld xmlns:a="http://schemas.openxmlformats.org/drawingml/2006/main" xmlns:r="http://schemas.openxmlformats.org/officeDocument/2006/relationships" xmlns:p="http://schemas.openxmlformats.org/presentationml/2006/main" show="0">
   <p:cSld>
     <p:spTree>
       <p:nvGrpSpPr>
@@ -13126,7 +13413,7 @@
               <a:pPr>
                 <a:buSzPts val="1200"/>
               </a:pPr>
-              <a:t>6</a:t>
+              <a:t>7</a:t>
             </a:fld>
             <a:endParaRPr/>
           </a:p>
@@ -13731,8 +14018,8 @@
 </p:sld>
 </file>
 
-<file path=ppt/slides/slide7.xml><?xml version="1.0" encoding="utf-8"?>
-<p:sld xmlns:a="http://schemas.openxmlformats.org/drawingml/2006/main" xmlns:r="http://schemas.openxmlformats.org/officeDocument/2006/relationships" xmlns:p="http://schemas.openxmlformats.org/presentationml/2006/main">
+<file path=ppt/slides/slide8.xml><?xml version="1.0" encoding="utf-8"?>
+<p:sld xmlns:a="http://schemas.openxmlformats.org/drawingml/2006/main" xmlns:r="http://schemas.openxmlformats.org/officeDocument/2006/relationships" xmlns:p="http://schemas.openxmlformats.org/presentationml/2006/main" show="0">
   <p:cSld>
     <p:spTree>
       <p:nvGrpSpPr>
@@ -13820,7 +14107,7 @@
               <a:pPr>
                 <a:buSzPts val="1200"/>
               </a:pPr>
-              <a:t>7</a:t>
+              <a:t>8</a:t>
             </a:fld>
             <a:endParaRPr/>
           </a:p>
@@ -14898,8 +15185,8 @@
 </p:sld>
 </file>
 
-<file path=ppt/slides/slide8.xml><?xml version="1.0" encoding="utf-8"?>
-<p:sld xmlns:a="http://schemas.openxmlformats.org/drawingml/2006/main" xmlns:r="http://schemas.openxmlformats.org/officeDocument/2006/relationships" xmlns:p="http://schemas.openxmlformats.org/presentationml/2006/main">
+<file path=ppt/slides/slide9.xml><?xml version="1.0" encoding="utf-8"?>
+<p:sld xmlns:a="http://schemas.openxmlformats.org/drawingml/2006/main" xmlns:r="http://schemas.openxmlformats.org/officeDocument/2006/relationships" xmlns:p="http://schemas.openxmlformats.org/presentationml/2006/main" show="0">
   <p:cSld>
     <p:spTree>
       <p:nvGrpSpPr>
@@ -14987,7 +15274,7 @@
               <a:pPr>
                 <a:buSzPts val="1200"/>
               </a:pPr>
-              <a:t>8</a:t>
+              <a:t>9</a:t>
             </a:fld>
             <a:endParaRPr/>
           </a:p>
@@ -15876,168 +16163,6 @@
         </a:graphic>
       </p:graphicFrame>
     </p:spTree>
-  </p:cSld>
-  <p:clrMapOvr>
-    <a:masterClrMapping/>
-  </p:clrMapOvr>
-</p:sld>
-</file>
-
-<file path=ppt/slides/slide9.xml><?xml version="1.0" encoding="utf-8"?>
-<p:sld xmlns:a="http://schemas.openxmlformats.org/drawingml/2006/main" xmlns:r="http://schemas.openxmlformats.org/officeDocument/2006/relationships" xmlns:p="http://schemas.openxmlformats.org/presentationml/2006/main" show="0">
-  <p:cSld>
-    <p:spTree>
-      <p:nvGrpSpPr>
-        <p:cNvPr id="1" name=""/>
-        <p:cNvGrpSpPr/>
-        <p:nvPr/>
-      </p:nvGrpSpPr>
-      <p:grpSpPr>
-        <a:xfrm>
-          <a:off x="0" y="0"/>
-          <a:ext cx="0" cy="0"/>
-          <a:chOff x="0" y="0"/>
-          <a:chExt cx="0" cy="0"/>
-        </a:xfrm>
-      </p:grpSpPr>
-      <p:sp>
-        <p:nvSpPr>
-          <p:cNvPr id="2" name="Titre 1">
-            <a:extLst>
-              <a:ext uri="{FF2B5EF4-FFF2-40B4-BE49-F238E27FC236}">
-                <a16:creationId xmlns:a16="http://schemas.microsoft.com/office/drawing/2014/main" id="{FCBA1801-9487-47C3-8FCF-653CF4021936}"/>
-              </a:ext>
-            </a:extLst>
-          </p:cNvPr>
-          <p:cNvSpPr>
-            <a:spLocks noGrp="1"/>
-          </p:cNvSpPr>
-          <p:nvPr>
-            <p:ph type="title"/>
-          </p:nvPr>
-        </p:nvSpPr>
-        <p:spPr/>
-        <p:txBody>
-          <a:bodyPr/>
-          <a:lstStyle/>
-          <a:p>
-            <a:r>
-              <a:rPr lang="fr-FR" dirty="0"/>
-              <a:t>Stand Up Meeting</a:t>
-            </a:r>
-          </a:p>
-        </p:txBody>
-      </p:sp>
-      <p:sp>
-        <p:nvSpPr>
-          <p:cNvPr id="3" name="Espace réservé du contenu 2">
-            <a:extLst>
-              <a:ext uri="{FF2B5EF4-FFF2-40B4-BE49-F238E27FC236}">
-                <a16:creationId xmlns:a16="http://schemas.microsoft.com/office/drawing/2014/main" id="{811B8CA0-5FFB-46DC-839D-D3B80E433804}"/>
-              </a:ext>
-            </a:extLst>
-          </p:cNvPr>
-          <p:cNvSpPr>
-            <a:spLocks noGrp="1"/>
-          </p:cNvSpPr>
-          <p:nvPr>
-            <p:ph idx="1"/>
-          </p:nvPr>
-        </p:nvSpPr>
-        <p:spPr/>
-        <p:txBody>
-          <a:bodyPr/>
-          <a:lstStyle/>
-          <a:p>
-            <a:r>
-              <a:rPr lang="fr-FR" dirty="0"/>
-              <a:t>Durée totale : 5 min</a:t>
-            </a:r>
-          </a:p>
-          <a:p>
-            <a:r>
-              <a:rPr lang="fr-FR" dirty="0"/>
-              <a:t>Debout, pas d’ordis ni de téléphone</a:t>
-            </a:r>
-          </a:p>
-          <a:p>
-            <a:r>
-              <a:rPr lang="fr-FR" dirty="0"/>
-              <a:t>Chacun parle de :</a:t>
-            </a:r>
-          </a:p>
-          <a:p>
-            <a:pPr lvl="1"/>
-            <a:r>
-              <a:rPr lang="fr-FR" dirty="0"/>
-              <a:t>Ce qu’il a fait depuis la dernière fois</a:t>
-            </a:r>
-          </a:p>
-          <a:p>
-            <a:pPr lvl="1"/>
-            <a:r>
-              <a:rPr lang="fr-FR" dirty="0"/>
-              <a:t>Ce qu’il va faire </a:t>
-            </a:r>
-            <a:r>
-              <a:rPr lang="fr-FR" dirty="0" err="1"/>
-              <a:t>ajd</a:t>
-            </a:r>
-            <a:endParaRPr lang="fr-FR" dirty="0"/>
-          </a:p>
-          <a:p>
-            <a:pPr lvl="1"/>
-            <a:r>
-              <a:rPr lang="fr-FR" dirty="0"/>
-              <a:t>Les problèmes qu’il va rencontrer</a:t>
-            </a:r>
-          </a:p>
-        </p:txBody>
-      </p:sp>
-      <p:sp>
-        <p:nvSpPr>
-          <p:cNvPr id="4" name="Espace réservé du numéro de diapositive 3">
-            <a:extLst>
-              <a:ext uri="{FF2B5EF4-FFF2-40B4-BE49-F238E27FC236}">
-                <a16:creationId xmlns:a16="http://schemas.microsoft.com/office/drawing/2014/main" id="{32F8342F-292F-458F-9FDA-7845AC8156E5}"/>
-              </a:ext>
-            </a:extLst>
-          </p:cNvPr>
-          <p:cNvSpPr>
-            <a:spLocks noGrp="1"/>
-          </p:cNvSpPr>
-          <p:nvPr>
-            <p:ph type="sldNum" sz="quarter" idx="12"/>
-          </p:nvPr>
-        </p:nvSpPr>
-        <p:spPr/>
-        <p:txBody>
-          <a:bodyPr/>
-          <a:lstStyle/>
-          <a:p>
-            <a:pPr marL="0" lvl="0" indent="0" algn="r" rtl="0">
-              <a:spcBef>
-                <a:spcPts val="0"/>
-              </a:spcBef>
-              <a:spcAft>
-                <a:spcPts val="0"/>
-              </a:spcAft>
-              <a:buNone/>
-            </a:pPr>
-            <a:fld id="{00000000-1234-1234-1234-123412341234}" type="slidenum">
-              <a:rPr lang="fr-FR" smtClean="0"/>
-              <a:t>9</a:t>
-            </a:fld>
-            <a:endParaRPr lang="fr-FR"/>
-          </a:p>
-        </p:txBody>
-      </p:sp>
-    </p:spTree>
-    <p:extLst>
-      <p:ext uri="{BB962C8B-B14F-4D97-AF65-F5344CB8AC3E}">
-        <p14:creationId xmlns:p14="http://schemas.microsoft.com/office/powerpoint/2010/main" val="4009614938"/>
-      </p:ext>
-    </p:extLst>
   </p:cSld>
   <p:clrMapOvr>
     <a:masterClrMapping/>
